--- a/Day 8/slide/Spring Boot Security.pptx
+++ b/Day 8/slide/Spring Boot Security.pptx
@@ -11,9 +11,16 @@
     <p:sldId id="259" r:id="rId5"/>
     <p:sldId id="260" r:id="rId6"/>
     <p:sldId id="261" r:id="rId7"/>
-    <p:sldId id="262" r:id="rId8"/>
+    <p:sldId id="265" r:id="rId8"/>
     <p:sldId id="263" r:id="rId9"/>
     <p:sldId id="264" r:id="rId10"/>
+    <p:sldId id="266" r:id="rId11"/>
+    <p:sldId id="267" r:id="rId12"/>
+    <p:sldId id="268" r:id="rId13"/>
+    <p:sldId id="270" r:id="rId14"/>
+    <p:sldId id="271" r:id="rId15"/>
+    <p:sldId id="269" r:id="rId16"/>
+    <p:sldId id="262" r:id="rId17"/>
   </p:sldIdLst>
   <p:sldSz cx="12192000" cy="6858000"/>
   <p:notesSz cx="6858000" cy="9144000"/>
@@ -5849,7 +5856,3221 @@
 </p:sld>
 </file>
 
-<file path=ppt/slides/slide2.xml><?xml version="1.0" encoding="utf-8"?>
+<file path=ppt/slides/slide10.xml><?xml version="1.0" encoding="utf-8"?>
+<p:sld xmlns:a="http://schemas.openxmlformats.org/drawingml/2006/main" xmlns:r="http://schemas.openxmlformats.org/officeDocument/2006/relationships" xmlns:p="http://schemas.openxmlformats.org/presentationml/2006/main">
+  <p:cSld>
+    <p:bg>
+      <p:bgPr>
+        <a:solidFill>
+          <a:schemeClr val="bg1"/>
+        </a:solidFill>
+        <a:effectLst/>
+      </p:bgPr>
+    </p:bg>
+    <p:spTree>
+      <p:nvGrpSpPr>
+        <p:cNvPr id="1" name=""/>
+        <p:cNvGrpSpPr/>
+        <p:nvPr/>
+      </p:nvGrpSpPr>
+      <p:grpSpPr>
+        <a:xfrm>
+          <a:off x="0" y="0"/>
+          <a:ext cx="0" cy="0"/>
+          <a:chOff x="0" y="0"/>
+          <a:chExt cx="0" cy="0"/>
+        </a:xfrm>
+      </p:grpSpPr>
+      <p:sp>
+        <p:nvSpPr>
+          <p:cNvPr id="2" name="Titolo 1">
+            <a:extLst>
+              <a:ext uri="{FF2B5EF4-FFF2-40B4-BE49-F238E27FC236}">
+                <a16:creationId xmlns:a16="http://schemas.microsoft.com/office/drawing/2014/main" id="{77E7E7EF-3C45-93E7-62AA-7360E4EF7DC9}"/>
+              </a:ext>
+            </a:extLst>
+          </p:cNvPr>
+          <p:cNvSpPr>
+            <a:spLocks noGrp="1"/>
+          </p:cNvSpPr>
+          <p:nvPr>
+            <p:ph type="title"/>
+          </p:nvPr>
+        </p:nvSpPr>
+        <p:spPr>
+          <a:xfrm>
+            <a:off x="676746" y="609600"/>
+            <a:ext cx="3729076" cy="1320800"/>
+          </a:xfrm>
+        </p:spPr>
+        <p:txBody>
+          <a:bodyPr anchor="ctr">
+            <a:normAutofit/>
+          </a:bodyPr>
+          <a:lstStyle/>
+          <a:p>
+            <a:r>
+              <a:rPr lang="it-IT" dirty="0"/>
+              <a:t>Componente essenziali</a:t>
+            </a:r>
+          </a:p>
+        </p:txBody>
+      </p:sp>
+      <p:pic>
+        <p:nvPicPr>
+          <p:cNvPr id="5" name="Segnaposto contenuto 4" descr="Immagine che contiene testo, schermata, software&#10;&#10;Descrizione generata automaticamente">
+            <a:extLst>
+              <a:ext uri="{FF2B5EF4-FFF2-40B4-BE49-F238E27FC236}">
+                <a16:creationId xmlns:a16="http://schemas.microsoft.com/office/drawing/2014/main" id="{EB4CAE0F-ED79-72A2-3A7E-C46C78EDDDF2}"/>
+              </a:ext>
+            </a:extLst>
+          </p:cNvPr>
+          <p:cNvPicPr>
+            <a:picLocks noChangeAspect="1"/>
+          </p:cNvPicPr>
+          <p:nvPr/>
+        </p:nvPicPr>
+        <p:blipFill rotWithShape="1">
+          <a:blip r:embed="rId2"/>
+          <a:srcRect r="-186" b="60072"/>
+          <a:stretch/>
+        </p:blipFill>
+        <p:spPr>
+          <a:xfrm>
+            <a:off x="3040146" y="2472235"/>
+            <a:ext cx="9151854" cy="4278522"/>
+          </a:xfrm>
+          <a:prstGeom prst="rect">
+            <a:avLst/>
+          </a:prstGeom>
+        </p:spPr>
+      </p:pic>
+      <p:cxnSp>
+        <p:nvCxnSpPr>
+          <p:cNvPr id="7" name="Connettore 2 6">
+            <a:extLst>
+              <a:ext uri="{FF2B5EF4-FFF2-40B4-BE49-F238E27FC236}">
+                <a16:creationId xmlns:a16="http://schemas.microsoft.com/office/drawing/2014/main" id="{CFF9D8AE-3CF3-1C98-40E9-321DA293B0E8}"/>
+              </a:ext>
+            </a:extLst>
+          </p:cNvPr>
+          <p:cNvCxnSpPr>
+            <a:cxnSpLocks/>
+          </p:cNvCxnSpPr>
+          <p:nvPr/>
+        </p:nvCxnSpPr>
+        <p:spPr>
+          <a:xfrm>
+            <a:off x="5433134" y="1930400"/>
+            <a:ext cx="497149" cy="1691689"/>
+          </a:xfrm>
+          <a:prstGeom prst="straightConnector1">
+            <a:avLst/>
+          </a:prstGeom>
+          <a:ln>
+            <a:tailEnd type="triangle"/>
+          </a:ln>
+        </p:spPr>
+        <p:style>
+          <a:lnRef idx="1">
+            <a:schemeClr val="accent1"/>
+          </a:lnRef>
+          <a:fillRef idx="0">
+            <a:schemeClr val="accent1"/>
+          </a:fillRef>
+          <a:effectRef idx="0">
+            <a:schemeClr val="accent1"/>
+          </a:effectRef>
+          <a:fontRef idx="minor">
+            <a:schemeClr val="tx1"/>
+          </a:fontRef>
+        </p:style>
+      </p:cxnSp>
+      <p:sp>
+        <p:nvSpPr>
+          <p:cNvPr id="11" name="CasellaDiTesto 10">
+            <a:extLst>
+              <a:ext uri="{FF2B5EF4-FFF2-40B4-BE49-F238E27FC236}">
+                <a16:creationId xmlns:a16="http://schemas.microsoft.com/office/drawing/2014/main" id="{FB274CF5-D600-5CDD-811C-963F2C082778}"/>
+              </a:ext>
+            </a:extLst>
+          </p:cNvPr>
+          <p:cNvSpPr txBox="1"/>
+          <p:nvPr/>
+        </p:nvSpPr>
+        <p:spPr>
+          <a:xfrm>
+            <a:off x="4616388" y="1270000"/>
+            <a:ext cx="3515558" cy="646331"/>
+          </a:xfrm>
+          <a:prstGeom prst="rect">
+            <a:avLst/>
+          </a:prstGeom>
+          <a:noFill/>
+        </p:spPr>
+        <p:txBody>
+          <a:bodyPr wrap="square" rtlCol="0">
+            <a:spAutoFit/>
+          </a:bodyPr>
+          <a:lstStyle/>
+          <a:p>
+            <a:r>
+              <a:rPr lang="it-IT" sz="1200" dirty="0">
+                <a:solidFill>
+                  <a:schemeClr val="accent2"/>
+                </a:solidFill>
+              </a:rPr>
+              <a:t>Il </a:t>
+            </a:r>
+            <a:r>
+              <a:rPr lang="it-IT" sz="1200" dirty="0" err="1">
+                <a:solidFill>
+                  <a:schemeClr val="accent2"/>
+                </a:solidFill>
+              </a:rPr>
+              <a:t>bean</a:t>
+            </a:r>
+            <a:r>
+              <a:rPr lang="it-IT" sz="1200" dirty="0">
+                <a:solidFill>
+                  <a:schemeClr val="accent2"/>
+                </a:solidFill>
+              </a:rPr>
+              <a:t> </a:t>
+            </a:r>
+            <a:r>
+              <a:rPr lang="it-IT" sz="1200" dirty="0" err="1">
+                <a:solidFill>
+                  <a:schemeClr val="accent2"/>
+                </a:solidFill>
+              </a:rPr>
+              <a:t>InMemoryUserDetailsManager</a:t>
+            </a:r>
+            <a:r>
+              <a:rPr lang="it-IT" sz="1200" dirty="0">
+                <a:solidFill>
+                  <a:schemeClr val="accent2"/>
+                </a:solidFill>
+              </a:rPr>
+              <a:t> viene utilizzato per gestire gli utenti e le relative informazioni di autenticazione in memoria.</a:t>
+            </a:r>
+          </a:p>
+        </p:txBody>
+      </p:sp>
+      <p:cxnSp>
+        <p:nvCxnSpPr>
+          <p:cNvPr id="12" name="Connettore 2 11">
+            <a:extLst>
+              <a:ext uri="{FF2B5EF4-FFF2-40B4-BE49-F238E27FC236}">
+                <a16:creationId xmlns:a16="http://schemas.microsoft.com/office/drawing/2014/main" id="{902FA3B5-8F6F-E4C1-F56F-2495BD09E519}"/>
+              </a:ext>
+            </a:extLst>
+          </p:cNvPr>
+          <p:cNvCxnSpPr>
+            <a:cxnSpLocks/>
+          </p:cNvCxnSpPr>
+          <p:nvPr/>
+        </p:nvCxnSpPr>
+        <p:spPr>
+          <a:xfrm>
+            <a:off x="2029341" y="2919807"/>
+            <a:ext cx="2376481" cy="1004123"/>
+          </a:xfrm>
+          <a:prstGeom prst="straightConnector1">
+            <a:avLst/>
+          </a:prstGeom>
+          <a:ln>
+            <a:tailEnd type="triangle"/>
+          </a:ln>
+        </p:spPr>
+        <p:style>
+          <a:lnRef idx="1">
+            <a:schemeClr val="accent1"/>
+          </a:lnRef>
+          <a:fillRef idx="0">
+            <a:schemeClr val="accent1"/>
+          </a:fillRef>
+          <a:effectRef idx="0">
+            <a:schemeClr val="accent1"/>
+          </a:effectRef>
+          <a:fontRef idx="minor">
+            <a:schemeClr val="tx1"/>
+          </a:fontRef>
+        </p:style>
+      </p:cxnSp>
+      <p:sp>
+        <p:nvSpPr>
+          <p:cNvPr id="14" name="CasellaDiTesto 13">
+            <a:extLst>
+              <a:ext uri="{FF2B5EF4-FFF2-40B4-BE49-F238E27FC236}">
+                <a16:creationId xmlns:a16="http://schemas.microsoft.com/office/drawing/2014/main" id="{D2E18155-1B78-9B4A-19F9-E023A1177813}"/>
+              </a:ext>
+            </a:extLst>
+          </p:cNvPr>
+          <p:cNvSpPr txBox="1"/>
+          <p:nvPr/>
+        </p:nvSpPr>
+        <p:spPr>
+          <a:xfrm>
+            <a:off x="-8414" y="2129913"/>
+            <a:ext cx="2503039" cy="1938992"/>
+          </a:xfrm>
+          <a:prstGeom prst="rect">
+            <a:avLst/>
+          </a:prstGeom>
+          <a:noFill/>
+        </p:spPr>
+        <p:txBody>
+          <a:bodyPr wrap="square" rtlCol="0">
+            <a:spAutoFit/>
+          </a:bodyPr>
+          <a:lstStyle>
+            <a:defPPr>
+              <a:defRPr lang="en-US"/>
+            </a:defPPr>
+            <a:lvl1pPr>
+              <a:defRPr sz="1200">
+                <a:solidFill>
+                  <a:schemeClr val="accent2"/>
+                </a:solidFill>
+              </a:defRPr>
+            </a:lvl1pPr>
+          </a:lstStyle>
+          <a:p>
+            <a:r>
+              <a:rPr lang="it-IT" dirty="0"/>
+              <a:t>Il metodo </a:t>
+            </a:r>
+            <a:r>
+              <a:rPr lang="it-IT" dirty="0" err="1"/>
+              <a:t>userDetailsService</a:t>
+            </a:r>
+            <a:r>
+              <a:rPr lang="it-IT" dirty="0"/>
+              <a:t> accetta un parametro </a:t>
+            </a:r>
+            <a:r>
+              <a:rPr lang="it-IT" dirty="0" err="1"/>
+              <a:t>PasswordEncoder</a:t>
+            </a:r>
+            <a:r>
+              <a:rPr lang="it-IT" dirty="0"/>
+              <a:t> che viene utilizzato per codificare le password degli utenti. L'</a:t>
+            </a:r>
+            <a:r>
+              <a:rPr lang="it-IT" dirty="0" err="1"/>
+              <a:t>PasswordEncoder</a:t>
+            </a:r>
+            <a:r>
+              <a:rPr lang="it-IT" dirty="0"/>
+              <a:t> viene iniettato automaticamente da Spring attraverso l'inversione di controllo e l'iniezione delle dipendenze.</a:t>
+            </a:r>
+          </a:p>
+        </p:txBody>
+      </p:sp>
+      <p:sp>
+        <p:nvSpPr>
+          <p:cNvPr id="15" name="CasellaDiTesto 14">
+            <a:extLst>
+              <a:ext uri="{FF2B5EF4-FFF2-40B4-BE49-F238E27FC236}">
+                <a16:creationId xmlns:a16="http://schemas.microsoft.com/office/drawing/2014/main" id="{02F28420-022C-5FA5-F3DB-9506B610A204}"/>
+              </a:ext>
+            </a:extLst>
+          </p:cNvPr>
+          <p:cNvSpPr txBox="1"/>
+          <p:nvPr/>
+        </p:nvSpPr>
+        <p:spPr>
+          <a:xfrm>
+            <a:off x="331208" y="4183181"/>
+            <a:ext cx="2503039" cy="2308324"/>
+          </a:xfrm>
+          <a:prstGeom prst="rect">
+            <a:avLst/>
+          </a:prstGeom>
+          <a:noFill/>
+        </p:spPr>
+        <p:txBody>
+          <a:bodyPr wrap="square" rtlCol="0">
+            <a:spAutoFit/>
+          </a:bodyPr>
+          <a:lstStyle>
+            <a:defPPr>
+              <a:defRPr lang="en-US"/>
+            </a:defPPr>
+            <a:lvl1pPr>
+              <a:defRPr sz="1200">
+                <a:solidFill>
+                  <a:schemeClr val="accent2"/>
+                </a:solidFill>
+              </a:defRPr>
+            </a:lvl1pPr>
+          </a:lstStyle>
+          <a:p>
+            <a:r>
+              <a:rPr lang="it-IT" dirty="0"/>
+              <a:t>All'interno del metodo </a:t>
+            </a:r>
+            <a:r>
+              <a:rPr lang="it-IT" dirty="0" err="1"/>
+              <a:t>userDetailsService</a:t>
+            </a:r>
+            <a:r>
+              <a:rPr lang="it-IT" dirty="0"/>
+              <a:t>, vengono creati due oggetti </a:t>
+            </a:r>
+            <a:r>
+              <a:rPr lang="it-IT" dirty="0" err="1"/>
+              <a:t>UserDetails</a:t>
+            </a:r>
+            <a:r>
+              <a:rPr lang="it-IT" dirty="0"/>
+              <a:t>: uno per l'utente "user" e uno per l'utente "user2". Questi oggetti </a:t>
+            </a:r>
+            <a:r>
+              <a:rPr lang="it-IT" dirty="0" err="1"/>
+              <a:t>UserDetails</a:t>
+            </a:r>
+            <a:r>
+              <a:rPr lang="it-IT" dirty="0"/>
+              <a:t> vengono creati utilizzando il builder User fornito da Spring Security. Viene specificato il nome utente, la password (che viene codificata utilizzando l'</a:t>
+            </a:r>
+            <a:r>
+              <a:rPr lang="it-IT" dirty="0" err="1"/>
+              <a:t>PasswordEncoder</a:t>
+            </a:r>
+            <a:r>
+              <a:rPr lang="it-IT" dirty="0"/>
+              <a:t>), e i ruoli associati all'utente.</a:t>
+            </a:r>
+          </a:p>
+        </p:txBody>
+      </p:sp>
+    </p:spTree>
+    <p:extLst>
+      <p:ext uri="{BB962C8B-B14F-4D97-AF65-F5344CB8AC3E}">
+        <p14:creationId xmlns:p14="http://schemas.microsoft.com/office/powerpoint/2010/main" val="3846322434"/>
+      </p:ext>
+    </p:extLst>
+  </p:cSld>
+  <p:clrMapOvr>
+    <a:masterClrMapping/>
+  </p:clrMapOvr>
+</p:sld>
+</file>
+
+<file path=ppt/slides/slide11.xml><?xml version="1.0" encoding="utf-8"?>
+<p:sld xmlns:a="http://schemas.openxmlformats.org/drawingml/2006/main" xmlns:r="http://schemas.openxmlformats.org/officeDocument/2006/relationships" xmlns:p="http://schemas.openxmlformats.org/presentationml/2006/main">
+  <p:cSld>
+    <p:bg>
+      <p:bgPr>
+        <a:solidFill>
+          <a:schemeClr val="bg1"/>
+        </a:solidFill>
+        <a:effectLst/>
+      </p:bgPr>
+    </p:bg>
+    <p:spTree>
+      <p:nvGrpSpPr>
+        <p:cNvPr id="1" name=""/>
+        <p:cNvGrpSpPr/>
+        <p:nvPr/>
+      </p:nvGrpSpPr>
+      <p:grpSpPr>
+        <a:xfrm>
+          <a:off x="0" y="0"/>
+          <a:ext cx="0" cy="0"/>
+          <a:chOff x="0" y="0"/>
+          <a:chExt cx="0" cy="0"/>
+        </a:xfrm>
+      </p:grpSpPr>
+      <p:sp>
+        <p:nvSpPr>
+          <p:cNvPr id="2" name="Titolo 1">
+            <a:extLst>
+              <a:ext uri="{FF2B5EF4-FFF2-40B4-BE49-F238E27FC236}">
+                <a16:creationId xmlns:a16="http://schemas.microsoft.com/office/drawing/2014/main" id="{77E7E7EF-3C45-93E7-62AA-7360E4EF7DC9}"/>
+              </a:ext>
+            </a:extLst>
+          </p:cNvPr>
+          <p:cNvSpPr>
+            <a:spLocks noGrp="1"/>
+          </p:cNvSpPr>
+          <p:nvPr>
+            <p:ph type="title"/>
+          </p:nvPr>
+        </p:nvSpPr>
+        <p:spPr>
+          <a:xfrm>
+            <a:off x="677334" y="609600"/>
+            <a:ext cx="8596668" cy="1320800"/>
+          </a:xfrm>
+        </p:spPr>
+        <p:txBody>
+          <a:bodyPr vert="horz" lIns="91440" tIns="45720" rIns="91440" bIns="45720" rtlCol="0" anchor="t">
+            <a:normAutofit/>
+          </a:bodyPr>
+          <a:lstStyle/>
+          <a:p>
+            <a:r>
+              <a:rPr lang="en-US"/>
+              <a:t>Componente essenziali</a:t>
+            </a:r>
+          </a:p>
+        </p:txBody>
+      </p:sp>
+      <p:sp>
+        <p:nvSpPr>
+          <p:cNvPr id="6" name="CasellaDiTesto 5">
+            <a:extLst>
+              <a:ext uri="{FF2B5EF4-FFF2-40B4-BE49-F238E27FC236}">
+                <a16:creationId xmlns:a16="http://schemas.microsoft.com/office/drawing/2014/main" id="{48F263AB-8568-C6A3-BACC-549EAA7F3DF2}"/>
+              </a:ext>
+            </a:extLst>
+          </p:cNvPr>
+          <p:cNvSpPr txBox="1"/>
+          <p:nvPr/>
+        </p:nvSpPr>
+        <p:spPr>
+          <a:xfrm>
+            <a:off x="6336287" y="2160589"/>
+            <a:ext cx="3810890" cy="3880773"/>
+          </a:xfrm>
+          <a:prstGeom prst="rect">
+            <a:avLst/>
+          </a:prstGeom>
+        </p:spPr>
+        <p:txBody>
+          <a:bodyPr vert="horz" lIns="91440" tIns="45720" rIns="91440" bIns="45720" rtlCol="0">
+            <a:normAutofit/>
+          </a:bodyPr>
+          <a:lstStyle/>
+          <a:p>
+            <a:pPr>
+              <a:lnSpc>
+                <a:spcPct val="90000"/>
+              </a:lnSpc>
+              <a:spcBef>
+                <a:spcPts val="1000"/>
+              </a:spcBef>
+              <a:buClr>
+                <a:schemeClr val="accent1"/>
+              </a:buClr>
+              <a:buSzPct val="80000"/>
+              <a:buFont typeface="Wingdings 3" charset="2"/>
+              <a:buChar char=""/>
+            </a:pPr>
+            <a:r>
+              <a:rPr lang="en-US" sz="1100" b="1" dirty="0">
+                <a:solidFill>
+                  <a:schemeClr val="tx1">
+                    <a:lumMod val="75000"/>
+                    <a:lumOff val="25000"/>
+                  </a:schemeClr>
+                </a:solidFill>
+              </a:rPr>
+              <a:t> </a:t>
+            </a:r>
+            <a:r>
+              <a:rPr lang="en-US" sz="1100" b="1" dirty="0" err="1">
+                <a:solidFill>
+                  <a:schemeClr val="tx1">
+                    <a:lumMod val="75000"/>
+                    <a:lumOff val="25000"/>
+                  </a:schemeClr>
+                </a:solidFill>
+              </a:rPr>
+              <a:t>passwordEncoder</a:t>
+            </a:r>
+            <a:r>
+              <a:rPr lang="en-US" sz="1100" b="1" dirty="0">
+                <a:solidFill>
+                  <a:schemeClr val="tx1">
+                    <a:lumMod val="75000"/>
+                    <a:lumOff val="25000"/>
+                  </a:schemeClr>
+                </a:solidFill>
+              </a:rPr>
+              <a:t>()</a:t>
+            </a:r>
+            <a:r>
+              <a:rPr lang="en-US" sz="1100" dirty="0">
+                <a:solidFill>
+                  <a:schemeClr val="tx1">
+                    <a:lumMod val="75000"/>
+                    <a:lumOff val="25000"/>
+                  </a:schemeClr>
+                </a:solidFill>
+              </a:rPr>
+              <a:t>: </a:t>
+            </a:r>
+            <a:r>
+              <a:rPr lang="en-US" sz="1100" dirty="0" err="1">
+                <a:solidFill>
+                  <a:schemeClr val="tx1">
+                    <a:lumMod val="75000"/>
+                    <a:lumOff val="25000"/>
+                  </a:schemeClr>
+                </a:solidFill>
+              </a:rPr>
+              <a:t>Questo</a:t>
+            </a:r>
+            <a:r>
+              <a:rPr lang="en-US" sz="1100" dirty="0">
+                <a:solidFill>
+                  <a:schemeClr val="tx1">
+                    <a:lumMod val="75000"/>
+                    <a:lumOff val="25000"/>
+                  </a:schemeClr>
+                </a:solidFill>
+              </a:rPr>
+              <a:t> </a:t>
+            </a:r>
+            <a:r>
+              <a:rPr lang="en-US" sz="1100" dirty="0" err="1">
+                <a:solidFill>
+                  <a:schemeClr val="tx1">
+                    <a:lumMod val="75000"/>
+                    <a:lumOff val="25000"/>
+                  </a:schemeClr>
+                </a:solidFill>
+              </a:rPr>
+              <a:t>metodo</a:t>
+            </a:r>
+            <a:r>
+              <a:rPr lang="en-US" sz="1100" dirty="0">
+                <a:solidFill>
+                  <a:schemeClr val="tx1">
+                    <a:lumMod val="75000"/>
+                    <a:lumOff val="25000"/>
+                  </a:schemeClr>
+                </a:solidFill>
+              </a:rPr>
+              <a:t> </a:t>
+            </a:r>
+            <a:r>
+              <a:rPr lang="en-US" sz="1100" dirty="0" err="1">
+                <a:solidFill>
+                  <a:schemeClr val="tx1">
+                    <a:lumMod val="75000"/>
+                    <a:lumOff val="25000"/>
+                  </a:schemeClr>
+                </a:solidFill>
+              </a:rPr>
+              <a:t>restituisce</a:t>
+            </a:r>
+            <a:r>
+              <a:rPr lang="en-US" sz="1100" dirty="0">
+                <a:solidFill>
+                  <a:schemeClr val="tx1">
+                    <a:lumMod val="75000"/>
+                    <a:lumOff val="25000"/>
+                  </a:schemeClr>
+                </a:solidFill>
+              </a:rPr>
+              <a:t> un bean di </a:t>
+            </a:r>
+            <a:r>
+              <a:rPr lang="en-US" sz="1100" dirty="0" err="1">
+                <a:solidFill>
+                  <a:schemeClr val="tx1">
+                    <a:lumMod val="75000"/>
+                    <a:lumOff val="25000"/>
+                  </a:schemeClr>
+                </a:solidFill>
+              </a:rPr>
+              <a:t>tipo</a:t>
+            </a:r>
+            <a:r>
+              <a:rPr lang="en-US" sz="1100" dirty="0">
+                <a:solidFill>
+                  <a:schemeClr val="tx1">
+                    <a:lumMod val="75000"/>
+                    <a:lumOff val="25000"/>
+                  </a:schemeClr>
+                </a:solidFill>
+              </a:rPr>
+              <a:t> </a:t>
+            </a:r>
+            <a:r>
+              <a:rPr lang="en-US" sz="1100" dirty="0" err="1">
+                <a:solidFill>
+                  <a:schemeClr val="tx1">
+                    <a:lumMod val="75000"/>
+                    <a:lumOff val="25000"/>
+                  </a:schemeClr>
+                </a:solidFill>
+              </a:rPr>
+              <a:t>PasswordEncoder</a:t>
+            </a:r>
+            <a:r>
+              <a:rPr lang="en-US" sz="1100" dirty="0">
+                <a:solidFill>
+                  <a:schemeClr val="tx1">
+                    <a:lumMod val="75000"/>
+                    <a:lumOff val="25000"/>
+                  </a:schemeClr>
+                </a:solidFill>
+              </a:rPr>
+              <a:t>. </a:t>
+            </a:r>
+            <a:r>
+              <a:rPr lang="en-US" sz="1100" dirty="0" err="1">
+                <a:solidFill>
+                  <a:schemeClr val="tx1">
+                    <a:lumMod val="75000"/>
+                    <a:lumOff val="25000"/>
+                  </a:schemeClr>
+                </a:solidFill>
+              </a:rPr>
+              <a:t>L'@Bean</a:t>
+            </a:r>
+            <a:r>
+              <a:rPr lang="en-US" sz="1100" dirty="0">
+                <a:solidFill>
+                  <a:schemeClr val="tx1">
+                    <a:lumMod val="75000"/>
+                    <a:lumOff val="25000"/>
+                  </a:schemeClr>
+                </a:solidFill>
+              </a:rPr>
+              <a:t> indica a Spring di </a:t>
+            </a:r>
+            <a:r>
+              <a:rPr lang="en-US" sz="1100" dirty="0" err="1">
+                <a:solidFill>
+                  <a:schemeClr val="tx1">
+                    <a:lumMod val="75000"/>
+                    <a:lumOff val="25000"/>
+                  </a:schemeClr>
+                </a:solidFill>
+              </a:rPr>
+              <a:t>gestire</a:t>
+            </a:r>
+            <a:r>
+              <a:rPr lang="en-US" sz="1100" dirty="0">
+                <a:solidFill>
+                  <a:schemeClr val="tx1">
+                    <a:lumMod val="75000"/>
+                    <a:lumOff val="25000"/>
+                  </a:schemeClr>
+                </a:solidFill>
+              </a:rPr>
+              <a:t> la </a:t>
+            </a:r>
+            <a:r>
+              <a:rPr lang="en-US" sz="1100" dirty="0" err="1">
+                <a:solidFill>
+                  <a:schemeClr val="tx1">
+                    <a:lumMod val="75000"/>
+                    <a:lumOff val="25000"/>
+                  </a:schemeClr>
+                </a:solidFill>
+              </a:rPr>
+              <a:t>creazione</a:t>
+            </a:r>
+            <a:r>
+              <a:rPr lang="en-US" sz="1100" dirty="0">
+                <a:solidFill>
+                  <a:schemeClr val="tx1">
+                    <a:lumMod val="75000"/>
+                    <a:lumOff val="25000"/>
+                  </a:schemeClr>
+                </a:solidFill>
+              </a:rPr>
+              <a:t> e la </a:t>
+            </a:r>
+            <a:r>
+              <a:rPr lang="en-US" sz="1100" dirty="0" err="1">
+                <a:solidFill>
+                  <a:schemeClr val="tx1">
+                    <a:lumMod val="75000"/>
+                    <a:lumOff val="25000"/>
+                  </a:schemeClr>
+                </a:solidFill>
+              </a:rPr>
+              <a:t>gestione</a:t>
+            </a:r>
+            <a:r>
+              <a:rPr lang="en-US" sz="1100" dirty="0">
+                <a:solidFill>
+                  <a:schemeClr val="tx1">
+                    <a:lumMod val="75000"/>
+                    <a:lumOff val="25000"/>
+                  </a:schemeClr>
+                </a:solidFill>
+              </a:rPr>
+              <a:t> di </a:t>
+            </a:r>
+            <a:r>
+              <a:rPr lang="en-US" sz="1100" dirty="0" err="1">
+                <a:solidFill>
+                  <a:schemeClr val="tx1">
+                    <a:lumMod val="75000"/>
+                    <a:lumOff val="25000"/>
+                  </a:schemeClr>
+                </a:solidFill>
+              </a:rPr>
+              <a:t>questo</a:t>
+            </a:r>
+            <a:r>
+              <a:rPr lang="en-US" sz="1100" dirty="0">
+                <a:solidFill>
+                  <a:schemeClr val="tx1">
+                    <a:lumMod val="75000"/>
+                    <a:lumOff val="25000"/>
+                  </a:schemeClr>
+                </a:solidFill>
+              </a:rPr>
+              <a:t> </a:t>
+            </a:r>
+            <a:r>
+              <a:rPr lang="en-US" sz="1100" dirty="0" err="1">
+                <a:solidFill>
+                  <a:schemeClr val="tx1">
+                    <a:lumMod val="75000"/>
+                    <a:lumOff val="25000"/>
+                  </a:schemeClr>
+                </a:solidFill>
+              </a:rPr>
+              <a:t>oggetto</a:t>
+            </a:r>
+            <a:r>
+              <a:rPr lang="en-US" sz="1100" dirty="0">
+                <a:solidFill>
+                  <a:schemeClr val="tx1">
+                    <a:lumMod val="75000"/>
+                    <a:lumOff val="25000"/>
+                  </a:schemeClr>
+                </a:solidFill>
+              </a:rPr>
+              <a:t> </a:t>
+            </a:r>
+            <a:r>
+              <a:rPr lang="en-US" sz="1100" dirty="0" err="1">
+                <a:solidFill>
+                  <a:schemeClr val="tx1">
+                    <a:lumMod val="75000"/>
+                    <a:lumOff val="25000"/>
+                  </a:schemeClr>
+                </a:solidFill>
+              </a:rPr>
+              <a:t>all'interno</a:t>
+            </a:r>
+            <a:r>
+              <a:rPr lang="en-US" sz="1100" dirty="0">
+                <a:solidFill>
+                  <a:schemeClr val="tx1">
+                    <a:lumMod val="75000"/>
+                    <a:lumOff val="25000"/>
+                  </a:schemeClr>
+                </a:solidFill>
+              </a:rPr>
+              <a:t> del </a:t>
+            </a:r>
+            <a:r>
+              <a:rPr lang="en-US" sz="1100" dirty="0" err="1">
+                <a:solidFill>
+                  <a:schemeClr val="tx1">
+                    <a:lumMod val="75000"/>
+                    <a:lumOff val="25000"/>
+                  </a:schemeClr>
+                </a:solidFill>
+              </a:rPr>
+              <a:t>contesto</a:t>
+            </a:r>
+            <a:r>
+              <a:rPr lang="en-US" sz="1100" dirty="0">
+                <a:solidFill>
+                  <a:schemeClr val="tx1">
+                    <a:lumMod val="75000"/>
+                    <a:lumOff val="25000"/>
+                  </a:schemeClr>
+                </a:solidFill>
+              </a:rPr>
+              <a:t> </a:t>
+            </a:r>
+            <a:r>
+              <a:rPr lang="en-US" sz="1100" dirty="0" err="1">
+                <a:solidFill>
+                  <a:schemeClr val="tx1">
+                    <a:lumMod val="75000"/>
+                    <a:lumOff val="25000"/>
+                  </a:schemeClr>
+                </a:solidFill>
+              </a:rPr>
+              <a:t>dell'applicazione</a:t>
+            </a:r>
+            <a:r>
+              <a:rPr lang="en-US" sz="1100" dirty="0">
+                <a:solidFill>
+                  <a:schemeClr val="tx1">
+                    <a:lumMod val="75000"/>
+                    <a:lumOff val="25000"/>
+                  </a:schemeClr>
+                </a:solidFill>
+              </a:rPr>
+              <a:t>. Nel </a:t>
+            </a:r>
+            <a:r>
+              <a:rPr lang="en-US" sz="1100" dirty="0" err="1">
+                <a:solidFill>
+                  <a:schemeClr val="tx1">
+                    <a:lumMod val="75000"/>
+                    <a:lumOff val="25000"/>
+                  </a:schemeClr>
+                </a:solidFill>
+              </a:rPr>
+              <a:t>tuo</a:t>
+            </a:r>
+            <a:r>
+              <a:rPr lang="en-US" sz="1100" dirty="0">
+                <a:solidFill>
+                  <a:schemeClr val="tx1">
+                    <a:lumMod val="75000"/>
+                    <a:lumOff val="25000"/>
+                  </a:schemeClr>
+                </a:solidFill>
+              </a:rPr>
+              <a:t> </a:t>
+            </a:r>
+            <a:r>
+              <a:rPr lang="en-US" sz="1100" dirty="0" err="1">
+                <a:solidFill>
+                  <a:schemeClr val="tx1">
+                    <a:lumMod val="75000"/>
+                    <a:lumOff val="25000"/>
+                  </a:schemeClr>
+                </a:solidFill>
+              </a:rPr>
+              <a:t>esempio</a:t>
+            </a:r>
+            <a:r>
+              <a:rPr lang="en-US" sz="1100" dirty="0">
+                <a:solidFill>
+                  <a:schemeClr val="tx1">
+                    <a:lumMod val="75000"/>
+                    <a:lumOff val="25000"/>
+                  </a:schemeClr>
+                </a:solidFill>
+              </a:rPr>
+              <a:t>, </a:t>
+            </a:r>
+            <a:r>
+              <a:rPr lang="en-US" sz="1100" dirty="0" err="1">
+                <a:solidFill>
+                  <a:schemeClr val="tx1">
+                    <a:lumMod val="75000"/>
+                    <a:lumOff val="25000"/>
+                  </a:schemeClr>
+                </a:solidFill>
+              </a:rPr>
+              <a:t>viene</a:t>
+            </a:r>
+            <a:r>
+              <a:rPr lang="en-US" sz="1100" dirty="0">
+                <a:solidFill>
+                  <a:schemeClr val="tx1">
+                    <a:lumMod val="75000"/>
+                    <a:lumOff val="25000"/>
+                  </a:schemeClr>
+                </a:solidFill>
+              </a:rPr>
+              <a:t> </a:t>
+            </a:r>
+            <a:r>
+              <a:rPr lang="en-US" sz="1100" dirty="0" err="1">
+                <a:solidFill>
+                  <a:schemeClr val="tx1">
+                    <a:lumMod val="75000"/>
+                    <a:lumOff val="25000"/>
+                  </a:schemeClr>
+                </a:solidFill>
+              </a:rPr>
+              <a:t>utilizzato</a:t>
+            </a:r>
+            <a:r>
+              <a:rPr lang="en-US" sz="1100" dirty="0">
+                <a:solidFill>
+                  <a:schemeClr val="tx1">
+                    <a:lumMod val="75000"/>
+                    <a:lumOff val="25000"/>
+                  </a:schemeClr>
+                </a:solidFill>
+              </a:rPr>
+              <a:t> </a:t>
+            </a:r>
+            <a:r>
+              <a:rPr lang="en-US" sz="1100" dirty="0" err="1">
+                <a:solidFill>
+                  <a:schemeClr val="tx1">
+                    <a:lumMod val="75000"/>
+                    <a:lumOff val="25000"/>
+                  </a:schemeClr>
+                </a:solidFill>
+              </a:rPr>
+              <a:t>BCryptPasswordEncoder</a:t>
+            </a:r>
+            <a:r>
+              <a:rPr lang="en-US" sz="1100" dirty="0">
+                <a:solidFill>
+                  <a:schemeClr val="tx1">
+                    <a:lumMod val="75000"/>
+                    <a:lumOff val="25000"/>
+                  </a:schemeClr>
+                </a:solidFill>
+              </a:rPr>
+              <a:t>, </a:t>
+            </a:r>
+            <a:r>
+              <a:rPr lang="en-US" sz="1100" dirty="0" err="1">
+                <a:solidFill>
+                  <a:schemeClr val="tx1">
+                    <a:lumMod val="75000"/>
+                    <a:lumOff val="25000"/>
+                  </a:schemeClr>
+                </a:solidFill>
+              </a:rPr>
+              <a:t>che</a:t>
+            </a:r>
+            <a:r>
+              <a:rPr lang="en-US" sz="1100" dirty="0">
+                <a:solidFill>
+                  <a:schemeClr val="tx1">
+                    <a:lumMod val="75000"/>
+                    <a:lumOff val="25000"/>
+                  </a:schemeClr>
+                </a:solidFill>
+              </a:rPr>
+              <a:t> </a:t>
+            </a:r>
+            <a:r>
+              <a:rPr lang="en-US" sz="1100" dirty="0" err="1">
+                <a:solidFill>
+                  <a:schemeClr val="tx1">
+                    <a:lumMod val="75000"/>
+                    <a:lumOff val="25000"/>
+                  </a:schemeClr>
+                </a:solidFill>
+              </a:rPr>
+              <a:t>è</a:t>
+            </a:r>
+            <a:r>
+              <a:rPr lang="en-US" sz="1100" dirty="0">
+                <a:solidFill>
+                  <a:schemeClr val="tx1">
+                    <a:lumMod val="75000"/>
+                    <a:lumOff val="25000"/>
+                  </a:schemeClr>
+                </a:solidFill>
+              </a:rPr>
+              <a:t> </a:t>
+            </a:r>
+            <a:r>
+              <a:rPr lang="en-US" sz="1100" dirty="0" err="1">
+                <a:solidFill>
+                  <a:schemeClr val="tx1">
+                    <a:lumMod val="75000"/>
+                    <a:lumOff val="25000"/>
+                  </a:schemeClr>
+                </a:solidFill>
+              </a:rPr>
+              <a:t>un'implementazione</a:t>
+            </a:r>
+            <a:r>
+              <a:rPr lang="en-US" sz="1100" dirty="0">
+                <a:solidFill>
+                  <a:schemeClr val="tx1">
+                    <a:lumMod val="75000"/>
+                    <a:lumOff val="25000"/>
+                  </a:schemeClr>
+                </a:solidFill>
+              </a:rPr>
+              <a:t> di </a:t>
+            </a:r>
+            <a:r>
+              <a:rPr lang="en-US" sz="1100" dirty="0" err="1">
+                <a:solidFill>
+                  <a:schemeClr val="tx1">
+                    <a:lumMod val="75000"/>
+                    <a:lumOff val="25000"/>
+                  </a:schemeClr>
+                </a:solidFill>
+              </a:rPr>
+              <a:t>PasswordEncoder</a:t>
+            </a:r>
+            <a:r>
+              <a:rPr lang="en-US" sz="1100" dirty="0">
+                <a:solidFill>
+                  <a:schemeClr val="tx1">
+                    <a:lumMod val="75000"/>
+                    <a:lumOff val="25000"/>
+                  </a:schemeClr>
+                </a:solidFill>
+              </a:rPr>
+              <a:t> </a:t>
+            </a:r>
+            <a:r>
+              <a:rPr lang="en-US" sz="1100" dirty="0" err="1">
+                <a:solidFill>
+                  <a:schemeClr val="tx1">
+                    <a:lumMod val="75000"/>
+                    <a:lumOff val="25000"/>
+                  </a:schemeClr>
+                </a:solidFill>
+              </a:rPr>
+              <a:t>fornita</a:t>
+            </a:r>
+            <a:r>
+              <a:rPr lang="en-US" sz="1100" dirty="0">
+                <a:solidFill>
+                  <a:schemeClr val="tx1">
+                    <a:lumMod val="75000"/>
+                    <a:lumOff val="25000"/>
+                  </a:schemeClr>
+                </a:solidFill>
+              </a:rPr>
+              <a:t> da Spring Security per </a:t>
+            </a:r>
+            <a:r>
+              <a:rPr lang="en-US" sz="1100" dirty="0" err="1">
+                <a:solidFill>
+                  <a:schemeClr val="tx1">
+                    <a:lumMod val="75000"/>
+                    <a:lumOff val="25000"/>
+                  </a:schemeClr>
+                </a:solidFill>
+              </a:rPr>
+              <a:t>codificare</a:t>
+            </a:r>
+            <a:r>
+              <a:rPr lang="en-US" sz="1100" dirty="0">
+                <a:solidFill>
+                  <a:schemeClr val="tx1">
+                    <a:lumMod val="75000"/>
+                    <a:lumOff val="25000"/>
+                  </a:schemeClr>
+                </a:solidFill>
+              </a:rPr>
+              <a:t> le password in modo </a:t>
+            </a:r>
+            <a:r>
+              <a:rPr lang="en-US" sz="1100" dirty="0" err="1">
+                <a:solidFill>
+                  <a:schemeClr val="tx1">
+                    <a:lumMod val="75000"/>
+                    <a:lumOff val="25000"/>
+                  </a:schemeClr>
+                </a:solidFill>
+              </a:rPr>
+              <a:t>sicuro</a:t>
+            </a:r>
+            <a:r>
+              <a:rPr lang="en-US" sz="1100" dirty="0">
+                <a:solidFill>
+                  <a:schemeClr val="tx1">
+                    <a:lumMod val="75000"/>
+                    <a:lumOff val="25000"/>
+                  </a:schemeClr>
+                </a:solidFill>
+              </a:rPr>
+              <a:t> </a:t>
+            </a:r>
+            <a:r>
+              <a:rPr lang="en-US" sz="1100" dirty="0" err="1">
+                <a:solidFill>
+                  <a:schemeClr val="tx1">
+                    <a:lumMod val="75000"/>
+                    <a:lumOff val="25000"/>
+                  </a:schemeClr>
+                </a:solidFill>
+              </a:rPr>
+              <a:t>utilizzando</a:t>
+            </a:r>
+            <a:r>
+              <a:rPr lang="en-US" sz="1100" dirty="0">
+                <a:solidFill>
+                  <a:schemeClr val="tx1">
+                    <a:lumMod val="75000"/>
+                    <a:lumOff val="25000"/>
+                  </a:schemeClr>
+                </a:solidFill>
+              </a:rPr>
+              <a:t> </a:t>
+            </a:r>
+            <a:r>
+              <a:rPr lang="en-US" sz="1100" dirty="0" err="1">
+                <a:solidFill>
+                  <a:schemeClr val="tx1">
+                    <a:lumMod val="75000"/>
+                    <a:lumOff val="25000"/>
+                  </a:schemeClr>
+                </a:solidFill>
+              </a:rPr>
+              <a:t>l'algoritmo</a:t>
+            </a:r>
+            <a:r>
+              <a:rPr lang="en-US" sz="1100" dirty="0">
+                <a:solidFill>
+                  <a:schemeClr val="tx1">
+                    <a:lumMod val="75000"/>
+                    <a:lumOff val="25000"/>
+                  </a:schemeClr>
+                </a:solidFill>
+              </a:rPr>
+              <a:t> di hashing </a:t>
+            </a:r>
+            <a:r>
+              <a:rPr lang="en-US" sz="1100" dirty="0" err="1">
+                <a:solidFill>
+                  <a:schemeClr val="tx1">
+                    <a:lumMod val="75000"/>
+                    <a:lumOff val="25000"/>
+                  </a:schemeClr>
+                </a:solidFill>
+              </a:rPr>
+              <a:t>bcrypt</a:t>
+            </a:r>
+            <a:r>
+              <a:rPr lang="en-US" sz="1100" dirty="0">
+                <a:solidFill>
+                  <a:schemeClr val="tx1">
+                    <a:lumMod val="75000"/>
+                    <a:lumOff val="25000"/>
+                  </a:schemeClr>
+                </a:solidFill>
+              </a:rPr>
+              <a:t>. </a:t>
+            </a:r>
+            <a:r>
+              <a:rPr lang="en-US" sz="1100" dirty="0" err="1">
+                <a:solidFill>
+                  <a:schemeClr val="tx1">
+                    <a:lumMod val="75000"/>
+                    <a:lumOff val="25000"/>
+                  </a:schemeClr>
+                </a:solidFill>
+              </a:rPr>
+              <a:t>Questo</a:t>
+            </a:r>
+            <a:r>
+              <a:rPr lang="en-US" sz="1100" dirty="0">
+                <a:solidFill>
+                  <a:schemeClr val="tx1">
+                    <a:lumMod val="75000"/>
+                    <a:lumOff val="25000"/>
+                  </a:schemeClr>
+                </a:solidFill>
+              </a:rPr>
+              <a:t> bean </a:t>
+            </a:r>
+            <a:r>
+              <a:rPr lang="en-US" sz="1100" dirty="0" err="1">
+                <a:solidFill>
+                  <a:schemeClr val="tx1">
+                    <a:lumMod val="75000"/>
+                    <a:lumOff val="25000"/>
+                  </a:schemeClr>
+                </a:solidFill>
+              </a:rPr>
+              <a:t>può</a:t>
+            </a:r>
+            <a:r>
+              <a:rPr lang="en-US" sz="1100" dirty="0">
+                <a:solidFill>
+                  <a:schemeClr val="tx1">
+                    <a:lumMod val="75000"/>
+                    <a:lumOff val="25000"/>
+                  </a:schemeClr>
+                </a:solidFill>
+              </a:rPr>
+              <a:t> </a:t>
+            </a:r>
+            <a:r>
+              <a:rPr lang="en-US" sz="1100" dirty="0" err="1">
+                <a:solidFill>
+                  <a:schemeClr val="tx1">
+                    <a:lumMod val="75000"/>
+                    <a:lumOff val="25000"/>
+                  </a:schemeClr>
+                </a:solidFill>
+              </a:rPr>
+              <a:t>essere</a:t>
+            </a:r>
+            <a:r>
+              <a:rPr lang="en-US" sz="1100" dirty="0">
+                <a:solidFill>
+                  <a:schemeClr val="tx1">
+                    <a:lumMod val="75000"/>
+                    <a:lumOff val="25000"/>
+                  </a:schemeClr>
+                </a:solidFill>
+              </a:rPr>
+              <a:t> </a:t>
+            </a:r>
+            <a:r>
+              <a:rPr lang="en-US" sz="1100" dirty="0" err="1">
+                <a:solidFill>
+                  <a:schemeClr val="tx1">
+                    <a:lumMod val="75000"/>
+                    <a:lumOff val="25000"/>
+                  </a:schemeClr>
+                </a:solidFill>
+              </a:rPr>
+              <a:t>iniettato</a:t>
+            </a:r>
+            <a:r>
+              <a:rPr lang="en-US" sz="1100" dirty="0">
+                <a:solidFill>
+                  <a:schemeClr val="tx1">
+                    <a:lumMod val="75000"/>
+                    <a:lumOff val="25000"/>
+                  </a:schemeClr>
+                </a:solidFill>
+              </a:rPr>
+              <a:t> in </a:t>
+            </a:r>
+            <a:r>
+              <a:rPr lang="en-US" sz="1100" dirty="0" err="1">
+                <a:solidFill>
+                  <a:schemeClr val="tx1">
+                    <a:lumMod val="75000"/>
+                    <a:lumOff val="25000"/>
+                  </a:schemeClr>
+                </a:solidFill>
+              </a:rPr>
+              <a:t>altri</a:t>
+            </a:r>
+            <a:r>
+              <a:rPr lang="en-US" sz="1100" dirty="0">
+                <a:solidFill>
+                  <a:schemeClr val="tx1">
+                    <a:lumMod val="75000"/>
+                    <a:lumOff val="25000"/>
+                  </a:schemeClr>
+                </a:solidFill>
+              </a:rPr>
+              <a:t> </a:t>
+            </a:r>
+            <a:r>
+              <a:rPr lang="en-US" sz="1100" dirty="0" err="1">
+                <a:solidFill>
+                  <a:schemeClr val="tx1">
+                    <a:lumMod val="75000"/>
+                    <a:lumOff val="25000"/>
+                  </a:schemeClr>
+                </a:solidFill>
+              </a:rPr>
+              <a:t>componenti</a:t>
+            </a:r>
+            <a:r>
+              <a:rPr lang="en-US" sz="1100" dirty="0">
+                <a:solidFill>
+                  <a:schemeClr val="tx1">
+                    <a:lumMod val="75000"/>
+                    <a:lumOff val="25000"/>
+                  </a:schemeClr>
+                </a:solidFill>
+              </a:rPr>
+              <a:t> </a:t>
+            </a:r>
+            <a:r>
+              <a:rPr lang="en-US" sz="1100" dirty="0" err="1">
+                <a:solidFill>
+                  <a:schemeClr val="tx1">
+                    <a:lumMod val="75000"/>
+                    <a:lumOff val="25000"/>
+                  </a:schemeClr>
+                </a:solidFill>
+              </a:rPr>
+              <a:t>dell'applicazione</a:t>
+            </a:r>
+            <a:r>
+              <a:rPr lang="en-US" sz="1100" dirty="0">
+                <a:solidFill>
+                  <a:schemeClr val="tx1">
+                    <a:lumMod val="75000"/>
+                    <a:lumOff val="25000"/>
+                  </a:schemeClr>
+                </a:solidFill>
+              </a:rPr>
+              <a:t> per </a:t>
+            </a:r>
+            <a:r>
+              <a:rPr lang="en-US" sz="1100" dirty="0" err="1">
+                <a:solidFill>
+                  <a:schemeClr val="tx1">
+                    <a:lumMod val="75000"/>
+                    <a:lumOff val="25000"/>
+                  </a:schemeClr>
+                </a:solidFill>
+              </a:rPr>
+              <a:t>codificare</a:t>
+            </a:r>
+            <a:r>
+              <a:rPr lang="en-US" sz="1100" dirty="0">
+                <a:solidFill>
+                  <a:schemeClr val="tx1">
+                    <a:lumMod val="75000"/>
+                    <a:lumOff val="25000"/>
+                  </a:schemeClr>
+                </a:solidFill>
+              </a:rPr>
+              <a:t> e </a:t>
+            </a:r>
+            <a:r>
+              <a:rPr lang="en-US" sz="1100" dirty="0" err="1">
+                <a:solidFill>
+                  <a:schemeClr val="tx1">
+                    <a:lumMod val="75000"/>
+                    <a:lumOff val="25000"/>
+                  </a:schemeClr>
+                </a:solidFill>
+              </a:rPr>
+              <a:t>confrontare</a:t>
+            </a:r>
+            <a:r>
+              <a:rPr lang="en-US" sz="1100" dirty="0">
+                <a:solidFill>
+                  <a:schemeClr val="tx1">
+                    <a:lumMod val="75000"/>
+                    <a:lumOff val="25000"/>
+                  </a:schemeClr>
+                </a:solidFill>
+              </a:rPr>
+              <a:t> le password </a:t>
+            </a:r>
+            <a:r>
+              <a:rPr lang="en-US" sz="1100" dirty="0" err="1">
+                <a:solidFill>
+                  <a:schemeClr val="tx1">
+                    <a:lumMod val="75000"/>
+                    <a:lumOff val="25000"/>
+                  </a:schemeClr>
+                </a:solidFill>
+              </a:rPr>
+              <a:t>degli</a:t>
+            </a:r>
+            <a:r>
+              <a:rPr lang="en-US" sz="1100" dirty="0">
+                <a:solidFill>
+                  <a:schemeClr val="tx1">
+                    <a:lumMod val="75000"/>
+                    <a:lumOff val="25000"/>
+                  </a:schemeClr>
+                </a:solidFill>
+              </a:rPr>
+              <a:t> </a:t>
+            </a:r>
+            <a:r>
+              <a:rPr lang="en-US" sz="1100" dirty="0" err="1">
+                <a:solidFill>
+                  <a:schemeClr val="tx1">
+                    <a:lumMod val="75000"/>
+                    <a:lumOff val="25000"/>
+                  </a:schemeClr>
+                </a:solidFill>
+              </a:rPr>
+              <a:t>utenti</a:t>
+            </a:r>
+            <a:r>
+              <a:rPr lang="en-US" sz="1100" dirty="0">
+                <a:solidFill>
+                  <a:schemeClr val="tx1">
+                    <a:lumMod val="75000"/>
+                    <a:lumOff val="25000"/>
+                  </a:schemeClr>
+                </a:solidFill>
+              </a:rPr>
+              <a:t>.</a:t>
+            </a:r>
+          </a:p>
+          <a:p>
+            <a:pPr>
+              <a:lnSpc>
+                <a:spcPct val="90000"/>
+              </a:lnSpc>
+              <a:spcBef>
+                <a:spcPts val="1000"/>
+              </a:spcBef>
+              <a:buClr>
+                <a:schemeClr val="accent1"/>
+              </a:buClr>
+              <a:buSzPct val="80000"/>
+              <a:buFont typeface="Wingdings 3" charset="2"/>
+              <a:buChar char=""/>
+            </a:pPr>
+            <a:r>
+              <a:rPr lang="en-US" sz="1100" b="1" dirty="0">
+                <a:solidFill>
+                  <a:schemeClr val="tx1">
+                    <a:lumMod val="75000"/>
+                    <a:lumOff val="25000"/>
+                  </a:schemeClr>
+                </a:solidFill>
+              </a:rPr>
+              <a:t> </a:t>
+            </a:r>
+            <a:r>
+              <a:rPr lang="en-US" sz="1100" b="1" dirty="0" err="1">
+                <a:solidFill>
+                  <a:schemeClr val="tx1">
+                    <a:lumMod val="75000"/>
+                    <a:lumOff val="25000"/>
+                  </a:schemeClr>
+                </a:solidFill>
+              </a:rPr>
+              <a:t>filterChain</a:t>
+            </a:r>
+            <a:r>
+              <a:rPr lang="en-US" sz="1100" b="1" dirty="0">
+                <a:solidFill>
+                  <a:schemeClr val="tx1">
+                    <a:lumMod val="75000"/>
+                    <a:lumOff val="25000"/>
+                  </a:schemeClr>
+                </a:solidFill>
+              </a:rPr>
+              <a:t>(</a:t>
+            </a:r>
+            <a:r>
+              <a:rPr lang="en-US" sz="1100" b="1" dirty="0" err="1">
+                <a:solidFill>
+                  <a:schemeClr val="tx1">
+                    <a:lumMod val="75000"/>
+                    <a:lumOff val="25000"/>
+                  </a:schemeClr>
+                </a:solidFill>
+              </a:rPr>
+              <a:t>HttpSecurity</a:t>
+            </a:r>
+            <a:r>
+              <a:rPr lang="en-US" sz="1100" b="1" dirty="0">
+                <a:solidFill>
+                  <a:schemeClr val="tx1">
+                    <a:lumMod val="75000"/>
+                    <a:lumOff val="25000"/>
+                  </a:schemeClr>
+                </a:solidFill>
+              </a:rPr>
+              <a:t> http)</a:t>
+            </a:r>
+            <a:r>
+              <a:rPr lang="en-US" sz="1100" dirty="0">
+                <a:solidFill>
+                  <a:schemeClr val="tx1">
+                    <a:lumMod val="75000"/>
+                    <a:lumOff val="25000"/>
+                  </a:schemeClr>
+                </a:solidFill>
+              </a:rPr>
+              <a:t>: </a:t>
+            </a:r>
+            <a:r>
+              <a:rPr lang="en-US" sz="1100" dirty="0" err="1">
+                <a:solidFill>
+                  <a:schemeClr val="tx1">
+                    <a:lumMod val="75000"/>
+                    <a:lumOff val="25000"/>
+                  </a:schemeClr>
+                </a:solidFill>
+              </a:rPr>
+              <a:t>Questo</a:t>
+            </a:r>
+            <a:r>
+              <a:rPr lang="en-US" sz="1100" dirty="0">
+                <a:solidFill>
+                  <a:schemeClr val="tx1">
+                    <a:lumMod val="75000"/>
+                    <a:lumOff val="25000"/>
+                  </a:schemeClr>
+                </a:solidFill>
+              </a:rPr>
+              <a:t> </a:t>
+            </a:r>
+            <a:r>
+              <a:rPr lang="en-US" sz="1100" dirty="0" err="1">
+                <a:solidFill>
+                  <a:schemeClr val="tx1">
+                    <a:lumMod val="75000"/>
+                    <a:lumOff val="25000"/>
+                  </a:schemeClr>
+                </a:solidFill>
+              </a:rPr>
+              <a:t>metodo</a:t>
+            </a:r>
+            <a:r>
+              <a:rPr lang="en-US" sz="1100" dirty="0">
+                <a:solidFill>
+                  <a:schemeClr val="tx1">
+                    <a:lumMod val="75000"/>
+                    <a:lumOff val="25000"/>
+                  </a:schemeClr>
+                </a:solidFill>
+              </a:rPr>
+              <a:t> </a:t>
+            </a:r>
+            <a:r>
+              <a:rPr lang="en-US" sz="1100" dirty="0" err="1">
+                <a:solidFill>
+                  <a:schemeClr val="tx1">
+                    <a:lumMod val="75000"/>
+                    <a:lumOff val="25000"/>
+                  </a:schemeClr>
+                </a:solidFill>
+              </a:rPr>
+              <a:t>restituisce</a:t>
+            </a:r>
+            <a:r>
+              <a:rPr lang="en-US" sz="1100" dirty="0">
+                <a:solidFill>
+                  <a:schemeClr val="tx1">
+                    <a:lumMod val="75000"/>
+                    <a:lumOff val="25000"/>
+                  </a:schemeClr>
+                </a:solidFill>
+              </a:rPr>
+              <a:t> un bean di </a:t>
+            </a:r>
+            <a:r>
+              <a:rPr lang="en-US" sz="1100" dirty="0" err="1">
+                <a:solidFill>
+                  <a:schemeClr val="tx1">
+                    <a:lumMod val="75000"/>
+                    <a:lumOff val="25000"/>
+                  </a:schemeClr>
+                </a:solidFill>
+              </a:rPr>
+              <a:t>tipo</a:t>
+            </a:r>
+            <a:r>
+              <a:rPr lang="en-US" sz="1100" dirty="0">
+                <a:solidFill>
+                  <a:schemeClr val="tx1">
+                    <a:lumMod val="75000"/>
+                    <a:lumOff val="25000"/>
+                  </a:schemeClr>
+                </a:solidFill>
+              </a:rPr>
+              <a:t> </a:t>
+            </a:r>
+            <a:r>
+              <a:rPr lang="en-US" sz="1100" dirty="0" err="1">
+                <a:solidFill>
+                  <a:schemeClr val="tx1">
+                    <a:lumMod val="75000"/>
+                    <a:lumOff val="25000"/>
+                  </a:schemeClr>
+                </a:solidFill>
+              </a:rPr>
+              <a:t>SecurityFilterChain</a:t>
+            </a:r>
+            <a:r>
+              <a:rPr lang="en-US" sz="1100" dirty="0">
+                <a:solidFill>
+                  <a:schemeClr val="tx1">
+                    <a:lumMod val="75000"/>
+                    <a:lumOff val="25000"/>
+                  </a:schemeClr>
+                </a:solidFill>
+              </a:rPr>
+              <a:t>. </a:t>
+            </a:r>
+            <a:r>
+              <a:rPr lang="en-US" sz="1100" dirty="0" err="1">
+                <a:solidFill>
+                  <a:schemeClr val="tx1">
+                    <a:lumMod val="75000"/>
+                    <a:lumOff val="25000"/>
+                  </a:schemeClr>
+                </a:solidFill>
+              </a:rPr>
+              <a:t>L'@Bean</a:t>
+            </a:r>
+            <a:r>
+              <a:rPr lang="en-US" sz="1100" dirty="0">
+                <a:solidFill>
+                  <a:schemeClr val="tx1">
+                    <a:lumMod val="75000"/>
+                    <a:lumOff val="25000"/>
+                  </a:schemeClr>
+                </a:solidFill>
+              </a:rPr>
+              <a:t> indica a Spring di </a:t>
+            </a:r>
+            <a:r>
+              <a:rPr lang="en-US" sz="1100" dirty="0" err="1">
+                <a:solidFill>
+                  <a:schemeClr val="tx1">
+                    <a:lumMod val="75000"/>
+                    <a:lumOff val="25000"/>
+                  </a:schemeClr>
+                </a:solidFill>
+              </a:rPr>
+              <a:t>gestire</a:t>
+            </a:r>
+            <a:r>
+              <a:rPr lang="en-US" sz="1100" dirty="0">
+                <a:solidFill>
+                  <a:schemeClr val="tx1">
+                    <a:lumMod val="75000"/>
+                    <a:lumOff val="25000"/>
+                  </a:schemeClr>
+                </a:solidFill>
+              </a:rPr>
+              <a:t> la </a:t>
+            </a:r>
+            <a:r>
+              <a:rPr lang="en-US" sz="1100" dirty="0" err="1">
+                <a:solidFill>
+                  <a:schemeClr val="tx1">
+                    <a:lumMod val="75000"/>
+                    <a:lumOff val="25000"/>
+                  </a:schemeClr>
+                </a:solidFill>
+              </a:rPr>
+              <a:t>creazione</a:t>
+            </a:r>
+            <a:r>
+              <a:rPr lang="en-US" sz="1100" dirty="0">
+                <a:solidFill>
+                  <a:schemeClr val="tx1">
+                    <a:lumMod val="75000"/>
+                    <a:lumOff val="25000"/>
+                  </a:schemeClr>
+                </a:solidFill>
+              </a:rPr>
+              <a:t> e la </a:t>
+            </a:r>
+            <a:r>
+              <a:rPr lang="en-US" sz="1100" dirty="0" err="1">
+                <a:solidFill>
+                  <a:schemeClr val="tx1">
+                    <a:lumMod val="75000"/>
+                    <a:lumOff val="25000"/>
+                  </a:schemeClr>
+                </a:solidFill>
+              </a:rPr>
+              <a:t>configurazione</a:t>
+            </a:r>
+            <a:r>
+              <a:rPr lang="en-US" sz="1100" dirty="0">
+                <a:solidFill>
+                  <a:schemeClr val="tx1">
+                    <a:lumMod val="75000"/>
+                    <a:lumOff val="25000"/>
+                  </a:schemeClr>
+                </a:solidFill>
+              </a:rPr>
+              <a:t> di </a:t>
+            </a:r>
+            <a:r>
+              <a:rPr lang="en-US" sz="1100" dirty="0" err="1">
+                <a:solidFill>
+                  <a:schemeClr val="tx1">
+                    <a:lumMod val="75000"/>
+                    <a:lumOff val="25000"/>
+                  </a:schemeClr>
+                </a:solidFill>
+              </a:rPr>
+              <a:t>questo</a:t>
+            </a:r>
+            <a:r>
+              <a:rPr lang="en-US" sz="1100" dirty="0">
+                <a:solidFill>
+                  <a:schemeClr val="tx1">
+                    <a:lumMod val="75000"/>
+                    <a:lumOff val="25000"/>
+                  </a:schemeClr>
+                </a:solidFill>
+              </a:rPr>
+              <a:t> </a:t>
+            </a:r>
+            <a:r>
+              <a:rPr lang="en-US" sz="1100" dirty="0" err="1">
+                <a:solidFill>
+                  <a:schemeClr val="tx1">
+                    <a:lumMod val="75000"/>
+                    <a:lumOff val="25000"/>
+                  </a:schemeClr>
+                </a:solidFill>
+              </a:rPr>
+              <a:t>oggetto</a:t>
+            </a:r>
+            <a:r>
+              <a:rPr lang="en-US" sz="1100" dirty="0">
+                <a:solidFill>
+                  <a:schemeClr val="tx1">
+                    <a:lumMod val="75000"/>
+                    <a:lumOff val="25000"/>
+                  </a:schemeClr>
+                </a:solidFill>
+              </a:rPr>
+              <a:t> </a:t>
+            </a:r>
+            <a:r>
+              <a:rPr lang="en-US" sz="1100" dirty="0" err="1">
+                <a:solidFill>
+                  <a:schemeClr val="tx1">
+                    <a:lumMod val="75000"/>
+                    <a:lumOff val="25000"/>
+                  </a:schemeClr>
+                </a:solidFill>
+              </a:rPr>
+              <a:t>all'interno</a:t>
+            </a:r>
+            <a:r>
+              <a:rPr lang="en-US" sz="1100" dirty="0">
+                <a:solidFill>
+                  <a:schemeClr val="tx1">
+                    <a:lumMod val="75000"/>
+                    <a:lumOff val="25000"/>
+                  </a:schemeClr>
+                </a:solidFill>
+              </a:rPr>
+              <a:t> del </a:t>
+            </a:r>
+            <a:r>
+              <a:rPr lang="en-US" sz="1100" dirty="0" err="1">
+                <a:solidFill>
+                  <a:schemeClr val="tx1">
+                    <a:lumMod val="75000"/>
+                    <a:lumOff val="25000"/>
+                  </a:schemeClr>
+                </a:solidFill>
+              </a:rPr>
+              <a:t>contesto</a:t>
+            </a:r>
+            <a:r>
+              <a:rPr lang="en-US" sz="1100" dirty="0">
+                <a:solidFill>
+                  <a:schemeClr val="tx1">
+                    <a:lumMod val="75000"/>
+                    <a:lumOff val="25000"/>
+                  </a:schemeClr>
+                </a:solidFill>
+              </a:rPr>
+              <a:t> </a:t>
+            </a:r>
+            <a:r>
+              <a:rPr lang="en-US" sz="1100" dirty="0" err="1">
+                <a:solidFill>
+                  <a:schemeClr val="tx1">
+                    <a:lumMod val="75000"/>
+                    <a:lumOff val="25000"/>
+                  </a:schemeClr>
+                </a:solidFill>
+              </a:rPr>
+              <a:t>dell'applicazione</a:t>
+            </a:r>
+            <a:r>
+              <a:rPr lang="en-US" sz="1100" dirty="0">
+                <a:solidFill>
+                  <a:schemeClr val="tx1">
+                    <a:lumMod val="75000"/>
+                    <a:lumOff val="25000"/>
+                  </a:schemeClr>
+                </a:solidFill>
+              </a:rPr>
+              <a:t>. Il </a:t>
+            </a:r>
+            <a:r>
+              <a:rPr lang="en-US" sz="1100" dirty="0" err="1">
+                <a:solidFill>
+                  <a:schemeClr val="tx1">
+                    <a:lumMod val="75000"/>
+                    <a:lumOff val="25000"/>
+                  </a:schemeClr>
+                </a:solidFill>
+              </a:rPr>
+              <a:t>parametro</a:t>
+            </a:r>
+            <a:r>
+              <a:rPr lang="en-US" sz="1100" dirty="0">
+                <a:solidFill>
+                  <a:schemeClr val="tx1">
+                    <a:lumMod val="75000"/>
+                    <a:lumOff val="25000"/>
+                  </a:schemeClr>
+                </a:solidFill>
+              </a:rPr>
+              <a:t> </a:t>
+            </a:r>
+            <a:r>
+              <a:rPr lang="en-US" sz="1100" dirty="0" err="1">
+                <a:solidFill>
+                  <a:schemeClr val="tx1">
+                    <a:lumMod val="75000"/>
+                    <a:lumOff val="25000"/>
+                  </a:schemeClr>
+                </a:solidFill>
+              </a:rPr>
+              <a:t>HttpSecurity</a:t>
+            </a:r>
+            <a:r>
+              <a:rPr lang="en-US" sz="1100" dirty="0">
+                <a:solidFill>
+                  <a:schemeClr val="tx1">
+                    <a:lumMod val="75000"/>
+                    <a:lumOff val="25000"/>
+                  </a:schemeClr>
+                </a:solidFill>
+              </a:rPr>
+              <a:t> http </a:t>
+            </a:r>
+            <a:r>
+              <a:rPr lang="en-US" sz="1100" dirty="0" err="1">
+                <a:solidFill>
+                  <a:schemeClr val="tx1">
+                    <a:lumMod val="75000"/>
+                    <a:lumOff val="25000"/>
+                  </a:schemeClr>
+                </a:solidFill>
+              </a:rPr>
+              <a:t>rappresenta</a:t>
+            </a:r>
+            <a:r>
+              <a:rPr lang="en-US" sz="1100" dirty="0">
+                <a:solidFill>
+                  <a:schemeClr val="tx1">
+                    <a:lumMod val="75000"/>
+                    <a:lumOff val="25000"/>
+                  </a:schemeClr>
+                </a:solidFill>
+              </a:rPr>
+              <a:t> </a:t>
+            </a:r>
+            <a:r>
+              <a:rPr lang="en-US" sz="1100" dirty="0" err="1">
+                <a:solidFill>
+                  <a:schemeClr val="tx1">
+                    <a:lumMod val="75000"/>
+                    <a:lumOff val="25000"/>
+                  </a:schemeClr>
+                </a:solidFill>
+              </a:rPr>
+              <a:t>l'oggetto</a:t>
+            </a:r>
+            <a:r>
+              <a:rPr lang="en-US" sz="1100" dirty="0">
+                <a:solidFill>
+                  <a:schemeClr val="tx1">
+                    <a:lumMod val="75000"/>
+                    <a:lumOff val="25000"/>
+                  </a:schemeClr>
+                </a:solidFill>
+              </a:rPr>
+              <a:t> </a:t>
+            </a:r>
+            <a:r>
+              <a:rPr lang="en-US" sz="1100" dirty="0" err="1">
+                <a:solidFill>
+                  <a:schemeClr val="tx1">
+                    <a:lumMod val="75000"/>
+                    <a:lumOff val="25000"/>
+                  </a:schemeClr>
+                </a:solidFill>
+              </a:rPr>
+              <a:t>HttpSecurity</a:t>
+            </a:r>
+            <a:r>
+              <a:rPr lang="en-US" sz="1100" dirty="0">
+                <a:solidFill>
+                  <a:schemeClr val="tx1">
+                    <a:lumMod val="75000"/>
+                    <a:lumOff val="25000"/>
+                  </a:schemeClr>
+                </a:solidFill>
+              </a:rPr>
+              <a:t> </a:t>
+            </a:r>
+            <a:r>
+              <a:rPr lang="en-US" sz="1100" dirty="0" err="1">
+                <a:solidFill>
+                  <a:schemeClr val="tx1">
+                    <a:lumMod val="75000"/>
+                    <a:lumOff val="25000"/>
+                  </a:schemeClr>
+                </a:solidFill>
+              </a:rPr>
+              <a:t>utilizzato</a:t>
+            </a:r>
+            <a:r>
+              <a:rPr lang="en-US" sz="1100" dirty="0">
+                <a:solidFill>
+                  <a:schemeClr val="tx1">
+                    <a:lumMod val="75000"/>
+                    <a:lumOff val="25000"/>
+                  </a:schemeClr>
+                </a:solidFill>
+              </a:rPr>
+              <a:t> per </a:t>
+            </a:r>
+            <a:r>
+              <a:rPr lang="en-US" sz="1100" dirty="0" err="1">
+                <a:solidFill>
+                  <a:schemeClr val="tx1">
+                    <a:lumMod val="75000"/>
+                    <a:lumOff val="25000"/>
+                  </a:schemeClr>
+                </a:solidFill>
+              </a:rPr>
+              <a:t>configurare</a:t>
+            </a:r>
+            <a:r>
+              <a:rPr lang="en-US" sz="1100" dirty="0">
+                <a:solidFill>
+                  <a:schemeClr val="tx1">
+                    <a:lumMod val="75000"/>
+                    <a:lumOff val="25000"/>
+                  </a:schemeClr>
+                </a:solidFill>
+              </a:rPr>
+              <a:t> le </a:t>
+            </a:r>
+            <a:r>
+              <a:rPr lang="en-US" sz="1100" dirty="0" err="1">
+                <a:solidFill>
+                  <a:schemeClr val="tx1">
+                    <a:lumMod val="75000"/>
+                    <a:lumOff val="25000"/>
+                  </a:schemeClr>
+                </a:solidFill>
+              </a:rPr>
+              <a:t>regole</a:t>
+            </a:r>
+            <a:r>
+              <a:rPr lang="en-US" sz="1100" dirty="0">
+                <a:solidFill>
+                  <a:schemeClr val="tx1">
+                    <a:lumMod val="75000"/>
+                    <a:lumOff val="25000"/>
+                  </a:schemeClr>
+                </a:solidFill>
+              </a:rPr>
+              <a:t> di </a:t>
+            </a:r>
+            <a:r>
+              <a:rPr lang="en-US" sz="1100" dirty="0" err="1">
+                <a:solidFill>
+                  <a:schemeClr val="tx1">
+                    <a:lumMod val="75000"/>
+                    <a:lumOff val="25000"/>
+                  </a:schemeClr>
+                </a:solidFill>
+              </a:rPr>
+              <a:t>sicurezza</a:t>
+            </a:r>
+            <a:r>
+              <a:rPr lang="en-US" sz="1100" dirty="0">
+                <a:solidFill>
+                  <a:schemeClr val="tx1">
+                    <a:lumMod val="75000"/>
+                    <a:lumOff val="25000"/>
+                  </a:schemeClr>
+                </a:solidFill>
+              </a:rPr>
+              <a:t> </a:t>
+            </a:r>
+            <a:r>
+              <a:rPr lang="en-US" sz="1100" dirty="0" err="1">
+                <a:solidFill>
+                  <a:schemeClr val="tx1">
+                    <a:lumMod val="75000"/>
+                    <a:lumOff val="25000"/>
+                  </a:schemeClr>
+                </a:solidFill>
+              </a:rPr>
+              <a:t>dell'applicazione</a:t>
+            </a:r>
+            <a:r>
+              <a:rPr lang="en-US" sz="1100" dirty="0">
+                <a:solidFill>
+                  <a:schemeClr val="tx1">
+                    <a:lumMod val="75000"/>
+                    <a:lumOff val="25000"/>
+                  </a:schemeClr>
+                </a:solidFill>
+              </a:rPr>
+              <a:t>. Nel </a:t>
+            </a:r>
+            <a:r>
+              <a:rPr lang="en-US" sz="1100" dirty="0" err="1">
+                <a:solidFill>
+                  <a:schemeClr val="tx1">
+                    <a:lumMod val="75000"/>
+                    <a:lumOff val="25000"/>
+                  </a:schemeClr>
+                </a:solidFill>
+              </a:rPr>
+              <a:t>tuo</a:t>
+            </a:r>
+            <a:r>
+              <a:rPr lang="en-US" sz="1100" dirty="0">
+                <a:solidFill>
+                  <a:schemeClr val="tx1">
+                    <a:lumMod val="75000"/>
+                    <a:lumOff val="25000"/>
+                  </a:schemeClr>
+                </a:solidFill>
+              </a:rPr>
+              <a:t> </a:t>
+            </a:r>
+            <a:r>
+              <a:rPr lang="en-US" sz="1100" dirty="0" err="1">
+                <a:solidFill>
+                  <a:schemeClr val="tx1">
+                    <a:lumMod val="75000"/>
+                    <a:lumOff val="25000"/>
+                  </a:schemeClr>
+                </a:solidFill>
+              </a:rPr>
+              <a:t>esempio</a:t>
+            </a:r>
+            <a:r>
+              <a:rPr lang="en-US" sz="1100" dirty="0">
+                <a:solidFill>
+                  <a:schemeClr val="tx1">
+                    <a:lumMod val="75000"/>
+                    <a:lumOff val="25000"/>
+                  </a:schemeClr>
+                </a:solidFill>
+              </a:rPr>
+              <a:t>, il </a:t>
+            </a:r>
+            <a:r>
+              <a:rPr lang="en-US" sz="1100" dirty="0" err="1">
+                <a:solidFill>
+                  <a:schemeClr val="tx1">
+                    <a:lumMod val="75000"/>
+                    <a:lumOff val="25000"/>
+                  </a:schemeClr>
+                </a:solidFill>
+              </a:rPr>
+              <a:t>metodo</a:t>
+            </a:r>
+            <a:r>
+              <a:rPr lang="en-US" sz="1100" dirty="0">
+                <a:solidFill>
+                  <a:schemeClr val="tx1">
+                    <a:lumMod val="75000"/>
+                    <a:lumOff val="25000"/>
+                  </a:schemeClr>
+                </a:solidFill>
+              </a:rPr>
+              <a:t> </a:t>
+            </a:r>
+            <a:r>
+              <a:rPr lang="en-US" sz="1100" dirty="0" err="1">
+                <a:solidFill>
+                  <a:schemeClr val="tx1">
+                    <a:lumMod val="75000"/>
+                    <a:lumOff val="25000"/>
+                  </a:schemeClr>
+                </a:solidFill>
+              </a:rPr>
+              <a:t>configura</a:t>
+            </a:r>
+            <a:r>
+              <a:rPr lang="en-US" sz="1100" dirty="0">
+                <a:solidFill>
+                  <a:schemeClr val="tx1">
+                    <a:lumMod val="75000"/>
+                    <a:lumOff val="25000"/>
+                  </a:schemeClr>
+                </a:solidFill>
+              </a:rPr>
+              <a:t> diverse </a:t>
+            </a:r>
+            <a:r>
+              <a:rPr lang="en-US" sz="1100" dirty="0" err="1">
+                <a:solidFill>
+                  <a:schemeClr val="tx1">
+                    <a:lumMod val="75000"/>
+                    <a:lumOff val="25000"/>
+                  </a:schemeClr>
+                </a:solidFill>
+              </a:rPr>
+              <a:t>regole</a:t>
+            </a:r>
+            <a:r>
+              <a:rPr lang="en-US" sz="1100" dirty="0">
+                <a:solidFill>
+                  <a:schemeClr val="tx1">
+                    <a:lumMod val="75000"/>
+                    <a:lumOff val="25000"/>
+                  </a:schemeClr>
+                </a:solidFill>
+              </a:rPr>
+              <a:t> di </a:t>
+            </a:r>
+            <a:r>
+              <a:rPr lang="en-US" sz="1100" dirty="0" err="1">
+                <a:solidFill>
+                  <a:schemeClr val="tx1">
+                    <a:lumMod val="75000"/>
+                    <a:lumOff val="25000"/>
+                  </a:schemeClr>
+                </a:solidFill>
+              </a:rPr>
+              <a:t>sicurezza</a:t>
+            </a:r>
+            <a:r>
+              <a:rPr lang="en-US" sz="1100" dirty="0">
+                <a:solidFill>
+                  <a:schemeClr val="tx1">
+                    <a:lumMod val="75000"/>
+                    <a:lumOff val="25000"/>
+                  </a:schemeClr>
+                </a:solidFill>
+              </a:rPr>
+              <a:t> </a:t>
+            </a:r>
+            <a:r>
+              <a:rPr lang="en-US" sz="1100" dirty="0" err="1">
+                <a:solidFill>
+                  <a:schemeClr val="tx1">
+                    <a:lumMod val="75000"/>
+                    <a:lumOff val="25000"/>
+                  </a:schemeClr>
+                </a:solidFill>
+              </a:rPr>
+              <a:t>utilizzando</a:t>
+            </a:r>
+            <a:r>
+              <a:rPr lang="en-US" sz="1100" dirty="0">
+                <a:solidFill>
+                  <a:schemeClr val="tx1">
+                    <a:lumMod val="75000"/>
+                    <a:lumOff val="25000"/>
+                  </a:schemeClr>
+                </a:solidFill>
+              </a:rPr>
+              <a:t> il pattern Builder di </a:t>
+            </a:r>
+            <a:r>
+              <a:rPr lang="en-US" sz="1100" dirty="0" err="1">
+                <a:solidFill>
+                  <a:schemeClr val="tx1">
+                    <a:lumMod val="75000"/>
+                    <a:lumOff val="25000"/>
+                  </a:schemeClr>
+                </a:solidFill>
+              </a:rPr>
+              <a:t>HttpSecurity</a:t>
+            </a:r>
+            <a:r>
+              <a:rPr lang="en-US" sz="1100" dirty="0">
+                <a:solidFill>
+                  <a:schemeClr val="tx1">
+                    <a:lumMod val="75000"/>
+                    <a:lumOff val="25000"/>
+                  </a:schemeClr>
+                </a:solidFill>
+              </a:rPr>
+              <a:t>.</a:t>
+            </a:r>
+          </a:p>
+        </p:txBody>
+      </p:sp>
+      <p:pic>
+        <p:nvPicPr>
+          <p:cNvPr id="4" name="Immagine 3" descr="Immagine che contiene testo, schermata, software, Software multimediale&#10;&#10;Descrizione generata automaticamente">
+            <a:extLst>
+              <a:ext uri="{FF2B5EF4-FFF2-40B4-BE49-F238E27FC236}">
+                <a16:creationId xmlns:a16="http://schemas.microsoft.com/office/drawing/2014/main" id="{41E2DA29-E56A-9B21-302B-AD728E01456A}"/>
+              </a:ext>
+            </a:extLst>
+          </p:cNvPr>
+          <p:cNvPicPr>
+            <a:picLocks noChangeAspect="1"/>
+          </p:cNvPicPr>
+          <p:nvPr/>
+        </p:nvPicPr>
+        <p:blipFill rotWithShape="1">
+          <a:blip r:embed="rId2"/>
+          <a:srcRect t="5261" r="3" b="4980"/>
+          <a:stretch/>
+        </p:blipFill>
+        <p:spPr>
+          <a:xfrm>
+            <a:off x="677334" y="2159331"/>
+            <a:ext cx="5423429" cy="3882362"/>
+          </a:xfrm>
+          <a:prstGeom prst="rect">
+            <a:avLst/>
+          </a:prstGeom>
+        </p:spPr>
+      </p:pic>
+    </p:spTree>
+    <p:extLst>
+      <p:ext uri="{BB962C8B-B14F-4D97-AF65-F5344CB8AC3E}">
+        <p14:creationId xmlns:p14="http://schemas.microsoft.com/office/powerpoint/2010/main" val="681544230"/>
+      </p:ext>
+    </p:extLst>
+  </p:cSld>
+  <p:clrMapOvr>
+    <a:masterClrMapping/>
+  </p:clrMapOvr>
+</p:sld>
+</file>
+
+<file path=ppt/slides/slide12.xml><?xml version="1.0" encoding="utf-8"?>
+<p:sld xmlns:a="http://schemas.openxmlformats.org/drawingml/2006/main" xmlns:r="http://schemas.openxmlformats.org/officeDocument/2006/relationships" xmlns:p="http://schemas.openxmlformats.org/presentationml/2006/main">
+  <p:cSld>
+    <p:bg>
+      <p:bgPr>
+        <a:solidFill>
+          <a:schemeClr val="bg1"/>
+        </a:solidFill>
+        <a:effectLst/>
+      </p:bgPr>
+    </p:bg>
+    <p:spTree>
+      <p:nvGrpSpPr>
+        <p:cNvPr id="1" name=""/>
+        <p:cNvGrpSpPr/>
+        <p:nvPr/>
+      </p:nvGrpSpPr>
+      <p:grpSpPr>
+        <a:xfrm>
+          <a:off x="0" y="0"/>
+          <a:ext cx="0" cy="0"/>
+          <a:chOff x="0" y="0"/>
+          <a:chExt cx="0" cy="0"/>
+        </a:xfrm>
+      </p:grpSpPr>
+      <p:sp>
+        <p:nvSpPr>
+          <p:cNvPr id="2" name="Titolo 1">
+            <a:extLst>
+              <a:ext uri="{FF2B5EF4-FFF2-40B4-BE49-F238E27FC236}">
+                <a16:creationId xmlns:a16="http://schemas.microsoft.com/office/drawing/2014/main" id="{77E7E7EF-3C45-93E7-62AA-7360E4EF7DC9}"/>
+              </a:ext>
+            </a:extLst>
+          </p:cNvPr>
+          <p:cNvSpPr>
+            <a:spLocks noGrp="1"/>
+          </p:cNvSpPr>
+          <p:nvPr>
+            <p:ph type="title"/>
+          </p:nvPr>
+        </p:nvSpPr>
+        <p:spPr>
+          <a:xfrm>
+            <a:off x="677334" y="609600"/>
+            <a:ext cx="8596668" cy="1320800"/>
+          </a:xfrm>
+        </p:spPr>
+        <p:txBody>
+          <a:bodyPr vert="horz" lIns="91440" tIns="45720" rIns="91440" bIns="45720" rtlCol="0" anchor="t">
+            <a:normAutofit/>
+          </a:bodyPr>
+          <a:lstStyle/>
+          <a:p>
+            <a:r>
+              <a:rPr lang="en-US"/>
+              <a:t>Componente essenziali</a:t>
+            </a:r>
+          </a:p>
+        </p:txBody>
+      </p:sp>
+      <p:sp>
+        <p:nvSpPr>
+          <p:cNvPr id="6" name="CasellaDiTesto 5">
+            <a:extLst>
+              <a:ext uri="{FF2B5EF4-FFF2-40B4-BE49-F238E27FC236}">
+                <a16:creationId xmlns:a16="http://schemas.microsoft.com/office/drawing/2014/main" id="{48F263AB-8568-C6A3-BACC-549EAA7F3DF2}"/>
+              </a:ext>
+            </a:extLst>
+          </p:cNvPr>
+          <p:cNvSpPr txBox="1"/>
+          <p:nvPr/>
+        </p:nvSpPr>
+        <p:spPr>
+          <a:xfrm>
+            <a:off x="6336287" y="2160589"/>
+            <a:ext cx="4165996" cy="4293477"/>
+          </a:xfrm>
+          <a:prstGeom prst="rect">
+            <a:avLst/>
+          </a:prstGeom>
+        </p:spPr>
+        <p:txBody>
+          <a:bodyPr vert="horz" lIns="91440" tIns="45720" rIns="91440" bIns="45720" rtlCol="0">
+            <a:noAutofit/>
+          </a:bodyPr>
+          <a:lstStyle>
+            <a:defPPr>
+              <a:defRPr lang="en-US"/>
+            </a:defPPr>
+            <a:lvl1pPr>
+              <a:lnSpc>
+                <a:spcPct val="90000"/>
+              </a:lnSpc>
+              <a:spcBef>
+                <a:spcPts val="1000"/>
+              </a:spcBef>
+              <a:buClr>
+                <a:schemeClr val="accent1"/>
+              </a:buClr>
+              <a:buSzPct val="80000"/>
+              <a:buFont typeface="Wingdings 3" charset="2"/>
+              <a:buChar char=""/>
+              <a:defRPr sz="1100" b="1">
+                <a:solidFill>
+                  <a:schemeClr val="tx1">
+                    <a:lumMod val="75000"/>
+                    <a:lumOff val="25000"/>
+                  </a:schemeClr>
+                </a:solidFill>
+              </a:defRPr>
+            </a:lvl1pPr>
+          </a:lstStyle>
+          <a:p>
+            <a:pPr>
+              <a:buNone/>
+            </a:pPr>
+            <a:r>
+              <a:rPr lang="en-US" sz="1200" dirty="0" err="1"/>
+              <a:t>Alcune</a:t>
+            </a:r>
+            <a:r>
+              <a:rPr lang="en-US" sz="1200" dirty="0"/>
+              <a:t> </a:t>
+            </a:r>
+            <a:r>
+              <a:rPr lang="en-US" sz="1200" dirty="0" err="1"/>
+              <a:t>delle</a:t>
+            </a:r>
+            <a:r>
+              <a:rPr lang="en-US" sz="1200" dirty="0"/>
+              <a:t> </a:t>
+            </a:r>
+            <a:r>
+              <a:rPr lang="en-US" sz="1200" dirty="0" err="1"/>
+              <a:t>configurazioni</a:t>
+            </a:r>
+            <a:r>
+              <a:rPr lang="en-US" sz="1200" dirty="0"/>
+              <a:t> </a:t>
+            </a:r>
+            <a:r>
+              <a:rPr lang="en-US" sz="1200" dirty="0" err="1"/>
+              <a:t>eseguite</a:t>
+            </a:r>
+            <a:r>
+              <a:rPr lang="en-US" sz="1200" dirty="0"/>
+              <a:t> </a:t>
+            </a:r>
+            <a:r>
+              <a:rPr lang="en-US" sz="1200" dirty="0" err="1"/>
+              <a:t>includono</a:t>
+            </a:r>
+            <a:r>
+              <a:rPr lang="en-US" sz="1200" dirty="0"/>
+              <a:t>:</a:t>
+            </a:r>
+          </a:p>
+          <a:p>
+            <a:pPr>
+              <a:buNone/>
+            </a:pPr>
+            <a:r>
+              <a:rPr lang="en-US" sz="1200" dirty="0" err="1"/>
+              <a:t>Disabilitazione</a:t>
+            </a:r>
+            <a:r>
+              <a:rPr lang="en-US" sz="1200" dirty="0"/>
+              <a:t> </a:t>
+            </a:r>
+            <a:r>
+              <a:rPr lang="en-US" sz="1200" dirty="0" err="1"/>
+              <a:t>della</a:t>
+            </a:r>
+            <a:r>
+              <a:rPr lang="en-US" sz="1200" dirty="0"/>
+              <a:t> </a:t>
+            </a:r>
+            <a:r>
+              <a:rPr lang="en-US" sz="1200" dirty="0" err="1"/>
+              <a:t>protezione</a:t>
+            </a:r>
+            <a:r>
+              <a:rPr lang="en-US" sz="1200" dirty="0"/>
+              <a:t> CSRF (Cross-Site Request Forgery).</a:t>
+            </a:r>
+          </a:p>
+          <a:p>
+            <a:pPr marL="628650" lvl="1" indent="-171450">
+              <a:buFont typeface="Arial" panose="020B0604020202020204" pitchFamily="34" charset="0"/>
+              <a:buChar char="•"/>
+            </a:pPr>
+            <a:r>
+              <a:rPr lang="en-US" sz="1200" dirty="0" err="1"/>
+              <a:t>Configurazione</a:t>
+            </a:r>
+            <a:r>
+              <a:rPr lang="en-US" sz="1200" dirty="0"/>
+              <a:t> del login </a:t>
+            </a:r>
+            <a:r>
+              <a:rPr lang="en-US" sz="1200" dirty="0" err="1"/>
+              <a:t>basato</a:t>
+            </a:r>
+            <a:r>
+              <a:rPr lang="en-US" sz="1200" dirty="0"/>
+              <a:t> </a:t>
+            </a:r>
+            <a:r>
+              <a:rPr lang="en-US" sz="1200" dirty="0" err="1"/>
+              <a:t>su</a:t>
+            </a:r>
+            <a:r>
+              <a:rPr lang="en-US" sz="1200" dirty="0"/>
+              <a:t> form.</a:t>
+            </a:r>
+          </a:p>
+          <a:p>
+            <a:pPr marL="628650" lvl="1" indent="-171450">
+              <a:buFont typeface="Arial" panose="020B0604020202020204" pitchFamily="34" charset="0"/>
+              <a:buChar char="•"/>
+            </a:pPr>
+            <a:r>
+              <a:rPr lang="en-US" sz="1200" dirty="0" err="1"/>
+              <a:t>Configurazione</a:t>
+            </a:r>
+            <a:r>
+              <a:rPr lang="en-US" sz="1200" dirty="0"/>
+              <a:t> del logout e </a:t>
+            </a:r>
+            <a:r>
+              <a:rPr lang="en-US" sz="1200" dirty="0" err="1"/>
+              <a:t>delle</a:t>
+            </a:r>
+            <a:r>
+              <a:rPr lang="en-US" sz="1200" dirty="0"/>
+              <a:t> relative </a:t>
+            </a:r>
+            <a:r>
+              <a:rPr lang="en-US" sz="1200" dirty="0" err="1"/>
+              <a:t>azioni</a:t>
+            </a:r>
+            <a:r>
+              <a:rPr lang="en-US" sz="1200" dirty="0"/>
+              <a:t>, come la URL di </a:t>
+            </a:r>
+            <a:r>
+              <a:rPr lang="en-US" sz="1200" dirty="0" err="1"/>
+              <a:t>reindirizzamento</a:t>
+            </a:r>
+            <a:r>
+              <a:rPr lang="en-US" sz="1200" dirty="0"/>
+              <a:t> dopo il logout, la </a:t>
+            </a:r>
+            <a:r>
+              <a:rPr lang="en-US" sz="1200" dirty="0" err="1"/>
+              <a:t>pulizia</a:t>
+            </a:r>
+            <a:r>
+              <a:rPr lang="en-US" sz="1200" dirty="0"/>
+              <a:t> </a:t>
+            </a:r>
+            <a:r>
+              <a:rPr lang="en-US" sz="1200" dirty="0" err="1"/>
+              <a:t>dell'autenticazione</a:t>
+            </a:r>
+            <a:r>
+              <a:rPr lang="en-US" sz="1200" dirty="0"/>
+              <a:t>, </a:t>
+            </a:r>
+            <a:r>
+              <a:rPr lang="en-US" sz="1200" dirty="0" err="1"/>
+              <a:t>l'eliminazione</a:t>
+            </a:r>
+            <a:r>
+              <a:rPr lang="en-US" sz="1200" dirty="0"/>
+              <a:t> </a:t>
+            </a:r>
+            <a:r>
+              <a:rPr lang="en-US" sz="1200" dirty="0" err="1"/>
+              <a:t>dei</a:t>
+            </a:r>
+            <a:r>
+              <a:rPr lang="en-US" sz="1200" dirty="0"/>
+              <a:t> cookie e </a:t>
+            </a:r>
+            <a:r>
+              <a:rPr lang="en-US" sz="1200" dirty="0" err="1"/>
+              <a:t>l'invalidazione</a:t>
+            </a:r>
+            <a:r>
+              <a:rPr lang="en-US" sz="1200" dirty="0"/>
+              <a:t> </a:t>
+            </a:r>
+            <a:r>
+              <a:rPr lang="en-US" sz="1200" dirty="0" err="1"/>
+              <a:t>della</a:t>
+            </a:r>
+            <a:r>
+              <a:rPr lang="en-US" sz="1200" dirty="0"/>
+              <a:t> </a:t>
+            </a:r>
+            <a:r>
+              <a:rPr lang="en-US" sz="1200" dirty="0" err="1"/>
+              <a:t>sessione</a:t>
+            </a:r>
+            <a:r>
+              <a:rPr lang="en-US" sz="1200" dirty="0"/>
+              <a:t> HTTP.</a:t>
+            </a:r>
+          </a:p>
+          <a:p>
+            <a:pPr marL="628650" lvl="1" indent="-171450">
+              <a:buFont typeface="Arial" panose="020B0604020202020204" pitchFamily="34" charset="0"/>
+              <a:buChar char="•"/>
+            </a:pPr>
+            <a:r>
+              <a:rPr lang="en-US" sz="1200" dirty="0" err="1"/>
+              <a:t>Configurazione</a:t>
+            </a:r>
+            <a:r>
+              <a:rPr lang="en-US" sz="1200" dirty="0"/>
+              <a:t> </a:t>
+            </a:r>
+            <a:r>
+              <a:rPr lang="en-US" sz="1200" dirty="0" err="1"/>
+              <a:t>delle</a:t>
+            </a:r>
+            <a:r>
+              <a:rPr lang="en-US" sz="1200" dirty="0"/>
+              <a:t> </a:t>
+            </a:r>
+            <a:r>
+              <a:rPr lang="en-US" sz="1200" dirty="0" err="1"/>
+              <a:t>richieste</a:t>
+            </a:r>
+            <a:r>
+              <a:rPr lang="en-US" sz="1200" dirty="0"/>
+              <a:t> </a:t>
+            </a:r>
+            <a:r>
+              <a:rPr lang="en-US" sz="1200" dirty="0" err="1"/>
+              <a:t>autorizzate</a:t>
+            </a:r>
+            <a:r>
+              <a:rPr lang="en-US" sz="1200" dirty="0"/>
+              <a:t>, </a:t>
+            </a:r>
+            <a:r>
+              <a:rPr lang="en-US" sz="1200" dirty="0" err="1"/>
+              <a:t>consentendo</a:t>
+            </a:r>
+            <a:r>
+              <a:rPr lang="en-US" sz="1200" dirty="0"/>
+              <a:t> a </a:t>
+            </a:r>
+            <a:r>
+              <a:rPr lang="en-US" sz="1200" dirty="0" err="1"/>
+              <a:t>tutte</a:t>
+            </a:r>
+            <a:r>
+              <a:rPr lang="en-US" sz="1200" dirty="0"/>
+              <a:t> le </a:t>
+            </a:r>
+            <a:r>
+              <a:rPr lang="en-US" sz="1200" dirty="0" err="1"/>
+              <a:t>richieste</a:t>
+            </a:r>
+            <a:r>
+              <a:rPr lang="en-US" sz="1200" dirty="0"/>
+              <a:t> </a:t>
+            </a:r>
+            <a:r>
+              <a:rPr lang="en-US" sz="1200" dirty="0" err="1"/>
+              <a:t>su</a:t>
+            </a:r>
+            <a:r>
+              <a:rPr lang="en-US" sz="1200" dirty="0"/>
+              <a:t> "/" e </a:t>
+            </a:r>
+            <a:r>
+              <a:rPr lang="en-US" sz="1200" dirty="0" err="1"/>
+              <a:t>richiedendo</a:t>
+            </a:r>
+            <a:r>
+              <a:rPr lang="en-US" sz="1200" dirty="0"/>
+              <a:t> il </a:t>
+            </a:r>
+            <a:r>
+              <a:rPr lang="en-US" sz="1200" dirty="0" err="1"/>
+              <a:t>ruolo</a:t>
+            </a:r>
+            <a:r>
+              <a:rPr lang="en-US" sz="1200" dirty="0"/>
+              <a:t> "ADMIN" per le </a:t>
+            </a:r>
+            <a:r>
+              <a:rPr lang="en-US" sz="1200" dirty="0" err="1"/>
+              <a:t>richieste</a:t>
+            </a:r>
+            <a:r>
+              <a:rPr lang="en-US" sz="1200" dirty="0"/>
+              <a:t> </a:t>
+            </a:r>
+            <a:r>
+              <a:rPr lang="en-US" sz="1200" dirty="0" err="1"/>
+              <a:t>su</a:t>
+            </a:r>
+            <a:r>
+              <a:rPr lang="en-US" sz="1200" dirty="0"/>
+              <a:t> "/admin/**".</a:t>
+            </a:r>
+          </a:p>
+          <a:p>
+            <a:pPr marL="628650" lvl="1" indent="-171450">
+              <a:buFont typeface="Arial" panose="020B0604020202020204" pitchFamily="34" charset="0"/>
+              <a:buChar char="•"/>
+            </a:pPr>
+            <a:r>
+              <a:rPr lang="en-US" sz="1200" dirty="0" err="1"/>
+              <a:t>Configurazione</a:t>
+            </a:r>
+            <a:r>
+              <a:rPr lang="en-US" sz="1200" dirty="0"/>
+              <a:t> </a:t>
+            </a:r>
+            <a:r>
+              <a:rPr lang="en-US" sz="1200" dirty="0" err="1"/>
+              <a:t>dell'autenticazione</a:t>
+            </a:r>
+            <a:r>
+              <a:rPr lang="en-US" sz="1200" dirty="0"/>
+              <a:t> di base HTTP.</a:t>
+            </a:r>
+          </a:p>
+          <a:p>
+            <a:pPr marL="628650" lvl="1" indent="-171450">
+              <a:buFont typeface="Arial" panose="020B0604020202020204" pitchFamily="34" charset="0"/>
+              <a:buChar char="•"/>
+            </a:pPr>
+            <a:r>
+              <a:rPr lang="en-US" sz="1200" dirty="0" err="1"/>
+              <a:t>Alla</a:t>
+            </a:r>
+            <a:r>
+              <a:rPr lang="en-US" sz="1200" dirty="0"/>
+              <a:t> fine, </a:t>
+            </a:r>
+            <a:r>
+              <a:rPr lang="en-US" sz="1200" dirty="0" err="1"/>
+              <a:t>viene</a:t>
+            </a:r>
+            <a:r>
+              <a:rPr lang="en-US" sz="1200" dirty="0"/>
+              <a:t> </a:t>
+            </a:r>
+            <a:r>
+              <a:rPr lang="en-US" sz="1200" dirty="0" err="1"/>
+              <a:t>chiamato</a:t>
+            </a:r>
+            <a:r>
+              <a:rPr lang="en-US" sz="1200" dirty="0"/>
+              <a:t> il </a:t>
+            </a:r>
+            <a:r>
+              <a:rPr lang="en-US" sz="1200" dirty="0" err="1"/>
+              <a:t>metodo</a:t>
+            </a:r>
+            <a:r>
+              <a:rPr lang="en-US" sz="1200" dirty="0"/>
+              <a:t> </a:t>
+            </a:r>
+            <a:r>
+              <a:rPr lang="en-US" sz="1200" dirty="0" err="1"/>
+              <a:t>http.build</a:t>
+            </a:r>
+            <a:r>
+              <a:rPr lang="en-US" sz="1200" dirty="0"/>
+              <a:t>() per </a:t>
+            </a:r>
+            <a:r>
+              <a:rPr lang="en-US" sz="1200" dirty="0" err="1"/>
+              <a:t>ottenere</a:t>
+            </a:r>
+            <a:r>
+              <a:rPr lang="en-US" sz="1200" dirty="0"/>
+              <a:t> un </a:t>
+            </a:r>
+            <a:r>
+              <a:rPr lang="en-US" sz="1200" dirty="0" err="1"/>
+              <a:t>oggetto</a:t>
+            </a:r>
+            <a:r>
+              <a:rPr lang="en-US" sz="1200" dirty="0"/>
+              <a:t> </a:t>
+            </a:r>
+            <a:r>
+              <a:rPr lang="en-US" sz="1200" dirty="0" err="1"/>
+              <a:t>SecurityFilterChain</a:t>
+            </a:r>
+            <a:r>
+              <a:rPr lang="en-US" sz="1200" dirty="0"/>
+              <a:t> </a:t>
+            </a:r>
+            <a:r>
+              <a:rPr lang="en-US" sz="1200" dirty="0" err="1"/>
+              <a:t>completo</a:t>
+            </a:r>
+            <a:r>
+              <a:rPr lang="en-US" sz="1200" dirty="0"/>
+              <a:t> e </a:t>
+            </a:r>
+            <a:r>
+              <a:rPr lang="en-US" sz="1200" dirty="0" err="1"/>
+              <a:t>configurato</a:t>
+            </a:r>
+            <a:r>
+              <a:rPr lang="en-US" sz="1200" dirty="0"/>
+              <a:t>, </a:t>
+            </a:r>
+            <a:r>
+              <a:rPr lang="en-US" sz="1200" dirty="0" err="1"/>
+              <a:t>che</a:t>
+            </a:r>
+            <a:r>
+              <a:rPr lang="en-US" sz="1200" dirty="0"/>
+              <a:t> </a:t>
+            </a:r>
+            <a:r>
+              <a:rPr lang="en-US" sz="1200" dirty="0" err="1"/>
+              <a:t>viene</a:t>
+            </a:r>
+            <a:r>
+              <a:rPr lang="en-US" sz="1200" dirty="0"/>
+              <a:t> </a:t>
+            </a:r>
+            <a:r>
+              <a:rPr lang="en-US" sz="1200" dirty="0" err="1"/>
+              <a:t>restituito</a:t>
+            </a:r>
+            <a:r>
+              <a:rPr lang="en-US" sz="1200" dirty="0"/>
+              <a:t> come bean. </a:t>
+            </a:r>
+            <a:r>
+              <a:rPr lang="en-US" sz="1200" dirty="0" err="1"/>
+              <a:t>Questo</a:t>
+            </a:r>
+            <a:r>
+              <a:rPr lang="en-US" sz="1200" dirty="0"/>
+              <a:t> </a:t>
+            </a:r>
+            <a:r>
+              <a:rPr lang="en-US" sz="1200" dirty="0" err="1"/>
+              <a:t>oggetto</a:t>
+            </a:r>
+            <a:r>
+              <a:rPr lang="en-US" sz="1200" dirty="0"/>
+              <a:t> </a:t>
+            </a:r>
+            <a:r>
+              <a:rPr lang="en-US" sz="1200" dirty="0" err="1"/>
+              <a:t>rappresenta</a:t>
+            </a:r>
+            <a:r>
+              <a:rPr lang="en-US" sz="1200" dirty="0"/>
+              <a:t> la catena di </a:t>
+            </a:r>
+            <a:r>
+              <a:rPr lang="en-US" sz="1200" dirty="0" err="1"/>
+              <a:t>filtri</a:t>
+            </a:r>
+            <a:r>
+              <a:rPr lang="en-US" sz="1200" dirty="0"/>
+              <a:t> di </a:t>
+            </a:r>
+            <a:r>
+              <a:rPr lang="en-US" sz="1200" dirty="0" err="1"/>
+              <a:t>sicurezza</a:t>
+            </a:r>
+            <a:r>
+              <a:rPr lang="en-US" sz="1200" dirty="0"/>
+              <a:t> </a:t>
+            </a:r>
+            <a:r>
+              <a:rPr lang="en-US" sz="1200" dirty="0" err="1"/>
+              <a:t>che</a:t>
+            </a:r>
+            <a:r>
+              <a:rPr lang="en-US" sz="1200" dirty="0"/>
+              <a:t> </a:t>
+            </a:r>
+            <a:r>
+              <a:rPr lang="en-US" sz="1200" dirty="0" err="1"/>
+              <a:t>verrà</a:t>
+            </a:r>
+            <a:r>
+              <a:rPr lang="en-US" sz="1200" dirty="0"/>
+              <a:t> </a:t>
+            </a:r>
+            <a:r>
+              <a:rPr lang="en-US" sz="1200" dirty="0" err="1"/>
+              <a:t>applicata</a:t>
+            </a:r>
+            <a:r>
+              <a:rPr lang="en-US" sz="1200" dirty="0"/>
+              <a:t> alle </a:t>
+            </a:r>
+            <a:r>
+              <a:rPr lang="en-US" sz="1200" dirty="0" err="1"/>
+              <a:t>richieste</a:t>
+            </a:r>
+            <a:r>
+              <a:rPr lang="en-US" sz="1200" dirty="0"/>
+              <a:t> HTTP </a:t>
+            </a:r>
+            <a:r>
+              <a:rPr lang="en-US" sz="1200" dirty="0" err="1"/>
+              <a:t>nell'applicazione</a:t>
+            </a:r>
+            <a:r>
+              <a:rPr lang="en-US" sz="1200" dirty="0"/>
+              <a:t>.</a:t>
+            </a:r>
+          </a:p>
+        </p:txBody>
+      </p:sp>
+      <p:pic>
+        <p:nvPicPr>
+          <p:cNvPr id="4" name="Immagine 3" descr="Immagine che contiene testo, schermata, software, Software multimediale&#10;&#10;Descrizione generata automaticamente">
+            <a:extLst>
+              <a:ext uri="{FF2B5EF4-FFF2-40B4-BE49-F238E27FC236}">
+                <a16:creationId xmlns:a16="http://schemas.microsoft.com/office/drawing/2014/main" id="{41E2DA29-E56A-9B21-302B-AD728E01456A}"/>
+              </a:ext>
+            </a:extLst>
+          </p:cNvPr>
+          <p:cNvPicPr>
+            <a:picLocks noChangeAspect="1"/>
+          </p:cNvPicPr>
+          <p:nvPr/>
+        </p:nvPicPr>
+        <p:blipFill rotWithShape="1">
+          <a:blip r:embed="rId2"/>
+          <a:srcRect t="5261" r="3" b="4980"/>
+          <a:stretch/>
+        </p:blipFill>
+        <p:spPr>
+          <a:xfrm>
+            <a:off x="677334" y="2159331"/>
+            <a:ext cx="5423429" cy="3882362"/>
+          </a:xfrm>
+          <a:prstGeom prst="rect">
+            <a:avLst/>
+          </a:prstGeom>
+        </p:spPr>
+      </p:pic>
+    </p:spTree>
+    <p:extLst>
+      <p:ext uri="{BB962C8B-B14F-4D97-AF65-F5344CB8AC3E}">
+        <p14:creationId xmlns:p14="http://schemas.microsoft.com/office/powerpoint/2010/main" val="3617491775"/>
+      </p:ext>
+    </p:extLst>
+  </p:cSld>
+  <p:clrMapOvr>
+    <a:masterClrMapping/>
+  </p:clrMapOvr>
+</p:sld>
+</file>
+
+<file path=ppt/slides/slide13.xml><?xml version="1.0" encoding="utf-8"?>
+<p:sld xmlns:a="http://schemas.openxmlformats.org/drawingml/2006/main" xmlns:r="http://schemas.openxmlformats.org/officeDocument/2006/relationships" xmlns:p="http://schemas.openxmlformats.org/presentationml/2006/main">
+  <p:cSld>
+    <p:bg>
+      <p:bgPr>
+        <a:solidFill>
+          <a:schemeClr val="bg1"/>
+        </a:solidFill>
+        <a:effectLst/>
+      </p:bgPr>
+    </p:bg>
+    <p:spTree>
+      <p:nvGrpSpPr>
+        <p:cNvPr id="1" name=""/>
+        <p:cNvGrpSpPr/>
+        <p:nvPr/>
+      </p:nvGrpSpPr>
+      <p:grpSpPr>
+        <a:xfrm>
+          <a:off x="0" y="0"/>
+          <a:ext cx="0" cy="0"/>
+          <a:chOff x="0" y="0"/>
+          <a:chExt cx="0" cy="0"/>
+        </a:xfrm>
+      </p:grpSpPr>
+      <p:sp>
+        <p:nvSpPr>
+          <p:cNvPr id="2" name="Titolo 1">
+            <a:extLst>
+              <a:ext uri="{FF2B5EF4-FFF2-40B4-BE49-F238E27FC236}">
+                <a16:creationId xmlns:a16="http://schemas.microsoft.com/office/drawing/2014/main" id="{77E7E7EF-3C45-93E7-62AA-7360E4EF7DC9}"/>
+              </a:ext>
+            </a:extLst>
+          </p:cNvPr>
+          <p:cNvSpPr>
+            <a:spLocks noGrp="1"/>
+          </p:cNvSpPr>
+          <p:nvPr>
+            <p:ph type="title"/>
+          </p:nvPr>
+        </p:nvSpPr>
+        <p:spPr>
+          <a:xfrm>
+            <a:off x="677334" y="609600"/>
+            <a:ext cx="8596668" cy="1320800"/>
+          </a:xfrm>
+        </p:spPr>
+        <p:txBody>
+          <a:bodyPr vert="horz" lIns="91440" tIns="45720" rIns="91440" bIns="45720" rtlCol="0" anchor="t">
+            <a:normAutofit/>
+          </a:bodyPr>
+          <a:lstStyle/>
+          <a:p>
+            <a:r>
+              <a:rPr lang="en-US"/>
+              <a:t>Componente essenziali</a:t>
+            </a:r>
+          </a:p>
+        </p:txBody>
+      </p:sp>
+      <p:pic>
+        <p:nvPicPr>
+          <p:cNvPr id="5" name="Immagine 4">
+            <a:extLst>
+              <a:ext uri="{FF2B5EF4-FFF2-40B4-BE49-F238E27FC236}">
+                <a16:creationId xmlns:a16="http://schemas.microsoft.com/office/drawing/2014/main" id="{95DFB5BD-9838-178D-A9E6-EFD6C362F9E1}"/>
+              </a:ext>
+            </a:extLst>
+          </p:cNvPr>
+          <p:cNvPicPr>
+            <a:picLocks noChangeAspect="1"/>
+          </p:cNvPicPr>
+          <p:nvPr/>
+        </p:nvPicPr>
+        <p:blipFill>
+          <a:blip r:embed="rId2"/>
+          <a:stretch>
+            <a:fillRect/>
+          </a:stretch>
+        </p:blipFill>
+        <p:spPr>
+          <a:xfrm>
+            <a:off x="677334" y="5349450"/>
+            <a:ext cx="7772400" cy="763483"/>
+          </a:xfrm>
+          <a:prstGeom prst="rect">
+            <a:avLst/>
+          </a:prstGeom>
+        </p:spPr>
+      </p:pic>
+      <p:pic>
+        <p:nvPicPr>
+          <p:cNvPr id="8" name="Immagine 7">
+            <a:extLst>
+              <a:ext uri="{FF2B5EF4-FFF2-40B4-BE49-F238E27FC236}">
+                <a16:creationId xmlns:a16="http://schemas.microsoft.com/office/drawing/2014/main" id="{843B40A6-93E7-EC3F-D38D-5B3C491F803E}"/>
+              </a:ext>
+            </a:extLst>
+          </p:cNvPr>
+          <p:cNvPicPr>
+            <a:picLocks noChangeAspect="1"/>
+          </p:cNvPicPr>
+          <p:nvPr/>
+        </p:nvPicPr>
+        <p:blipFill>
+          <a:blip r:embed="rId3"/>
+          <a:stretch>
+            <a:fillRect/>
+          </a:stretch>
+        </p:blipFill>
+        <p:spPr>
+          <a:xfrm>
+            <a:off x="677334" y="4282017"/>
+            <a:ext cx="7772400" cy="850442"/>
+          </a:xfrm>
+          <a:prstGeom prst="rect">
+            <a:avLst/>
+          </a:prstGeom>
+        </p:spPr>
+      </p:pic>
+      <p:pic>
+        <p:nvPicPr>
+          <p:cNvPr id="10" name="Immagine 9" descr="Immagine che contiene testo, Carattere, schermata&#10;&#10;Descrizione generata automaticamente">
+            <a:extLst>
+              <a:ext uri="{FF2B5EF4-FFF2-40B4-BE49-F238E27FC236}">
+                <a16:creationId xmlns:a16="http://schemas.microsoft.com/office/drawing/2014/main" id="{222C068E-7414-8EAC-7B3D-CC6C24620491}"/>
+              </a:ext>
+            </a:extLst>
+          </p:cNvPr>
+          <p:cNvPicPr>
+            <a:picLocks noChangeAspect="1"/>
+          </p:cNvPicPr>
+          <p:nvPr/>
+        </p:nvPicPr>
+        <p:blipFill>
+          <a:blip r:embed="rId4"/>
+          <a:stretch>
+            <a:fillRect/>
+          </a:stretch>
+        </p:blipFill>
+        <p:spPr>
+          <a:xfrm>
+            <a:off x="5075766" y="1930400"/>
+            <a:ext cx="6438900" cy="1016000"/>
+          </a:xfrm>
+          <a:prstGeom prst="rect">
+            <a:avLst/>
+          </a:prstGeom>
+        </p:spPr>
+      </p:pic>
+      <p:sp>
+        <p:nvSpPr>
+          <p:cNvPr id="11" name="CasellaDiTesto 10">
+            <a:extLst>
+              <a:ext uri="{FF2B5EF4-FFF2-40B4-BE49-F238E27FC236}">
+                <a16:creationId xmlns:a16="http://schemas.microsoft.com/office/drawing/2014/main" id="{1880381F-2431-B62A-A0EE-CA4B4AF50C69}"/>
+              </a:ext>
+            </a:extLst>
+          </p:cNvPr>
+          <p:cNvSpPr txBox="1"/>
+          <p:nvPr/>
+        </p:nvSpPr>
+        <p:spPr>
+          <a:xfrm>
+            <a:off x="4093633" y="2253734"/>
+            <a:ext cx="982133" cy="369332"/>
+          </a:xfrm>
+          <a:prstGeom prst="rect">
+            <a:avLst/>
+          </a:prstGeom>
+          <a:noFill/>
+        </p:spPr>
+        <p:txBody>
+          <a:bodyPr wrap="square" rtlCol="0">
+            <a:spAutoFit/>
+          </a:bodyPr>
+          <a:lstStyle/>
+          <a:p>
+            <a:r>
+              <a:rPr lang="it-IT" dirty="0"/>
+              <a:t>POM </a:t>
+            </a:r>
+            <a:r>
+              <a:rPr lang="it-IT" dirty="0">
+                <a:sym typeface="Wingdings" pitchFamily="2" charset="2"/>
+              </a:rPr>
+              <a:t></a:t>
+            </a:r>
+            <a:endParaRPr lang="it-IT" dirty="0"/>
+          </a:p>
+        </p:txBody>
+      </p:sp>
+      <p:sp>
+        <p:nvSpPr>
+          <p:cNvPr id="12" name="CasellaDiTesto 11">
+            <a:extLst>
+              <a:ext uri="{FF2B5EF4-FFF2-40B4-BE49-F238E27FC236}">
+                <a16:creationId xmlns:a16="http://schemas.microsoft.com/office/drawing/2014/main" id="{36C9DA2A-5C2E-6CE2-5192-413EE6CF6C6D}"/>
+              </a:ext>
+            </a:extLst>
+          </p:cNvPr>
+          <p:cNvSpPr txBox="1"/>
+          <p:nvPr/>
+        </p:nvSpPr>
+        <p:spPr>
+          <a:xfrm>
+            <a:off x="8782935" y="5460052"/>
+            <a:ext cx="982133" cy="369332"/>
+          </a:xfrm>
+          <a:prstGeom prst="rect">
+            <a:avLst/>
+          </a:prstGeom>
+          <a:noFill/>
+        </p:spPr>
+        <p:txBody>
+          <a:bodyPr wrap="square" rtlCol="0">
+            <a:spAutoFit/>
+          </a:bodyPr>
+          <a:lstStyle/>
+          <a:p>
+            <a:r>
+              <a:rPr lang="it-IT" dirty="0">
+                <a:sym typeface="Wingdings" pitchFamily="2" charset="2"/>
+              </a:rPr>
+              <a:t> </a:t>
+            </a:r>
+            <a:r>
+              <a:rPr lang="it-IT" dirty="0"/>
+              <a:t>JSP</a:t>
+            </a:r>
+          </a:p>
+        </p:txBody>
+      </p:sp>
+      <p:sp>
+        <p:nvSpPr>
+          <p:cNvPr id="13" name="CasellaDiTesto 12">
+            <a:extLst>
+              <a:ext uri="{FF2B5EF4-FFF2-40B4-BE49-F238E27FC236}">
+                <a16:creationId xmlns:a16="http://schemas.microsoft.com/office/drawing/2014/main" id="{F0364414-5D32-953A-57CF-A8E641FF1F41}"/>
+              </a:ext>
+            </a:extLst>
+          </p:cNvPr>
+          <p:cNvSpPr txBox="1"/>
+          <p:nvPr/>
+        </p:nvSpPr>
+        <p:spPr>
+          <a:xfrm>
+            <a:off x="8782935" y="4522572"/>
+            <a:ext cx="982133" cy="369332"/>
+          </a:xfrm>
+          <a:prstGeom prst="rect">
+            <a:avLst/>
+          </a:prstGeom>
+          <a:noFill/>
+        </p:spPr>
+        <p:txBody>
+          <a:bodyPr wrap="square" rtlCol="0">
+            <a:spAutoFit/>
+          </a:bodyPr>
+          <a:lstStyle/>
+          <a:p>
+            <a:r>
+              <a:rPr lang="it-IT" dirty="0">
+                <a:sym typeface="Wingdings" pitchFamily="2" charset="2"/>
+              </a:rPr>
+              <a:t> </a:t>
+            </a:r>
+            <a:r>
+              <a:rPr lang="it-IT" dirty="0"/>
+              <a:t>JSP</a:t>
+            </a:r>
+          </a:p>
+        </p:txBody>
+      </p:sp>
+    </p:spTree>
+    <p:extLst>
+      <p:ext uri="{BB962C8B-B14F-4D97-AF65-F5344CB8AC3E}">
+        <p14:creationId xmlns:p14="http://schemas.microsoft.com/office/powerpoint/2010/main" val="2548324884"/>
+      </p:ext>
+    </p:extLst>
+  </p:cSld>
+  <p:clrMapOvr>
+    <a:masterClrMapping/>
+  </p:clrMapOvr>
+</p:sld>
+</file>
+
+<file path=ppt/slides/slide14.xml><?xml version="1.0" encoding="utf-8"?>
 <p:sld xmlns:a="http://schemas.openxmlformats.org/drawingml/2006/main" xmlns:r="http://schemas.openxmlformats.org/officeDocument/2006/relationships" xmlns:p="http://schemas.openxmlformats.org/presentationml/2006/main">
   <p:cSld>
     <p:spTree>
@@ -5871,7 +9092,7 @@
           <p:cNvPr id="2" name="Titolo 1">
             <a:extLst>
               <a:ext uri="{FF2B5EF4-FFF2-40B4-BE49-F238E27FC236}">
-                <a16:creationId xmlns:a16="http://schemas.microsoft.com/office/drawing/2014/main" id="{822DF093-5A01-383C-8BAA-7CDDB876D0EF}"/>
+                <a16:creationId xmlns:a16="http://schemas.microsoft.com/office/drawing/2014/main" id="{3EAC491B-4E37-D4D9-AA57-A5A9E5A151DE}"/>
               </a:ext>
             </a:extLst>
           </p:cNvPr>
@@ -5879,7 +9100,7 @@
             <a:spLocks noGrp="1"/>
           </p:cNvSpPr>
           <p:nvPr>
-            <p:ph type="title"/>
+            <p:ph type="ctrTitle"/>
           </p:nvPr>
         </p:nvSpPr>
         <p:spPr/>
@@ -5889,17 +9110,17 @@
           <a:p>
             <a:r>
               <a:rPr lang="it-IT" dirty="0"/>
-              <a:t>Introduzione</a:t>
+              <a:t>Spring Boot JWT</a:t>
             </a:r>
           </a:p>
         </p:txBody>
       </p:sp>
       <p:sp>
         <p:nvSpPr>
-          <p:cNvPr id="3" name="Segnaposto contenuto 2">
+          <p:cNvPr id="3" name="Sottotitolo 2">
             <a:extLst>
               <a:ext uri="{FF2B5EF4-FFF2-40B4-BE49-F238E27FC236}">
-                <a16:creationId xmlns:a16="http://schemas.microsoft.com/office/drawing/2014/main" id="{C474E4DC-40D7-1143-F897-EC315135B154}"/>
+                <a16:creationId xmlns:a16="http://schemas.microsoft.com/office/drawing/2014/main" id="{A150A681-A95F-307A-85F2-7F182D61E6B8}"/>
               </a:ext>
             </a:extLst>
           </p:cNvPr>
@@ -5907,7 +9128,7 @@
             <a:spLocks noGrp="1"/>
           </p:cNvSpPr>
           <p:nvPr>
-            <p:ph idx="1"/>
+            <p:ph type="subTitle" idx="1"/>
           </p:nvPr>
         </p:nvSpPr>
         <p:spPr/>
@@ -5917,24 +9138,15 @@
           <a:p>
             <a:r>
               <a:rPr lang="it-IT" dirty="0"/>
-              <a:t>Spring Security è un framework di sicurezza potente e altamente personalizzabile per le applicazioni Java basate su Spring, tra cui Spring Boot. Fornisce un insieme completo di funzionalità per gestire l'autenticazione, l'autorizzazione e altre operazioni di sicurezza all'interno di un'applicazione.</a:t>
-            </a:r>
-          </a:p>
-          <a:p>
-            <a:r>
-              <a:rPr lang="it-IT" dirty="0"/>
-              <a:t>Spring Security si basa sul concetto di filtri che vengono applicati a livello di richiesta HTTP per eseguire operazioni di sicurezza. I filtri possono essere configurati per proteggere le risorse dell'applicazione, controllare l'accesso degli utenti e applicare regole di sicurezza specifiche.</a:t>
-            </a:r>
-          </a:p>
-          <a:p>
-            <a:endParaRPr lang="it-IT" dirty="0"/>
+              <a:t>Spring Boot 3 Security</a:t>
+            </a:r>
           </a:p>
         </p:txBody>
       </p:sp>
     </p:spTree>
     <p:extLst>
       <p:ext uri="{BB962C8B-B14F-4D97-AF65-F5344CB8AC3E}">
-        <p14:creationId xmlns:p14="http://schemas.microsoft.com/office/powerpoint/2010/main" val="1778554398"/>
+        <p14:creationId xmlns:p14="http://schemas.microsoft.com/office/powerpoint/2010/main" val="4049120865"/>
       </p:ext>
     </p:extLst>
   </p:cSld>
@@ -5944,7 +9156,7 @@
 </p:sld>
 </file>
 
-<file path=ppt/slides/slide3.xml><?xml version="1.0" encoding="utf-8"?>
+<file path=ppt/slides/slide15.xml><?xml version="1.0" encoding="utf-8"?>
 <p:sld xmlns:a="http://schemas.openxmlformats.org/drawingml/2006/main" xmlns:r="http://schemas.openxmlformats.org/officeDocument/2006/relationships" xmlns:p="http://schemas.openxmlformats.org/presentationml/2006/main">
   <p:cSld>
     <p:spTree>
@@ -5966,7 +9178,7 @@
           <p:cNvPr id="2" name="Titolo 1">
             <a:extLst>
               <a:ext uri="{FF2B5EF4-FFF2-40B4-BE49-F238E27FC236}">
-                <a16:creationId xmlns:a16="http://schemas.microsoft.com/office/drawing/2014/main" id="{A5A96FEE-2E91-0C21-3D3D-7F906F28B1AD}"/>
+                <a16:creationId xmlns:a16="http://schemas.microsoft.com/office/drawing/2014/main" id="{F1503648-266E-F187-FD70-0253BE2A66E7}"/>
               </a:ext>
             </a:extLst>
           </p:cNvPr>
@@ -5984,8 +9196,12 @@
           <a:p>
             <a:r>
               <a:rPr lang="it-IT" dirty="0"/>
-              <a:t>Introduzione</a:t>
-            </a:r>
+              <a:t>Spring Security REST</a:t>
+            </a:r>
+            <a:br>
+              <a:rPr lang="it-IT" dirty="0"/>
+            </a:br>
+            <a:endParaRPr lang="it-IT" dirty="0"/>
           </a:p>
         </p:txBody>
       </p:sp>
@@ -5994,7 +9210,7 @@
           <p:cNvPr id="3" name="Segnaposto contenuto 2">
             <a:extLst>
               <a:ext uri="{FF2B5EF4-FFF2-40B4-BE49-F238E27FC236}">
-                <a16:creationId xmlns:a16="http://schemas.microsoft.com/office/drawing/2014/main" id="{EFEB8139-D498-BE00-4EAE-C1E9DE1AE776}"/>
+                <a16:creationId xmlns:a16="http://schemas.microsoft.com/office/drawing/2014/main" id="{485E1856-9842-E5BE-A9A6-56D6FFC31C47}"/>
               </a:ext>
             </a:extLst>
           </p:cNvPr>
@@ -6008,101 +9224,77 @@
         <p:spPr/>
         <p:txBody>
           <a:bodyPr>
-            <a:normAutofit fontScale="92500"/>
+            <a:normAutofit fontScale="62500" lnSpcReduction="20000"/>
           </a:bodyPr>
           <a:lstStyle/>
           <a:p>
             <a:r>
               <a:rPr lang="it-IT" dirty="0"/>
-              <a:t>Ecco una panoramica delle funzionalità chiave di Spring Security:</a:t>
-            </a:r>
-          </a:p>
-          <a:p>
-            <a:pPr lvl="1">
-              <a:buFont typeface="+mj-lt"/>
-              <a:buAutoNum type="arabicPeriod"/>
-            </a:pPr>
-            <a:r>
-              <a:rPr lang="it-IT" b="1" dirty="0"/>
-              <a:t>Autenticazione</a:t>
+              <a:t>JWT Provider: Il JWT Provider è responsabile della generazione e della validazione dei token JWT. Questa componente include la logica per creare il token JWT, firmarlo con una chiave segreta e verificare l'autenticità del token ricevuto durante le richieste successive. Puoi utilizzare librerie come "</a:t>
+            </a:r>
+            <a:r>
+              <a:rPr lang="it-IT" dirty="0" err="1"/>
+              <a:t>jjwt</a:t>
             </a:r>
             <a:r>
               <a:rPr lang="it-IT" dirty="0"/>
-              <a:t>: Spring Security supporta diversi meccanismi di autenticazione, come autenticazione basata su </a:t>
+              <a:t>" o "</a:t>
             </a:r>
             <a:r>
               <a:rPr lang="it-IT" dirty="0" err="1"/>
-              <a:t>form</a:t>
+              <a:t>Nimbus</a:t>
             </a:r>
             <a:r>
               <a:rPr lang="it-IT" dirty="0"/>
-              <a:t>, autenticazione a livello di token, autenticazione basata su certificato, autenticazione LDAP, autenticazione </a:t>
+              <a:t> JOSE + JWT" per implementare questa funzionalità.</a:t>
+            </a:r>
+          </a:p>
+          <a:p>
+            <a:r>
+              <a:rPr lang="it-IT" dirty="0"/>
+              <a:t>Filtro di autenticazione JWT: Il filtro di autenticazione JWT è un filtro personalizzato che viene inserito nella catena di filtri di Spring Security. Questo filtro si occupa dell'autenticazione basata su token JWT. Durante la fase di autenticazione, il filtro estrae il token JWT dalle richieste in arrivo e lo convalida utilizzando il JWT Provider. Se il token è valido, il filtro imposta l'oggetto di autenticazione all'interno del contesto di sicurezza di Spring Security.</a:t>
+            </a:r>
+          </a:p>
+          <a:p>
+            <a:r>
+              <a:rPr lang="it-IT" dirty="0"/>
+              <a:t>Gestore di autenticazione personalizzato: È necessario configurare un gestore di autenticazione personalizzato che utilizzi il JWT Provider per verificare l'autenticità del token JWT. Il gestore di autenticazione personalizzato estende </a:t>
             </a:r>
             <a:r>
               <a:rPr lang="it-IT" dirty="0" err="1"/>
-              <a:t>OAuth</a:t>
+              <a:t>AbstractAuthenticationManager</a:t>
             </a:r>
             <a:r>
               <a:rPr lang="it-IT" dirty="0"/>
-              <a:t> e altro ancora. Puoi configurare il tipo di autenticazione richiesta per la tua applicazione.</a:t>
-            </a:r>
-          </a:p>
-          <a:p>
-            <a:pPr lvl="1">
-              <a:buFont typeface="+mj-lt"/>
-              <a:buAutoNum type="arabicPeriod"/>
-            </a:pPr>
-            <a:r>
-              <a:rPr lang="it-IT" b="1" dirty="0"/>
-              <a:t>Autorizzazione</a:t>
-            </a:r>
+              <a:t> e implementa la logica per la verifica del token JWT e la creazione dell'oggetto di autenticazione appropriato.</a:t>
+            </a:r>
+          </a:p>
+          <a:p>
             <a:r>
               <a:rPr lang="it-IT" dirty="0"/>
-              <a:t>: Spring Security offre un sistema di autorizzazione flessibile che consente di definire ruoli e autorizzazioni per gli utenti. Puoi configurare i ruoli degli utenti e definire quali ruoli sono autorizzati ad accedere a determinate risorse o eseguire determinate azioni.</a:t>
-            </a:r>
-          </a:p>
-          <a:p>
-            <a:pPr lvl="1">
-              <a:buFont typeface="+mj-lt"/>
-              <a:buAutoNum type="arabicPeriod"/>
-            </a:pPr>
-            <a:r>
-              <a:rPr lang="it-IT" b="1" dirty="0"/>
-              <a:t>Protezione CSRF</a:t>
+              <a:t>Classe di dettagli utente personalizzata: Se il token JWT contiene informazioni aggiuntive sull'utente, è necessario definire una classe di dettagli utente personalizzata che implementi l'interfaccia </a:t>
+            </a:r>
+            <a:r>
+              <a:rPr lang="it-IT" dirty="0" err="1"/>
+              <a:t>UserDetails</a:t>
             </a:r>
             <a:r>
               <a:rPr lang="it-IT" dirty="0"/>
-              <a:t>: Spring Security protegge automaticamente le tue applicazioni da attacchi CSRF (Cross-Site </a:t>
+              <a:t> di Spring Security. Questa classe rappresenta i dettagli specifici dell'utente associati al token JWT, come il nome utente, i ruoli, le autorizzazioni e altre informazioni pertinenti.</a:t>
+            </a:r>
+          </a:p>
+          <a:p>
+            <a:r>
+              <a:rPr lang="it-IT" dirty="0"/>
+              <a:t>Gestore di accesso personalizzato: Il gestore di accesso personalizzato viene utilizzato per autorizzare le richieste basate sui ruoli o sulle autorizzazioni specificate nel token JWT. Questo gestore estende </a:t>
             </a:r>
             <a:r>
               <a:rPr lang="it-IT" dirty="0" err="1"/>
-              <a:t>Request</a:t>
+              <a:t>AbstractAccessDecisionManager</a:t>
             </a:r>
             <a:r>
               <a:rPr lang="it-IT" dirty="0"/>
-              <a:t> </a:t>
-            </a:r>
-            <a:r>
-              <a:rPr lang="it-IT" dirty="0" err="1"/>
-              <a:t>Forgery</a:t>
-            </a:r>
-            <a:r>
-              <a:rPr lang="it-IT" dirty="0"/>
-              <a:t>) generando token CSRF e verificando la loro validità durante le richieste POST, PUT, DELETE e altre richieste potenzialmente mutative.</a:t>
-            </a:r>
-          </a:p>
-          <a:p>
-            <a:pPr lvl="1">
-              <a:buFont typeface="+mj-lt"/>
-              <a:buAutoNum type="arabicPeriod"/>
-            </a:pPr>
-            <a:r>
-              <a:rPr lang="it-IT" b="1" dirty="0"/>
-              <a:t>Gestione sessione</a:t>
-            </a:r>
-            <a:r>
-              <a:rPr lang="it-IT" dirty="0"/>
-              <a:t>: Spring Security gestisce in modo sicuro la gestione delle sessioni </a:t>
+              <a:t> e implementa la logica per prendere decisioni di autorizzazione in base alle informazioni del token JWT.</a:t>
             </a:r>
           </a:p>
           <a:p>
@@ -6113,7 +9305,7 @@
     </p:spTree>
     <p:extLst>
       <p:ext uri="{BB962C8B-B14F-4D97-AF65-F5344CB8AC3E}">
-        <p14:creationId xmlns:p14="http://schemas.microsoft.com/office/powerpoint/2010/main" val="2941784919"/>
+        <p14:creationId xmlns:p14="http://schemas.microsoft.com/office/powerpoint/2010/main" val="3028931731"/>
       </p:ext>
     </p:extLst>
   </p:cSld>
@@ -6123,372 +9315,7 @@
 </p:sld>
 </file>
 
-<file path=ppt/slides/slide4.xml><?xml version="1.0" encoding="utf-8"?>
-<p:sld xmlns:a="http://schemas.openxmlformats.org/drawingml/2006/main" xmlns:r="http://schemas.openxmlformats.org/officeDocument/2006/relationships" xmlns:p="http://schemas.openxmlformats.org/presentationml/2006/main">
-  <p:cSld>
-    <p:spTree>
-      <p:nvGrpSpPr>
-        <p:cNvPr id="1" name=""/>
-        <p:cNvGrpSpPr/>
-        <p:nvPr/>
-      </p:nvGrpSpPr>
-      <p:grpSpPr>
-        <a:xfrm>
-          <a:off x="0" y="0"/>
-          <a:ext cx="0" cy="0"/>
-          <a:chOff x="0" y="0"/>
-          <a:chExt cx="0" cy="0"/>
-        </a:xfrm>
-      </p:grpSpPr>
-      <p:sp>
-        <p:nvSpPr>
-          <p:cNvPr id="2" name="Titolo 1">
-            <a:extLst>
-              <a:ext uri="{FF2B5EF4-FFF2-40B4-BE49-F238E27FC236}">
-                <a16:creationId xmlns:a16="http://schemas.microsoft.com/office/drawing/2014/main" id="{A5A96FEE-2E91-0C21-3D3D-7F906F28B1AD}"/>
-              </a:ext>
-            </a:extLst>
-          </p:cNvPr>
-          <p:cNvSpPr>
-            <a:spLocks noGrp="1"/>
-          </p:cNvSpPr>
-          <p:nvPr>
-            <p:ph type="title"/>
-          </p:nvPr>
-        </p:nvSpPr>
-        <p:spPr/>
-        <p:txBody>
-          <a:bodyPr/>
-          <a:lstStyle/>
-          <a:p>
-            <a:r>
-              <a:rPr lang="it-IT" dirty="0"/>
-              <a:t>Introduzione</a:t>
-            </a:r>
-          </a:p>
-        </p:txBody>
-      </p:sp>
-      <p:sp>
-        <p:nvSpPr>
-          <p:cNvPr id="3" name="Segnaposto contenuto 2">
-            <a:extLst>
-              <a:ext uri="{FF2B5EF4-FFF2-40B4-BE49-F238E27FC236}">
-                <a16:creationId xmlns:a16="http://schemas.microsoft.com/office/drawing/2014/main" id="{EFEB8139-D498-BE00-4EAE-C1E9DE1AE776}"/>
-              </a:ext>
-            </a:extLst>
-          </p:cNvPr>
-          <p:cNvSpPr>
-            <a:spLocks noGrp="1"/>
-          </p:cNvSpPr>
-          <p:nvPr>
-            <p:ph idx="1"/>
-          </p:nvPr>
-        </p:nvSpPr>
-        <p:spPr/>
-        <p:txBody>
-          <a:bodyPr>
-            <a:normAutofit/>
-          </a:bodyPr>
-          <a:lstStyle/>
-          <a:p>
-            <a:r>
-              <a:rPr lang="it-IT" dirty="0"/>
-              <a:t>Ecco una panoramica delle funzionalità chiave di Spring Security:</a:t>
-            </a:r>
-          </a:p>
-          <a:p>
-            <a:pPr lvl="1">
-              <a:buFont typeface="+mj-lt"/>
-              <a:buAutoNum type="arabicPeriod"/>
-            </a:pPr>
-            <a:r>
-              <a:rPr lang="it-IT" sz="1500" b="1" dirty="0"/>
-              <a:t>Gestione sessione</a:t>
-            </a:r>
-            <a:r>
-              <a:rPr lang="it-IT" sz="1500" dirty="0"/>
-              <a:t>: Spring Security gestisce in modo sicuro la gestione delle sessioni utente. Puoi configurare le politiche di gestione della sessione, ad esempio specificando la durata della sessione o definendo un limite massimo per il numero di sessioni attive per un singolo utente.</a:t>
-            </a:r>
-          </a:p>
-          <a:p>
-            <a:pPr lvl="1">
-              <a:buFont typeface="+mj-lt"/>
-              <a:buAutoNum type="arabicPeriod"/>
-            </a:pPr>
-            <a:r>
-              <a:rPr lang="it-IT" sz="1500" b="1" dirty="0"/>
-              <a:t>Integrazione con altri framework</a:t>
-            </a:r>
-            <a:r>
-              <a:rPr lang="it-IT" sz="1500" dirty="0"/>
-              <a:t>: Spring Security si integra facilmente con altri framework di Spring, come Spring MVC, Spring Data e Spring Boot. Questa integrazione semplifica lo sviluppo di applicazioni web sicure.</a:t>
-            </a:r>
-          </a:p>
-          <a:p>
-            <a:endParaRPr lang="it-IT" dirty="0"/>
-          </a:p>
-        </p:txBody>
-      </p:sp>
-    </p:spTree>
-    <p:extLst>
-      <p:ext uri="{BB962C8B-B14F-4D97-AF65-F5344CB8AC3E}">
-        <p14:creationId xmlns:p14="http://schemas.microsoft.com/office/powerpoint/2010/main" val="2341821136"/>
-      </p:ext>
-    </p:extLst>
-  </p:cSld>
-  <p:clrMapOvr>
-    <a:masterClrMapping/>
-  </p:clrMapOvr>
-</p:sld>
-</file>
-
-<file path=ppt/slides/slide5.xml><?xml version="1.0" encoding="utf-8"?>
-<p:sld xmlns:a="http://schemas.openxmlformats.org/drawingml/2006/main" xmlns:r="http://schemas.openxmlformats.org/officeDocument/2006/relationships" xmlns:p="http://schemas.openxmlformats.org/presentationml/2006/main">
-  <p:cSld>
-    <p:spTree>
-      <p:nvGrpSpPr>
-        <p:cNvPr id="1" name=""/>
-        <p:cNvGrpSpPr/>
-        <p:nvPr/>
-      </p:nvGrpSpPr>
-      <p:grpSpPr>
-        <a:xfrm>
-          <a:off x="0" y="0"/>
-          <a:ext cx="0" cy="0"/>
-          <a:chOff x="0" y="0"/>
-          <a:chExt cx="0" cy="0"/>
-        </a:xfrm>
-      </p:grpSpPr>
-      <p:sp>
-        <p:nvSpPr>
-          <p:cNvPr id="2" name="Titolo 1">
-            <a:extLst>
-              <a:ext uri="{FF2B5EF4-FFF2-40B4-BE49-F238E27FC236}">
-                <a16:creationId xmlns:a16="http://schemas.microsoft.com/office/drawing/2014/main" id="{F316F240-FF27-A1FB-2993-B927D0A9ED38}"/>
-              </a:ext>
-            </a:extLst>
-          </p:cNvPr>
-          <p:cNvSpPr>
-            <a:spLocks noGrp="1"/>
-          </p:cNvSpPr>
-          <p:nvPr>
-            <p:ph type="title"/>
-          </p:nvPr>
-        </p:nvSpPr>
-        <p:spPr/>
-        <p:txBody>
-          <a:bodyPr/>
-          <a:lstStyle/>
-          <a:p>
-            <a:r>
-              <a:rPr lang="it-IT" dirty="0"/>
-              <a:t>Componenti</a:t>
-            </a:r>
-          </a:p>
-        </p:txBody>
-      </p:sp>
-      <p:sp>
-        <p:nvSpPr>
-          <p:cNvPr id="3" name="Segnaposto contenuto 2">
-            <a:extLst>
-              <a:ext uri="{FF2B5EF4-FFF2-40B4-BE49-F238E27FC236}">
-                <a16:creationId xmlns:a16="http://schemas.microsoft.com/office/drawing/2014/main" id="{3444912A-6668-F803-4A64-8A7491160A05}"/>
-              </a:ext>
-            </a:extLst>
-          </p:cNvPr>
-          <p:cNvSpPr>
-            <a:spLocks noGrp="1"/>
-          </p:cNvSpPr>
-          <p:nvPr>
-            <p:ph idx="1"/>
-          </p:nvPr>
-        </p:nvSpPr>
-        <p:spPr/>
-        <p:txBody>
-          <a:bodyPr>
-            <a:normAutofit fontScale="85000" lnSpcReduction="10000"/>
-          </a:bodyPr>
-          <a:lstStyle/>
-          <a:p>
-            <a:r>
-              <a:rPr lang="it-IT" b="1" dirty="0"/>
-              <a:t>Filtro di sicurezza (Security Filter)</a:t>
-            </a:r>
-            <a:r>
-              <a:rPr lang="it-IT" dirty="0"/>
-              <a:t>: Il filtro di sicurezza è il cuore di Spring Security. È responsabile della protezione delle risorse dell'applicazione e dell'esecuzione delle operazioni di sicurezza. Il filtro di sicurezza viene configurato all'interno della catena di filtri di Spring e viene applicato a ogni richiesta HTTP per controllare l'autenticazione, l'autorizzazione e altre operazioni di sicurezza.</a:t>
-            </a:r>
-          </a:p>
-          <a:p>
-            <a:r>
-              <a:rPr lang="it-IT" b="1" dirty="0"/>
-              <a:t>Provider di autenticazione (Authentication Provider)</a:t>
-            </a:r>
-            <a:r>
-              <a:rPr lang="it-IT" dirty="0"/>
-              <a:t>: Il provider di autenticazione è responsabile della verifica delle credenziali dell'utente e della creazione di un oggetto di autenticazione corrispondente. Spring Security offre diversi provider di autenticazione predefiniti, come il provider di autenticazione basato su database (JDBC), il provider di autenticazione basato su LDAP, il provider di autenticazione basato su token (ad esempio, token JWT) e altri. Puoi anche creare provider di autenticazione personalizzati per adattarsi alle esigenze specifiche dell'applicazione.</a:t>
-            </a:r>
-          </a:p>
-          <a:p>
-            <a:r>
-              <a:rPr lang="it-IT" b="1" dirty="0"/>
-              <a:t>Dettagli di autenticazione (Authentication </a:t>
-            </a:r>
-            <a:r>
-              <a:rPr lang="it-IT" b="1" dirty="0" err="1"/>
-              <a:t>Details</a:t>
-            </a:r>
-            <a:r>
-              <a:rPr lang="it-IT" b="1" dirty="0"/>
-              <a:t>)</a:t>
-            </a:r>
-            <a:r>
-              <a:rPr lang="it-IT" dirty="0"/>
-              <a:t>: I dettagli di autenticazione contengono informazioni aggiuntive associate all'autenticazione di un utente, come l'indirizzo IP, il tipo di agente utente (user-agent) o altre informazioni personalizzate. Questi dettagli possono essere utilizzati per prendere decisioni di sicurezza basate sul contesto durante l'autenticazione.</a:t>
-            </a:r>
-          </a:p>
-          <a:p>
-            <a:endParaRPr lang="it-IT" dirty="0"/>
-          </a:p>
-        </p:txBody>
-      </p:sp>
-    </p:spTree>
-    <p:extLst>
-      <p:ext uri="{BB962C8B-B14F-4D97-AF65-F5344CB8AC3E}">
-        <p14:creationId xmlns:p14="http://schemas.microsoft.com/office/powerpoint/2010/main" val="4242447636"/>
-      </p:ext>
-    </p:extLst>
-  </p:cSld>
-  <p:clrMapOvr>
-    <a:masterClrMapping/>
-  </p:clrMapOvr>
-</p:sld>
-</file>
-
-<file path=ppt/slides/slide6.xml><?xml version="1.0" encoding="utf-8"?>
-<p:sld xmlns:a="http://schemas.openxmlformats.org/drawingml/2006/main" xmlns:r="http://schemas.openxmlformats.org/officeDocument/2006/relationships" xmlns:p="http://schemas.openxmlformats.org/presentationml/2006/main">
-  <p:cSld>
-    <p:spTree>
-      <p:nvGrpSpPr>
-        <p:cNvPr id="1" name=""/>
-        <p:cNvGrpSpPr/>
-        <p:nvPr/>
-      </p:nvGrpSpPr>
-      <p:grpSpPr>
-        <a:xfrm>
-          <a:off x="0" y="0"/>
-          <a:ext cx="0" cy="0"/>
-          <a:chOff x="0" y="0"/>
-          <a:chExt cx="0" cy="0"/>
-        </a:xfrm>
-      </p:grpSpPr>
-      <p:sp>
-        <p:nvSpPr>
-          <p:cNvPr id="2" name="Titolo 1">
-            <a:extLst>
-              <a:ext uri="{FF2B5EF4-FFF2-40B4-BE49-F238E27FC236}">
-                <a16:creationId xmlns:a16="http://schemas.microsoft.com/office/drawing/2014/main" id="{F316F240-FF27-A1FB-2993-B927D0A9ED38}"/>
-              </a:ext>
-            </a:extLst>
-          </p:cNvPr>
-          <p:cNvSpPr>
-            <a:spLocks noGrp="1"/>
-          </p:cNvSpPr>
-          <p:nvPr>
-            <p:ph type="title"/>
-          </p:nvPr>
-        </p:nvSpPr>
-        <p:spPr/>
-        <p:txBody>
-          <a:bodyPr/>
-          <a:lstStyle/>
-          <a:p>
-            <a:r>
-              <a:rPr lang="it-IT" dirty="0"/>
-              <a:t>Componenti</a:t>
-            </a:r>
-          </a:p>
-        </p:txBody>
-      </p:sp>
-      <p:sp>
-        <p:nvSpPr>
-          <p:cNvPr id="3" name="Segnaposto contenuto 2">
-            <a:extLst>
-              <a:ext uri="{FF2B5EF4-FFF2-40B4-BE49-F238E27FC236}">
-                <a16:creationId xmlns:a16="http://schemas.microsoft.com/office/drawing/2014/main" id="{3444912A-6668-F803-4A64-8A7491160A05}"/>
-              </a:ext>
-            </a:extLst>
-          </p:cNvPr>
-          <p:cNvSpPr>
-            <a:spLocks noGrp="1"/>
-          </p:cNvSpPr>
-          <p:nvPr>
-            <p:ph idx="1"/>
-          </p:nvPr>
-        </p:nvSpPr>
-        <p:spPr/>
-        <p:txBody>
-          <a:bodyPr>
-            <a:normAutofit fontScale="92500" lnSpcReduction="20000"/>
-          </a:bodyPr>
-          <a:lstStyle/>
-          <a:p>
-            <a:r>
-              <a:rPr lang="it-IT" b="1" dirty="0"/>
-              <a:t>Oggetto di autenticazione (Authentication Object)</a:t>
-            </a:r>
-            <a:r>
-              <a:rPr lang="it-IT" dirty="0"/>
-              <a:t>: L'oggetto di autenticazione rappresenta le informazioni di autenticazione dell'utente dopo che sono state verificate dal provider di autenticazione. Contiene i dettagli dell'utente autenticato, come il nome utente, le autorizzazioni e altri attributi pertinenti. L'oggetto di autenticazione viene creato dal provider di autenticazione e successivamente utilizzato per verificare l'autorizzazione alle risorse.</a:t>
-            </a:r>
-          </a:p>
-          <a:p>
-            <a:r>
-              <a:rPr lang="it-IT" b="1" dirty="0"/>
-              <a:t>Dettagli dell'utente (User </a:t>
-            </a:r>
-            <a:r>
-              <a:rPr lang="it-IT" b="1" dirty="0" err="1"/>
-              <a:t>Details</a:t>
-            </a:r>
-            <a:r>
-              <a:rPr lang="it-IT" b="1" dirty="0"/>
-              <a:t>)</a:t>
-            </a:r>
-            <a:r>
-              <a:rPr lang="it-IT" dirty="0"/>
-              <a:t>: I dettagli dell'utente rappresentano le informazioni specifiche dell'utente, come il nome utente, la password (o un token), i ruoli, le autorizzazioni e altri attributi correlati. Spring Security utilizza i dettagli dell'utente per autenticare gli utenti e applicare regole di autorizzazione.</a:t>
-            </a:r>
-          </a:p>
-          <a:p>
-            <a:r>
-              <a:rPr lang="it-IT" b="1" dirty="0"/>
-              <a:t>Manager di autenticazione (Authentication Manager)</a:t>
-            </a:r>
-            <a:r>
-              <a:rPr lang="it-IT" dirty="0"/>
-              <a:t>: L'authentication manager è responsabile della gestione del processo di autenticazione. Riceve l'oggetto di autenticazione e utilizza uno o più provider di autenticazione per verificare le credenziali dell'utente. Puoi configurare l'authentication manager con uno o più provider di autenticazione e definire la strategia di autenticazione (ad esempio, autenticazione basata su credenziali multiple o sequenziale).</a:t>
-            </a:r>
-          </a:p>
-          <a:p>
-            <a:endParaRPr lang="it-IT" dirty="0"/>
-          </a:p>
-        </p:txBody>
-      </p:sp>
-    </p:spTree>
-    <p:extLst>
-      <p:ext uri="{BB962C8B-B14F-4D97-AF65-F5344CB8AC3E}">
-        <p14:creationId xmlns:p14="http://schemas.microsoft.com/office/powerpoint/2010/main" val="3428431929"/>
-      </p:ext>
-    </p:extLst>
-  </p:cSld>
-  <p:clrMapOvr>
-    <a:masterClrMapping/>
-  </p:clrMapOvr>
-</p:sld>
-</file>
-
-<file path=ppt/slides/slide7.xml><?xml version="1.0" encoding="utf-8"?>
+<file path=ppt/slides/slide16.xml><?xml version="1.0" encoding="utf-8"?>
 <p:sld xmlns:a="http://schemas.openxmlformats.org/drawingml/2006/main" xmlns:r="http://schemas.openxmlformats.org/officeDocument/2006/relationships" xmlns:p="http://schemas.openxmlformats.org/presentationml/2006/main">
   <p:cSld>
     <p:bg>
@@ -6515,7 +9342,7 @@
       </p:grpSpPr>
       <p:grpSp>
         <p:nvGrpSpPr>
-          <p:cNvPr id="1043" name="Group 1030">
+          <p:cNvPr id="1048" name="Group 1047">
             <a:extLst>
               <a:ext uri="{FF2B5EF4-FFF2-40B4-BE49-F238E27FC236}">
                 <a16:creationId xmlns:a16="http://schemas.microsoft.com/office/drawing/2014/main" id="{88C9B83F-64CD-41C1-925F-A08801FFD0BD}"/>
@@ -6546,7 +9373,7 @@
         </p:grpSpPr>
         <p:cxnSp>
           <p:nvCxnSpPr>
-            <p:cNvPr id="1032" name="Straight Connector 1031">
+            <p:cNvPr id="1049" name="Straight Connector 1048">
               <a:extLst>
                 <a:ext uri="{FF2B5EF4-FFF2-40B4-BE49-F238E27FC236}">
                   <a16:creationId xmlns:a16="http://schemas.microsoft.com/office/drawing/2014/main" id="{E1655065-0BD7-4422-BEC0-4401E998090A}"/>
@@ -6598,7 +9425,7 @@
         </p:cxnSp>
         <p:cxnSp>
           <p:nvCxnSpPr>
-            <p:cNvPr id="1033" name="Straight Connector 1032">
+            <p:cNvPr id="1050" name="Straight Connector 1049">
               <a:extLst>
                 <a:ext uri="{FF2B5EF4-FFF2-40B4-BE49-F238E27FC236}">
                   <a16:creationId xmlns:a16="http://schemas.microsoft.com/office/drawing/2014/main" id="{4DDD90AC-ABEC-4A76-9C9C-AD0A5F8FC7F2}"/>
@@ -6650,7 +9477,7 @@
         </p:cxnSp>
         <p:sp>
           <p:nvSpPr>
-            <p:cNvPr id="1034" name="Rectangle 23">
+            <p:cNvPr id="1051" name="Rectangle 23">
               <a:extLst>
                 <a:ext uri="{FF2B5EF4-FFF2-40B4-BE49-F238E27FC236}">
                   <a16:creationId xmlns:a16="http://schemas.microsoft.com/office/drawing/2014/main" id="{21A8AFEF-EC50-4C0B-9C64-814B76C82090}"/>
@@ -6728,7 +9555,7 @@
         </p:sp>
         <p:sp>
           <p:nvSpPr>
-            <p:cNvPr id="1035" name="Rectangle 25">
+            <p:cNvPr id="1052" name="Rectangle 25">
               <a:extLst>
                 <a:ext uri="{FF2B5EF4-FFF2-40B4-BE49-F238E27FC236}">
                   <a16:creationId xmlns:a16="http://schemas.microsoft.com/office/drawing/2014/main" id="{CAFAA800-E117-4357-84E4-56B63EA03E37}"/>
@@ -6806,7 +9633,7 @@
         </p:sp>
         <p:sp>
           <p:nvSpPr>
-            <p:cNvPr id="1036" name="Isosceles Triangle 1035">
+            <p:cNvPr id="1053" name="Isosceles Triangle 1052">
               <a:extLst>
                 <a:ext uri="{FF2B5EF4-FFF2-40B4-BE49-F238E27FC236}">
                   <a16:creationId xmlns:a16="http://schemas.microsoft.com/office/drawing/2014/main" id="{8DDFC9F4-3B45-402D-8AD7-60B3F08ED755}"/>
@@ -6862,7 +9689,7 @@
         </p:sp>
         <p:sp>
           <p:nvSpPr>
-            <p:cNvPr id="1037" name="Rectangle 27">
+            <p:cNvPr id="1054" name="Rectangle 27">
               <a:extLst>
                 <a:ext uri="{FF2B5EF4-FFF2-40B4-BE49-F238E27FC236}">
                   <a16:creationId xmlns:a16="http://schemas.microsoft.com/office/drawing/2014/main" id="{F26A0854-FBE4-4587-B349-06BE192BD7F6}"/>
@@ -6941,7 +9768,7 @@
         </p:sp>
         <p:sp>
           <p:nvSpPr>
-            <p:cNvPr id="1038" name="Rectangle 28">
+            <p:cNvPr id="1055" name="Rectangle 28">
               <a:extLst>
                 <a:ext uri="{FF2B5EF4-FFF2-40B4-BE49-F238E27FC236}">
                   <a16:creationId xmlns:a16="http://schemas.microsoft.com/office/drawing/2014/main" id="{54A9C4C6-FF7D-470E-BFCA-CE4F60A1F0A8}"/>
@@ -7021,7 +9848,7 @@
         </p:sp>
         <p:sp>
           <p:nvSpPr>
-            <p:cNvPr id="1039" name="Rectangle 29">
+            <p:cNvPr id="1056" name="Rectangle 29">
               <a:extLst>
                 <a:ext uri="{FF2B5EF4-FFF2-40B4-BE49-F238E27FC236}">
                   <a16:creationId xmlns:a16="http://schemas.microsoft.com/office/drawing/2014/main" id="{B1721EA8-4871-45D4-B78F-AE805A3004B1}"/>
@@ -7099,7 +9926,7 @@
         </p:sp>
         <p:sp>
           <p:nvSpPr>
-            <p:cNvPr id="1040" name="Isosceles Triangle 1039">
+            <p:cNvPr id="1057" name="Isosceles Triangle 1056">
               <a:extLst>
                 <a:ext uri="{FF2B5EF4-FFF2-40B4-BE49-F238E27FC236}">
                   <a16:creationId xmlns:a16="http://schemas.microsoft.com/office/drawing/2014/main" id="{E5763971-E3A3-45C6-9BA8-2E032C7A55EB}"/>
@@ -7155,7 +9982,7 @@
         </p:sp>
         <p:sp>
           <p:nvSpPr>
-            <p:cNvPr id="1041" name="Isosceles Triangle 1040">
+            <p:cNvPr id="1058" name="Isosceles Triangle 1057">
               <a:extLst>
                 <a:ext uri="{FF2B5EF4-FFF2-40B4-BE49-F238E27FC236}">
                   <a16:creationId xmlns:a16="http://schemas.microsoft.com/office/drawing/2014/main" id="{32752E94-0E01-4AF5-A43A-F2FAD8737C29}"/>
@@ -7247,47 +10074,32 @@
       </p:sp>
       <p:pic>
         <p:nvPicPr>
-          <p:cNvPr id="1026" name="Picture 2">
+          <p:cNvPr id="6" name="Immagine 5" descr="Immagine che contiene testo, software, Pagina Web, Sito Web&#10;&#10;Descrizione generata automaticamente">
             <a:extLst>
               <a:ext uri="{FF2B5EF4-FFF2-40B4-BE49-F238E27FC236}">
-                <a16:creationId xmlns:a16="http://schemas.microsoft.com/office/drawing/2014/main" id="{23599FEA-AD3D-4E6B-9EEF-649EDE2564E4}"/>
+                <a16:creationId xmlns:a16="http://schemas.microsoft.com/office/drawing/2014/main" id="{733CA5CD-ED5E-2F53-2C72-09961D9B8276}"/>
               </a:ext>
             </a:extLst>
           </p:cNvPr>
           <p:cNvPicPr>
-            <a:picLocks noChangeAspect="1" noChangeArrowheads="1"/>
+            <a:picLocks noChangeAspect="1"/>
           </p:cNvPicPr>
           <p:nvPr/>
         </p:nvPicPr>
-        <p:blipFill rotWithShape="1">
-          <a:blip r:embed="rId2">
-            <a:extLst>
-              <a:ext uri="{28A0092B-C50C-407E-A947-70E740481C1C}">
-                <a14:useLocalDpi xmlns:a14="http://schemas.microsoft.com/office/drawing/2010/main" val="0"/>
-              </a:ext>
-            </a:extLst>
-          </a:blip>
-          <a:srcRect t="13074" b="77"/>
-          <a:stretch/>
+        <p:blipFill>
+          <a:blip r:embed="rId2"/>
+          <a:stretch>
+            <a:fillRect/>
+          </a:stretch>
         </p:blipFill>
-        <p:spPr bwMode="auto">
+        <p:spPr>
           <a:xfrm>
-            <a:off x="985968" y="609600"/>
-            <a:ext cx="8288033" cy="3635025"/>
+            <a:off x="1365250" y="984250"/>
+            <a:ext cx="7772400" cy="4016609"/>
           </a:xfrm>
           <a:prstGeom prst="rect">
             <a:avLst/>
           </a:prstGeom>
-          <a:noFill/>
-          <a:extLst>
-            <a:ext uri="{909E8E84-426E-40DD-AFC4-6F175D3DCCD1}">
-              <a14:hiddenFill xmlns:a14="http://schemas.microsoft.com/office/drawing/2010/main">
-                <a:solidFill>
-                  <a:srgbClr val="FFFFFF"/>
-                </a:solidFill>
-              </a14:hiddenFill>
-            </a:ext>
-          </a:extLst>
         </p:spPr>
       </p:pic>
     </p:spTree>
@@ -7392,6 +10204,2290 @@
       <p:bldP spid="2" grpId="0"/>
     </p:bldLst>
   </p:timing>
+</p:sld>
+</file>
+
+<file path=ppt/slides/slide2.xml><?xml version="1.0" encoding="utf-8"?>
+<p:sld xmlns:a="http://schemas.openxmlformats.org/drawingml/2006/main" xmlns:r="http://schemas.openxmlformats.org/officeDocument/2006/relationships" xmlns:p="http://schemas.openxmlformats.org/presentationml/2006/main">
+  <p:cSld>
+    <p:bg>
+      <p:bgPr>
+        <a:solidFill>
+          <a:schemeClr val="bg1"/>
+        </a:solidFill>
+        <a:effectLst/>
+      </p:bgPr>
+    </p:bg>
+    <p:spTree>
+      <p:nvGrpSpPr>
+        <p:cNvPr id="1" name=""/>
+        <p:cNvGrpSpPr/>
+        <p:nvPr/>
+      </p:nvGrpSpPr>
+      <p:grpSpPr>
+        <a:xfrm>
+          <a:off x="0" y="0"/>
+          <a:ext cx="0" cy="0"/>
+          <a:chOff x="0" y="0"/>
+          <a:chExt cx="0" cy="0"/>
+        </a:xfrm>
+      </p:grpSpPr>
+      <p:sp>
+        <p:nvSpPr>
+          <p:cNvPr id="2" name="Titolo 1">
+            <a:extLst>
+              <a:ext uri="{FF2B5EF4-FFF2-40B4-BE49-F238E27FC236}">
+                <a16:creationId xmlns:a16="http://schemas.microsoft.com/office/drawing/2014/main" id="{822DF093-5A01-383C-8BAA-7CDDB876D0EF}"/>
+              </a:ext>
+            </a:extLst>
+          </p:cNvPr>
+          <p:cNvSpPr>
+            <a:spLocks noGrp="1"/>
+          </p:cNvSpPr>
+          <p:nvPr>
+            <p:ph type="title"/>
+          </p:nvPr>
+        </p:nvSpPr>
+        <p:spPr>
+          <a:xfrm>
+            <a:off x="677334" y="609600"/>
+            <a:ext cx="8596668" cy="1320800"/>
+          </a:xfrm>
+        </p:spPr>
+        <p:txBody>
+          <a:bodyPr anchor="t">
+            <a:normAutofit/>
+          </a:bodyPr>
+          <a:lstStyle/>
+          <a:p>
+            <a:r>
+              <a:rPr lang="it-IT"/>
+              <a:t>Introduzione</a:t>
+            </a:r>
+            <a:endParaRPr lang="it-IT" dirty="0"/>
+          </a:p>
+        </p:txBody>
+      </p:sp>
+      <p:sp>
+        <p:nvSpPr>
+          <p:cNvPr id="3" name="Segnaposto contenuto 2">
+            <a:extLst>
+              <a:ext uri="{FF2B5EF4-FFF2-40B4-BE49-F238E27FC236}">
+                <a16:creationId xmlns:a16="http://schemas.microsoft.com/office/drawing/2014/main" id="{C474E4DC-40D7-1143-F897-EC315135B154}"/>
+              </a:ext>
+            </a:extLst>
+          </p:cNvPr>
+          <p:cNvSpPr>
+            <a:spLocks noGrp="1"/>
+          </p:cNvSpPr>
+          <p:nvPr>
+            <p:ph idx="1"/>
+          </p:nvPr>
+        </p:nvSpPr>
+        <p:spPr>
+          <a:xfrm>
+            <a:off x="677334" y="2160590"/>
+            <a:ext cx="5220430" cy="3701270"/>
+          </a:xfrm>
+        </p:spPr>
+        <p:txBody>
+          <a:bodyPr>
+            <a:normAutofit/>
+          </a:bodyPr>
+          <a:lstStyle/>
+          <a:p>
+            <a:pPr>
+              <a:lnSpc>
+                <a:spcPct val="90000"/>
+              </a:lnSpc>
+            </a:pPr>
+            <a:r>
+              <a:rPr lang="it-IT"/>
+              <a:t>Spring Security è un framework di sicurezza potente e altamente personalizzabile per le applicazioni Java basate su Spring, tra cui Spring Boot. Fornisce un insieme completo di funzionalità per gestire l'autenticazione, l'autorizzazione e altre operazioni di sicurezza all'interno di un'applicazione.</a:t>
+            </a:r>
+          </a:p>
+          <a:p>
+            <a:pPr>
+              <a:lnSpc>
+                <a:spcPct val="90000"/>
+              </a:lnSpc>
+            </a:pPr>
+            <a:r>
+              <a:rPr lang="it-IT"/>
+              <a:t>Spring Security si basa sul concetto di filtri che vengono applicati a livello di richiesta HTTP per eseguire operazioni di sicurezza. I filtri possono essere configurati per proteggere le risorse dell'applicazione, controllare l'accesso degli utenti e applicare regole di sicurezza specifiche.</a:t>
+            </a:r>
+          </a:p>
+          <a:p>
+            <a:pPr>
+              <a:lnSpc>
+                <a:spcPct val="90000"/>
+              </a:lnSpc>
+            </a:pPr>
+            <a:endParaRPr lang="it-IT"/>
+          </a:p>
+        </p:txBody>
+      </p:sp>
+      <p:pic>
+        <p:nvPicPr>
+          <p:cNvPr id="1026" name="Picture 2" descr="Spring Boot security restrict requests to IP address range - Geeky Hacker">
+            <a:extLst>
+              <a:ext uri="{FF2B5EF4-FFF2-40B4-BE49-F238E27FC236}">
+                <a16:creationId xmlns:a16="http://schemas.microsoft.com/office/drawing/2014/main" id="{560CD49E-7855-49CE-E83C-5C82F1AD0100}"/>
+              </a:ext>
+            </a:extLst>
+          </p:cNvPr>
+          <p:cNvPicPr>
+            <a:picLocks noChangeAspect="1" noChangeArrowheads="1"/>
+          </p:cNvPicPr>
+          <p:nvPr/>
+        </p:nvPicPr>
+        <p:blipFill>
+          <a:blip r:embed="rId2">
+            <a:extLst>
+              <a:ext uri="{28A0092B-C50C-407E-A947-70E740481C1C}">
+                <a14:useLocalDpi xmlns:a14="http://schemas.microsoft.com/office/drawing/2010/main" val="0"/>
+              </a:ext>
+            </a:extLst>
+          </a:blip>
+          <a:stretch>
+            <a:fillRect/>
+          </a:stretch>
+        </p:blipFill>
+        <p:spPr bwMode="auto">
+          <a:xfrm>
+            <a:off x="6087417" y="2159000"/>
+            <a:ext cx="3145536" cy="1698589"/>
+          </a:xfrm>
+          <a:prstGeom prst="rect">
+            <a:avLst/>
+          </a:prstGeom>
+          <a:noFill/>
+          <a:extLst>
+            <a:ext uri="{909E8E84-426E-40DD-AFC4-6F175D3DCCD1}">
+              <a14:hiddenFill xmlns:a14="http://schemas.microsoft.com/office/drawing/2010/main">
+                <a:solidFill>
+                  <a:srgbClr val="FFFFFF"/>
+                </a:solidFill>
+              </a14:hiddenFill>
+            </a:ext>
+          </a:extLst>
+        </p:spPr>
+      </p:pic>
+    </p:spTree>
+    <p:extLst>
+      <p:ext uri="{BB962C8B-B14F-4D97-AF65-F5344CB8AC3E}">
+        <p14:creationId xmlns:p14="http://schemas.microsoft.com/office/powerpoint/2010/main" val="1778554398"/>
+      </p:ext>
+    </p:extLst>
+  </p:cSld>
+  <p:clrMapOvr>
+    <a:masterClrMapping/>
+  </p:clrMapOvr>
+</p:sld>
+</file>
+
+<file path=ppt/slides/slide3.xml><?xml version="1.0" encoding="utf-8"?>
+<p:sld xmlns:a="http://schemas.openxmlformats.org/drawingml/2006/main" xmlns:r="http://schemas.openxmlformats.org/officeDocument/2006/relationships" xmlns:p="http://schemas.openxmlformats.org/presentationml/2006/main">
+  <p:cSld>
+    <p:spTree>
+      <p:nvGrpSpPr>
+        <p:cNvPr id="1" name=""/>
+        <p:cNvGrpSpPr/>
+        <p:nvPr/>
+      </p:nvGrpSpPr>
+      <p:grpSpPr>
+        <a:xfrm>
+          <a:off x="0" y="0"/>
+          <a:ext cx="0" cy="0"/>
+          <a:chOff x="0" y="0"/>
+          <a:chExt cx="0" cy="0"/>
+        </a:xfrm>
+      </p:grpSpPr>
+      <p:sp>
+        <p:nvSpPr>
+          <p:cNvPr id="2" name="Titolo 1">
+            <a:extLst>
+              <a:ext uri="{FF2B5EF4-FFF2-40B4-BE49-F238E27FC236}">
+                <a16:creationId xmlns:a16="http://schemas.microsoft.com/office/drawing/2014/main" id="{A5A96FEE-2E91-0C21-3D3D-7F906F28B1AD}"/>
+              </a:ext>
+            </a:extLst>
+          </p:cNvPr>
+          <p:cNvSpPr>
+            <a:spLocks noGrp="1"/>
+          </p:cNvSpPr>
+          <p:nvPr>
+            <p:ph type="title"/>
+          </p:nvPr>
+        </p:nvSpPr>
+        <p:spPr/>
+        <p:txBody>
+          <a:bodyPr/>
+          <a:lstStyle/>
+          <a:p>
+            <a:r>
+              <a:rPr lang="it-IT" dirty="0"/>
+              <a:t>Introduzione</a:t>
+            </a:r>
+          </a:p>
+        </p:txBody>
+      </p:sp>
+      <p:sp>
+        <p:nvSpPr>
+          <p:cNvPr id="3" name="Segnaposto contenuto 2">
+            <a:extLst>
+              <a:ext uri="{FF2B5EF4-FFF2-40B4-BE49-F238E27FC236}">
+                <a16:creationId xmlns:a16="http://schemas.microsoft.com/office/drawing/2014/main" id="{EFEB8139-D498-BE00-4EAE-C1E9DE1AE776}"/>
+              </a:ext>
+            </a:extLst>
+          </p:cNvPr>
+          <p:cNvSpPr>
+            <a:spLocks noGrp="1"/>
+          </p:cNvSpPr>
+          <p:nvPr>
+            <p:ph idx="1"/>
+          </p:nvPr>
+        </p:nvSpPr>
+        <p:spPr/>
+        <p:txBody>
+          <a:bodyPr>
+            <a:normAutofit fontScale="92500"/>
+          </a:bodyPr>
+          <a:lstStyle/>
+          <a:p>
+            <a:r>
+              <a:rPr lang="it-IT" dirty="0"/>
+              <a:t>Ecco una panoramica delle funzionalità chiave di Spring Security:</a:t>
+            </a:r>
+          </a:p>
+          <a:p>
+            <a:pPr lvl="1">
+              <a:buFont typeface="+mj-lt"/>
+              <a:buAutoNum type="arabicPeriod"/>
+            </a:pPr>
+            <a:r>
+              <a:rPr lang="it-IT" b="1" dirty="0"/>
+              <a:t>Autenticazione</a:t>
+            </a:r>
+            <a:r>
+              <a:rPr lang="it-IT" dirty="0"/>
+              <a:t>: Spring Security supporta diversi meccanismi di autenticazione, come autenticazione basata su </a:t>
+            </a:r>
+            <a:r>
+              <a:rPr lang="it-IT" dirty="0" err="1"/>
+              <a:t>form</a:t>
+            </a:r>
+            <a:r>
+              <a:rPr lang="it-IT" dirty="0"/>
+              <a:t>, autenticazione a livello di token, autenticazione basata su certificato, autenticazione LDAP, autenticazione </a:t>
+            </a:r>
+            <a:r>
+              <a:rPr lang="it-IT" dirty="0" err="1"/>
+              <a:t>OAuth</a:t>
+            </a:r>
+            <a:r>
+              <a:rPr lang="it-IT" dirty="0"/>
+              <a:t> e altro ancora. Puoi configurare il tipo di autenticazione richiesta per la tua applicazione.</a:t>
+            </a:r>
+          </a:p>
+          <a:p>
+            <a:pPr lvl="1">
+              <a:buFont typeface="+mj-lt"/>
+              <a:buAutoNum type="arabicPeriod"/>
+            </a:pPr>
+            <a:r>
+              <a:rPr lang="it-IT" b="1" dirty="0"/>
+              <a:t>Autorizzazione</a:t>
+            </a:r>
+            <a:r>
+              <a:rPr lang="it-IT" dirty="0"/>
+              <a:t>: Spring Security offre un sistema di autorizzazione flessibile che consente di definire ruoli e autorizzazioni per gli utenti. Puoi configurare i ruoli degli utenti e definire quali ruoli sono autorizzati ad accedere a determinate risorse o eseguire determinate azioni.</a:t>
+            </a:r>
+          </a:p>
+          <a:p>
+            <a:pPr lvl="1">
+              <a:buFont typeface="+mj-lt"/>
+              <a:buAutoNum type="arabicPeriod"/>
+            </a:pPr>
+            <a:r>
+              <a:rPr lang="it-IT" b="1" dirty="0"/>
+              <a:t>Protezione CSRF</a:t>
+            </a:r>
+            <a:r>
+              <a:rPr lang="it-IT" dirty="0"/>
+              <a:t>: Spring Security protegge automaticamente le tue applicazioni da attacchi CSRF (Cross-Site </a:t>
+            </a:r>
+            <a:r>
+              <a:rPr lang="it-IT" dirty="0" err="1"/>
+              <a:t>Request</a:t>
+            </a:r>
+            <a:r>
+              <a:rPr lang="it-IT" dirty="0"/>
+              <a:t> </a:t>
+            </a:r>
+            <a:r>
+              <a:rPr lang="it-IT" dirty="0" err="1"/>
+              <a:t>Forgery</a:t>
+            </a:r>
+            <a:r>
+              <a:rPr lang="it-IT" dirty="0"/>
+              <a:t>) generando token CSRF e verificando la loro validità durante le richieste POST, PUT, DELETE e altre richieste potenzialmente mutative.</a:t>
+            </a:r>
+          </a:p>
+          <a:p>
+            <a:pPr lvl="1">
+              <a:buFont typeface="+mj-lt"/>
+              <a:buAutoNum type="arabicPeriod"/>
+            </a:pPr>
+            <a:r>
+              <a:rPr lang="it-IT" b="1" dirty="0"/>
+              <a:t>Gestione sessione</a:t>
+            </a:r>
+            <a:r>
+              <a:rPr lang="it-IT" dirty="0"/>
+              <a:t>: Spring Security gestisce in modo sicuro la gestione delle sessioni </a:t>
+            </a:r>
+          </a:p>
+          <a:p>
+            <a:endParaRPr lang="it-IT" dirty="0"/>
+          </a:p>
+        </p:txBody>
+      </p:sp>
+    </p:spTree>
+    <p:extLst>
+      <p:ext uri="{BB962C8B-B14F-4D97-AF65-F5344CB8AC3E}">
+        <p14:creationId xmlns:p14="http://schemas.microsoft.com/office/powerpoint/2010/main" val="2941784919"/>
+      </p:ext>
+    </p:extLst>
+  </p:cSld>
+  <p:clrMapOvr>
+    <a:masterClrMapping/>
+  </p:clrMapOvr>
+</p:sld>
+</file>
+
+<file path=ppt/slides/slide4.xml><?xml version="1.0" encoding="utf-8"?>
+<p:sld xmlns:a="http://schemas.openxmlformats.org/drawingml/2006/main" xmlns:r="http://schemas.openxmlformats.org/officeDocument/2006/relationships" xmlns:p="http://schemas.openxmlformats.org/presentationml/2006/main">
+  <p:cSld>
+    <p:spTree>
+      <p:nvGrpSpPr>
+        <p:cNvPr id="1" name=""/>
+        <p:cNvGrpSpPr/>
+        <p:nvPr/>
+      </p:nvGrpSpPr>
+      <p:grpSpPr>
+        <a:xfrm>
+          <a:off x="0" y="0"/>
+          <a:ext cx="0" cy="0"/>
+          <a:chOff x="0" y="0"/>
+          <a:chExt cx="0" cy="0"/>
+        </a:xfrm>
+      </p:grpSpPr>
+      <p:sp>
+        <p:nvSpPr>
+          <p:cNvPr id="2" name="Titolo 1">
+            <a:extLst>
+              <a:ext uri="{FF2B5EF4-FFF2-40B4-BE49-F238E27FC236}">
+                <a16:creationId xmlns:a16="http://schemas.microsoft.com/office/drawing/2014/main" id="{A5A96FEE-2E91-0C21-3D3D-7F906F28B1AD}"/>
+              </a:ext>
+            </a:extLst>
+          </p:cNvPr>
+          <p:cNvSpPr>
+            <a:spLocks noGrp="1"/>
+          </p:cNvSpPr>
+          <p:nvPr>
+            <p:ph type="title"/>
+          </p:nvPr>
+        </p:nvSpPr>
+        <p:spPr/>
+        <p:txBody>
+          <a:bodyPr/>
+          <a:lstStyle/>
+          <a:p>
+            <a:r>
+              <a:rPr lang="it-IT" dirty="0"/>
+              <a:t>Introduzione</a:t>
+            </a:r>
+          </a:p>
+        </p:txBody>
+      </p:sp>
+      <p:sp>
+        <p:nvSpPr>
+          <p:cNvPr id="3" name="Segnaposto contenuto 2">
+            <a:extLst>
+              <a:ext uri="{FF2B5EF4-FFF2-40B4-BE49-F238E27FC236}">
+                <a16:creationId xmlns:a16="http://schemas.microsoft.com/office/drawing/2014/main" id="{EFEB8139-D498-BE00-4EAE-C1E9DE1AE776}"/>
+              </a:ext>
+            </a:extLst>
+          </p:cNvPr>
+          <p:cNvSpPr>
+            <a:spLocks noGrp="1"/>
+          </p:cNvSpPr>
+          <p:nvPr>
+            <p:ph idx="1"/>
+          </p:nvPr>
+        </p:nvSpPr>
+        <p:spPr/>
+        <p:txBody>
+          <a:bodyPr>
+            <a:normAutofit/>
+          </a:bodyPr>
+          <a:lstStyle/>
+          <a:p>
+            <a:r>
+              <a:rPr lang="it-IT" dirty="0"/>
+              <a:t>Ecco una panoramica delle funzionalità chiave di Spring Security:</a:t>
+            </a:r>
+          </a:p>
+          <a:p>
+            <a:pPr lvl="1">
+              <a:buFont typeface="+mj-lt"/>
+              <a:buAutoNum type="arabicPeriod"/>
+            </a:pPr>
+            <a:r>
+              <a:rPr lang="it-IT" sz="1500" b="1" dirty="0"/>
+              <a:t>Gestione sessione</a:t>
+            </a:r>
+            <a:r>
+              <a:rPr lang="it-IT" sz="1500" dirty="0"/>
+              <a:t>: Spring Security gestisce in modo sicuro la gestione delle sessioni utente. Puoi configurare le politiche di gestione della sessione, ad esempio specificando la durata della sessione o definendo un limite massimo per il numero di sessioni attive per un singolo utente.</a:t>
+            </a:r>
+          </a:p>
+          <a:p>
+            <a:pPr lvl="1">
+              <a:buFont typeface="+mj-lt"/>
+              <a:buAutoNum type="arabicPeriod"/>
+            </a:pPr>
+            <a:r>
+              <a:rPr lang="it-IT" sz="1500" b="1" dirty="0"/>
+              <a:t>Integrazione con altri framework</a:t>
+            </a:r>
+            <a:r>
+              <a:rPr lang="it-IT" sz="1500" dirty="0"/>
+              <a:t>: Spring Security si integra facilmente con altri framework di Spring, come Spring MVC, Spring Data e Spring Boot. Questa integrazione semplifica lo sviluppo di applicazioni web sicure.</a:t>
+            </a:r>
+          </a:p>
+          <a:p>
+            <a:endParaRPr lang="it-IT" dirty="0"/>
+          </a:p>
+        </p:txBody>
+      </p:sp>
+    </p:spTree>
+    <p:extLst>
+      <p:ext uri="{BB962C8B-B14F-4D97-AF65-F5344CB8AC3E}">
+        <p14:creationId xmlns:p14="http://schemas.microsoft.com/office/powerpoint/2010/main" val="2341821136"/>
+      </p:ext>
+    </p:extLst>
+  </p:cSld>
+  <p:clrMapOvr>
+    <a:masterClrMapping/>
+  </p:clrMapOvr>
+</p:sld>
+</file>
+
+<file path=ppt/slides/slide5.xml><?xml version="1.0" encoding="utf-8"?>
+<p:sld xmlns:a="http://schemas.openxmlformats.org/drawingml/2006/main" xmlns:r="http://schemas.openxmlformats.org/officeDocument/2006/relationships" xmlns:p="http://schemas.openxmlformats.org/presentationml/2006/main">
+  <p:cSld>
+    <p:spTree>
+      <p:nvGrpSpPr>
+        <p:cNvPr id="1" name=""/>
+        <p:cNvGrpSpPr/>
+        <p:nvPr/>
+      </p:nvGrpSpPr>
+      <p:grpSpPr>
+        <a:xfrm>
+          <a:off x="0" y="0"/>
+          <a:ext cx="0" cy="0"/>
+          <a:chOff x="0" y="0"/>
+          <a:chExt cx="0" cy="0"/>
+        </a:xfrm>
+      </p:grpSpPr>
+      <p:sp>
+        <p:nvSpPr>
+          <p:cNvPr id="2" name="Titolo 1">
+            <a:extLst>
+              <a:ext uri="{FF2B5EF4-FFF2-40B4-BE49-F238E27FC236}">
+                <a16:creationId xmlns:a16="http://schemas.microsoft.com/office/drawing/2014/main" id="{F316F240-FF27-A1FB-2993-B927D0A9ED38}"/>
+              </a:ext>
+            </a:extLst>
+          </p:cNvPr>
+          <p:cNvSpPr>
+            <a:spLocks noGrp="1"/>
+          </p:cNvSpPr>
+          <p:nvPr>
+            <p:ph type="title"/>
+          </p:nvPr>
+        </p:nvSpPr>
+        <p:spPr/>
+        <p:txBody>
+          <a:bodyPr/>
+          <a:lstStyle/>
+          <a:p>
+            <a:r>
+              <a:rPr lang="it-IT" dirty="0"/>
+              <a:t>Componenti</a:t>
+            </a:r>
+          </a:p>
+        </p:txBody>
+      </p:sp>
+      <p:sp>
+        <p:nvSpPr>
+          <p:cNvPr id="3" name="Segnaposto contenuto 2">
+            <a:extLst>
+              <a:ext uri="{FF2B5EF4-FFF2-40B4-BE49-F238E27FC236}">
+                <a16:creationId xmlns:a16="http://schemas.microsoft.com/office/drawing/2014/main" id="{3444912A-6668-F803-4A64-8A7491160A05}"/>
+              </a:ext>
+            </a:extLst>
+          </p:cNvPr>
+          <p:cNvSpPr>
+            <a:spLocks noGrp="1"/>
+          </p:cNvSpPr>
+          <p:nvPr>
+            <p:ph idx="1"/>
+          </p:nvPr>
+        </p:nvSpPr>
+        <p:spPr/>
+        <p:txBody>
+          <a:bodyPr>
+            <a:normAutofit fontScale="85000" lnSpcReduction="10000"/>
+          </a:bodyPr>
+          <a:lstStyle/>
+          <a:p>
+            <a:r>
+              <a:rPr lang="it-IT" b="1" dirty="0"/>
+              <a:t>Filtro di sicurezza (Security Filter)</a:t>
+            </a:r>
+            <a:r>
+              <a:rPr lang="it-IT" dirty="0"/>
+              <a:t>: Il filtro di sicurezza è il cuore di Spring Security. È responsabile della protezione delle risorse dell'applicazione e dell'esecuzione delle operazioni di sicurezza. Il filtro di sicurezza viene configurato all'interno della catena di filtri di Spring e viene applicato a ogni richiesta HTTP per controllare l'autenticazione, l'autorizzazione e altre operazioni di sicurezza.</a:t>
+            </a:r>
+          </a:p>
+          <a:p>
+            <a:r>
+              <a:rPr lang="it-IT" b="1" dirty="0"/>
+              <a:t>Provider di autenticazione (Authentication Provider)</a:t>
+            </a:r>
+            <a:r>
+              <a:rPr lang="it-IT" dirty="0"/>
+              <a:t>: Il provider di autenticazione è responsabile della verifica delle credenziali dell'utente e della creazione di un oggetto di autenticazione corrispondente. Spring Security offre diversi provider di autenticazione predefiniti, come il provider di autenticazione basato su database (JDBC), il provider di autenticazione basato su LDAP, il provider di autenticazione basato su token (ad esempio, token JWT) e altri. Puoi anche creare provider di autenticazione personalizzati per adattarsi alle esigenze specifiche dell'applicazione.</a:t>
+            </a:r>
+          </a:p>
+          <a:p>
+            <a:r>
+              <a:rPr lang="it-IT" b="1" dirty="0"/>
+              <a:t>Dettagli di autenticazione (Authentication </a:t>
+            </a:r>
+            <a:r>
+              <a:rPr lang="it-IT" b="1" dirty="0" err="1"/>
+              <a:t>Details</a:t>
+            </a:r>
+            <a:r>
+              <a:rPr lang="it-IT" b="1" dirty="0"/>
+              <a:t>)</a:t>
+            </a:r>
+            <a:r>
+              <a:rPr lang="it-IT" dirty="0"/>
+              <a:t>: I dettagli di autenticazione contengono informazioni aggiuntive associate all'autenticazione di un utente, come l'indirizzo IP, il tipo di agente utente (user-agent) o altre informazioni personalizzate. Questi dettagli possono essere utilizzati per prendere decisioni di sicurezza basate sul contesto durante l'autenticazione.</a:t>
+            </a:r>
+          </a:p>
+          <a:p>
+            <a:endParaRPr lang="it-IT" dirty="0"/>
+          </a:p>
+        </p:txBody>
+      </p:sp>
+    </p:spTree>
+    <p:extLst>
+      <p:ext uri="{BB962C8B-B14F-4D97-AF65-F5344CB8AC3E}">
+        <p14:creationId xmlns:p14="http://schemas.microsoft.com/office/powerpoint/2010/main" val="4242447636"/>
+      </p:ext>
+    </p:extLst>
+  </p:cSld>
+  <p:clrMapOvr>
+    <a:masterClrMapping/>
+  </p:clrMapOvr>
+</p:sld>
+</file>
+
+<file path=ppt/slides/slide6.xml><?xml version="1.0" encoding="utf-8"?>
+<p:sld xmlns:a="http://schemas.openxmlformats.org/drawingml/2006/main" xmlns:r="http://schemas.openxmlformats.org/officeDocument/2006/relationships" xmlns:p="http://schemas.openxmlformats.org/presentationml/2006/main">
+  <p:cSld>
+    <p:spTree>
+      <p:nvGrpSpPr>
+        <p:cNvPr id="1" name=""/>
+        <p:cNvGrpSpPr/>
+        <p:nvPr/>
+      </p:nvGrpSpPr>
+      <p:grpSpPr>
+        <a:xfrm>
+          <a:off x="0" y="0"/>
+          <a:ext cx="0" cy="0"/>
+          <a:chOff x="0" y="0"/>
+          <a:chExt cx="0" cy="0"/>
+        </a:xfrm>
+      </p:grpSpPr>
+      <p:sp>
+        <p:nvSpPr>
+          <p:cNvPr id="2" name="Titolo 1">
+            <a:extLst>
+              <a:ext uri="{FF2B5EF4-FFF2-40B4-BE49-F238E27FC236}">
+                <a16:creationId xmlns:a16="http://schemas.microsoft.com/office/drawing/2014/main" id="{F316F240-FF27-A1FB-2993-B927D0A9ED38}"/>
+              </a:ext>
+            </a:extLst>
+          </p:cNvPr>
+          <p:cNvSpPr>
+            <a:spLocks noGrp="1"/>
+          </p:cNvSpPr>
+          <p:nvPr>
+            <p:ph type="title"/>
+          </p:nvPr>
+        </p:nvSpPr>
+        <p:spPr/>
+        <p:txBody>
+          <a:bodyPr/>
+          <a:lstStyle/>
+          <a:p>
+            <a:r>
+              <a:rPr lang="it-IT" dirty="0"/>
+              <a:t>Componenti</a:t>
+            </a:r>
+          </a:p>
+        </p:txBody>
+      </p:sp>
+      <p:sp>
+        <p:nvSpPr>
+          <p:cNvPr id="3" name="Segnaposto contenuto 2">
+            <a:extLst>
+              <a:ext uri="{FF2B5EF4-FFF2-40B4-BE49-F238E27FC236}">
+                <a16:creationId xmlns:a16="http://schemas.microsoft.com/office/drawing/2014/main" id="{3444912A-6668-F803-4A64-8A7491160A05}"/>
+              </a:ext>
+            </a:extLst>
+          </p:cNvPr>
+          <p:cNvSpPr>
+            <a:spLocks noGrp="1"/>
+          </p:cNvSpPr>
+          <p:nvPr>
+            <p:ph idx="1"/>
+          </p:nvPr>
+        </p:nvSpPr>
+        <p:spPr/>
+        <p:txBody>
+          <a:bodyPr>
+            <a:normAutofit fontScale="92500" lnSpcReduction="20000"/>
+          </a:bodyPr>
+          <a:lstStyle/>
+          <a:p>
+            <a:r>
+              <a:rPr lang="it-IT" b="1" dirty="0"/>
+              <a:t>Oggetto di autenticazione (Authentication Object)</a:t>
+            </a:r>
+            <a:r>
+              <a:rPr lang="it-IT" dirty="0"/>
+              <a:t>: L'oggetto di autenticazione rappresenta le informazioni di autenticazione dell'utente dopo che sono state verificate dal provider di autenticazione. Contiene i dettagli dell'utente autenticato, come il nome utente, le autorizzazioni e altri attributi pertinenti. L'oggetto di autenticazione viene creato dal provider di autenticazione e successivamente utilizzato per verificare l'autorizzazione alle risorse.</a:t>
+            </a:r>
+          </a:p>
+          <a:p>
+            <a:r>
+              <a:rPr lang="it-IT" b="1" dirty="0"/>
+              <a:t>Dettagli dell'utente (User </a:t>
+            </a:r>
+            <a:r>
+              <a:rPr lang="it-IT" b="1" dirty="0" err="1"/>
+              <a:t>Details</a:t>
+            </a:r>
+            <a:r>
+              <a:rPr lang="it-IT" b="1" dirty="0"/>
+              <a:t>)</a:t>
+            </a:r>
+            <a:r>
+              <a:rPr lang="it-IT" dirty="0"/>
+              <a:t>: I dettagli dell'utente rappresentano le informazioni specifiche dell'utente, come il nome utente, la password (o un token), i ruoli, le autorizzazioni e altri attributi correlati. Spring Security utilizza i dettagli dell'utente per autenticare gli utenti e applicare regole di autorizzazione.</a:t>
+            </a:r>
+          </a:p>
+          <a:p>
+            <a:r>
+              <a:rPr lang="it-IT" b="1" dirty="0"/>
+              <a:t>Manager di autenticazione (Authentication Manager)</a:t>
+            </a:r>
+            <a:r>
+              <a:rPr lang="it-IT" dirty="0"/>
+              <a:t>: L'authentication manager è responsabile della gestione del processo di autenticazione. Riceve l'oggetto di autenticazione e utilizza uno o più provider di autenticazione per verificare le credenziali dell'utente. Puoi configurare l'authentication manager con uno o più provider di autenticazione e definire la strategia di autenticazione (ad esempio, autenticazione basata su credenziali multiple o sequenziale).</a:t>
+            </a:r>
+          </a:p>
+          <a:p>
+            <a:endParaRPr lang="it-IT" dirty="0"/>
+          </a:p>
+        </p:txBody>
+      </p:sp>
+    </p:spTree>
+    <p:extLst>
+      <p:ext uri="{BB962C8B-B14F-4D97-AF65-F5344CB8AC3E}">
+        <p14:creationId xmlns:p14="http://schemas.microsoft.com/office/powerpoint/2010/main" val="3428431929"/>
+      </p:ext>
+    </p:extLst>
+  </p:cSld>
+  <p:clrMapOvr>
+    <a:masterClrMapping/>
+  </p:clrMapOvr>
+</p:sld>
+</file>
+
+<file path=ppt/slides/slide7.xml><?xml version="1.0" encoding="utf-8"?>
+<p:sld xmlns:a="http://schemas.openxmlformats.org/drawingml/2006/main" xmlns:r="http://schemas.openxmlformats.org/officeDocument/2006/relationships" xmlns:p="http://schemas.openxmlformats.org/presentationml/2006/main">
+  <p:cSld>
+    <p:bg>
+      <p:bgPr>
+        <a:solidFill>
+          <a:schemeClr val="bg1"/>
+        </a:solidFill>
+        <a:effectLst/>
+      </p:bgPr>
+    </p:bg>
+    <p:spTree>
+      <p:nvGrpSpPr>
+        <p:cNvPr id="1" name=""/>
+        <p:cNvGrpSpPr/>
+        <p:nvPr/>
+      </p:nvGrpSpPr>
+      <p:grpSpPr>
+        <a:xfrm>
+          <a:off x="0" y="0"/>
+          <a:ext cx="0" cy="0"/>
+          <a:chOff x="0" y="0"/>
+          <a:chExt cx="0" cy="0"/>
+        </a:xfrm>
+      </p:grpSpPr>
+      <p:grpSp>
+        <p:nvGrpSpPr>
+          <p:cNvPr id="3079" name="Group 3078">
+            <a:extLst>
+              <a:ext uri="{FF2B5EF4-FFF2-40B4-BE49-F238E27FC236}">
+                <a16:creationId xmlns:a16="http://schemas.microsoft.com/office/drawing/2014/main" id="{609316A9-990D-4EC3-A671-70EE5C1493A4}"/>
+              </a:ext>
+              <a:ext uri="{C183D7F6-B498-43B3-948B-1728B52AA6E4}">
+                <adec:decorative xmlns:adec="http://schemas.microsoft.com/office/drawing/2017/decorative" val="1"/>
+              </a:ext>
+            </a:extLst>
+          </p:cNvPr>
+          <p:cNvGrpSpPr>
+            <a:grpSpLocks noGrp="1" noUngrp="1" noRot="1" noChangeAspect="1" noMove="1" noResize="1"/>
+          </p:cNvGrpSpPr>
+          <p:nvPr>
+            <p:extLst>
+              <p:ext uri="{386F3935-93C4-4BCD-93E2-E3B085C9AB24}">
+                <p16:designElem xmlns:p16="http://schemas.microsoft.com/office/powerpoint/2015/main" val="1"/>
+              </p:ext>
+            </p:extLst>
+          </p:nvPr>
+        </p:nvGrpSpPr>
+        <p:grpSpPr>
+          <a:xfrm>
+            <a:off x="0" y="-8467"/>
+            <a:ext cx="12192000" cy="6866467"/>
+            <a:chOff x="0" y="-8467"/>
+            <a:chExt cx="12192000" cy="6866467"/>
+          </a:xfrm>
+        </p:grpSpPr>
+        <p:cxnSp>
+          <p:nvCxnSpPr>
+            <p:cNvPr id="3080" name="Straight Connector 3079">
+              <a:extLst>
+                <a:ext uri="{FF2B5EF4-FFF2-40B4-BE49-F238E27FC236}">
+                  <a16:creationId xmlns:a16="http://schemas.microsoft.com/office/drawing/2014/main" id="{9B0C6109-9159-49CA-AD7A-F9035539DB7F}"/>
+                </a:ext>
+                <a:ext uri="{C183D7F6-B498-43B3-948B-1728B52AA6E4}">
+                  <adec:decorative xmlns:adec="http://schemas.microsoft.com/office/drawing/2017/decorative" val="1"/>
+                </a:ext>
+              </a:extLst>
+            </p:cNvPr>
+            <p:cNvCxnSpPr/>
+            <p:nvPr>
+              <p:extLst>
+                <p:ext uri="{386F3935-93C4-4BCD-93E2-E3B085C9AB24}">
+                  <p16:designElem xmlns:p16="http://schemas.microsoft.com/office/powerpoint/2015/main" val="1"/>
+                </p:ext>
+              </p:extLst>
+            </p:nvPr>
+          </p:nvCxnSpPr>
+          <p:spPr>
+            <a:xfrm>
+              <a:off x="9371012" y="0"/>
+              <a:ext cx="1219200" cy="6858000"/>
+            </a:xfrm>
+            <a:prstGeom prst="line">
+              <a:avLst/>
+            </a:prstGeom>
+            <a:ln w="9525">
+              <a:solidFill>
+                <a:schemeClr val="bg1">
+                  <a:lumMod val="75000"/>
+                </a:schemeClr>
+              </a:solidFill>
+            </a:ln>
+          </p:spPr>
+          <p:style>
+            <a:lnRef idx="2">
+              <a:schemeClr val="accent1"/>
+            </a:lnRef>
+            <a:fillRef idx="0">
+              <a:schemeClr val="accent1"/>
+            </a:fillRef>
+            <a:effectRef idx="1">
+              <a:schemeClr val="accent1"/>
+            </a:effectRef>
+            <a:fontRef idx="minor">
+              <a:schemeClr val="tx1"/>
+            </a:fontRef>
+          </p:style>
+        </p:cxnSp>
+        <p:cxnSp>
+          <p:nvCxnSpPr>
+            <p:cNvPr id="3081" name="Straight Connector 3080">
+              <a:extLst>
+                <a:ext uri="{FF2B5EF4-FFF2-40B4-BE49-F238E27FC236}">
+                  <a16:creationId xmlns:a16="http://schemas.microsoft.com/office/drawing/2014/main" id="{686F14F5-308C-4EB6-87AB-05DE9501B1AA}"/>
+                </a:ext>
+                <a:ext uri="{C183D7F6-B498-43B3-948B-1728B52AA6E4}">
+                  <adec:decorative xmlns:adec="http://schemas.microsoft.com/office/drawing/2017/decorative" val="1"/>
+                </a:ext>
+              </a:extLst>
+            </p:cNvPr>
+            <p:cNvCxnSpPr/>
+            <p:nvPr>
+              <p:extLst>
+                <p:ext uri="{386F3935-93C4-4BCD-93E2-E3B085C9AB24}">
+                  <p16:designElem xmlns:p16="http://schemas.microsoft.com/office/powerpoint/2015/main" val="1"/>
+                </p:ext>
+              </p:extLst>
+            </p:nvPr>
+          </p:nvCxnSpPr>
+          <p:spPr>
+            <a:xfrm flipH="1">
+              <a:off x="7425267" y="3681413"/>
+              <a:ext cx="4763558" cy="3176587"/>
+            </a:xfrm>
+            <a:prstGeom prst="line">
+              <a:avLst/>
+            </a:prstGeom>
+            <a:ln w="9525">
+              <a:solidFill>
+                <a:schemeClr val="bg1">
+                  <a:lumMod val="85000"/>
+                </a:schemeClr>
+              </a:solidFill>
+            </a:ln>
+          </p:spPr>
+          <p:style>
+            <a:lnRef idx="2">
+              <a:schemeClr val="accent1"/>
+            </a:lnRef>
+            <a:fillRef idx="0">
+              <a:schemeClr val="accent1"/>
+            </a:fillRef>
+            <a:effectRef idx="1">
+              <a:schemeClr val="accent1"/>
+            </a:effectRef>
+            <a:fontRef idx="minor">
+              <a:schemeClr val="tx1"/>
+            </a:fontRef>
+          </p:style>
+        </p:cxnSp>
+        <p:sp>
+          <p:nvSpPr>
+            <p:cNvPr id="3082" name="Rectangle 23">
+              <a:extLst>
+                <a:ext uri="{FF2B5EF4-FFF2-40B4-BE49-F238E27FC236}">
+                  <a16:creationId xmlns:a16="http://schemas.microsoft.com/office/drawing/2014/main" id="{BA032363-A188-47C5-9D59-9B788809DCD2}"/>
+                </a:ext>
+                <a:ext uri="{C183D7F6-B498-43B3-948B-1728B52AA6E4}">
+                  <adec:decorative xmlns:adec="http://schemas.microsoft.com/office/drawing/2017/decorative" val="1"/>
+                </a:ext>
+              </a:extLst>
+            </p:cNvPr>
+            <p:cNvSpPr/>
+            <p:nvPr>
+              <p:extLst>
+                <p:ext uri="{386F3935-93C4-4BCD-93E2-E3B085C9AB24}">
+                  <p16:designElem xmlns:p16="http://schemas.microsoft.com/office/powerpoint/2015/main" val="1"/>
+                </p:ext>
+              </p:extLst>
+            </p:nvPr>
+          </p:nvSpPr>
+          <p:spPr>
+            <a:xfrm>
+              <a:off x="9181476" y="-8467"/>
+              <a:ext cx="3007349" cy="6866467"/>
+            </a:xfrm>
+            <a:custGeom>
+              <a:avLst/>
+              <a:gdLst/>
+              <a:ahLst/>
+              <a:cxnLst/>
+              <a:rect l="l" t="t" r="r" b="b"/>
+              <a:pathLst>
+                <a:path w="3007349" h="6866467">
+                  <a:moveTo>
+                    <a:pt x="2045532" y="0"/>
+                  </a:moveTo>
+                  <a:lnTo>
+                    <a:pt x="3007349" y="0"/>
+                  </a:lnTo>
+                  <a:lnTo>
+                    <a:pt x="3007349" y="6866467"/>
+                  </a:lnTo>
+                  <a:lnTo>
+                    <a:pt x="0" y="6866467"/>
+                  </a:lnTo>
+                  <a:lnTo>
+                    <a:pt x="2045532" y="0"/>
+                  </a:lnTo>
+                  <a:close/>
+                </a:path>
+              </a:pathLst>
+            </a:custGeom>
+            <a:solidFill>
+              <a:schemeClr val="accent1">
+                <a:alpha val="30000"/>
+              </a:schemeClr>
+            </a:solidFill>
+            <a:ln>
+              <a:noFill/>
+            </a:ln>
+            <a:effectLst/>
+          </p:spPr>
+          <p:style>
+            <a:lnRef idx="1">
+              <a:schemeClr val="accent1"/>
+            </a:lnRef>
+            <a:fillRef idx="3">
+              <a:schemeClr val="accent1"/>
+            </a:fillRef>
+            <a:effectRef idx="2">
+              <a:schemeClr val="accent1"/>
+            </a:effectRef>
+            <a:fontRef idx="minor">
+              <a:schemeClr val="lt1"/>
+            </a:fontRef>
+          </p:style>
+        </p:sp>
+        <p:sp>
+          <p:nvSpPr>
+            <p:cNvPr id="3083" name="Rectangle 25">
+              <a:extLst>
+                <a:ext uri="{FF2B5EF4-FFF2-40B4-BE49-F238E27FC236}">
+                  <a16:creationId xmlns:a16="http://schemas.microsoft.com/office/drawing/2014/main" id="{2C4077DF-6BB9-4069-AD28-6B1664EBB064}"/>
+                </a:ext>
+                <a:ext uri="{C183D7F6-B498-43B3-948B-1728B52AA6E4}">
+                  <adec:decorative xmlns:adec="http://schemas.microsoft.com/office/drawing/2017/decorative" val="1"/>
+                </a:ext>
+              </a:extLst>
+            </p:cNvPr>
+            <p:cNvSpPr/>
+            <p:nvPr>
+              <p:extLst>
+                <p:ext uri="{386F3935-93C4-4BCD-93E2-E3B085C9AB24}">
+                  <p16:designElem xmlns:p16="http://schemas.microsoft.com/office/powerpoint/2015/main" val="1"/>
+                </p:ext>
+              </p:extLst>
+            </p:nvPr>
+          </p:nvSpPr>
+          <p:spPr>
+            <a:xfrm>
+              <a:off x="9603442" y="-8467"/>
+              <a:ext cx="2588558" cy="6866467"/>
+            </a:xfrm>
+            <a:custGeom>
+              <a:avLst/>
+              <a:gdLst/>
+              <a:ahLst/>
+              <a:cxnLst/>
+              <a:rect l="l" t="t" r="r" b="b"/>
+              <a:pathLst>
+                <a:path w="2573311" h="6866467">
+                  <a:moveTo>
+                    <a:pt x="0" y="0"/>
+                  </a:moveTo>
+                  <a:lnTo>
+                    <a:pt x="2573311" y="0"/>
+                  </a:lnTo>
+                  <a:lnTo>
+                    <a:pt x="2573311" y="6866467"/>
+                  </a:lnTo>
+                  <a:lnTo>
+                    <a:pt x="1202336" y="6866467"/>
+                  </a:lnTo>
+                  <a:lnTo>
+                    <a:pt x="0" y="0"/>
+                  </a:lnTo>
+                  <a:close/>
+                </a:path>
+              </a:pathLst>
+            </a:custGeom>
+            <a:solidFill>
+              <a:schemeClr val="accent1">
+                <a:alpha val="20000"/>
+              </a:schemeClr>
+            </a:solidFill>
+            <a:ln>
+              <a:noFill/>
+            </a:ln>
+            <a:effectLst/>
+          </p:spPr>
+          <p:style>
+            <a:lnRef idx="1">
+              <a:schemeClr val="accent1"/>
+            </a:lnRef>
+            <a:fillRef idx="3">
+              <a:schemeClr val="accent1"/>
+            </a:fillRef>
+            <a:effectRef idx="2">
+              <a:schemeClr val="accent1"/>
+            </a:effectRef>
+            <a:fontRef idx="minor">
+              <a:schemeClr val="lt1"/>
+            </a:fontRef>
+          </p:style>
+        </p:sp>
+        <p:sp>
+          <p:nvSpPr>
+            <p:cNvPr id="3084" name="Isosceles Triangle 3083">
+              <a:extLst>
+                <a:ext uri="{FF2B5EF4-FFF2-40B4-BE49-F238E27FC236}">
+                  <a16:creationId xmlns:a16="http://schemas.microsoft.com/office/drawing/2014/main" id="{1D2B8B50-3419-41ED-9A9F-3CF9EEBBD3F2}"/>
+                </a:ext>
+                <a:ext uri="{C183D7F6-B498-43B3-948B-1728B52AA6E4}">
+                  <adec:decorative xmlns:adec="http://schemas.microsoft.com/office/drawing/2017/decorative" val="1"/>
+                </a:ext>
+              </a:extLst>
+            </p:cNvPr>
+            <p:cNvSpPr/>
+            <p:nvPr>
+              <p:extLst>
+                <p:ext uri="{386F3935-93C4-4BCD-93E2-E3B085C9AB24}">
+                  <p16:designElem xmlns:p16="http://schemas.microsoft.com/office/powerpoint/2015/main" val="1"/>
+                </p:ext>
+              </p:extLst>
+            </p:nvPr>
+          </p:nvSpPr>
+          <p:spPr>
+            <a:xfrm>
+              <a:off x="8932333" y="3048000"/>
+              <a:ext cx="3259667" cy="3810000"/>
+            </a:xfrm>
+            <a:prstGeom prst="triangle">
+              <a:avLst>
+                <a:gd name="adj" fmla="val 100000"/>
+              </a:avLst>
+            </a:prstGeom>
+            <a:solidFill>
+              <a:schemeClr val="accent2">
+                <a:alpha val="72000"/>
+              </a:schemeClr>
+            </a:solidFill>
+            <a:ln>
+              <a:noFill/>
+            </a:ln>
+            <a:effectLst/>
+          </p:spPr>
+          <p:style>
+            <a:lnRef idx="1">
+              <a:schemeClr val="accent1"/>
+            </a:lnRef>
+            <a:fillRef idx="3">
+              <a:schemeClr val="accent1"/>
+            </a:fillRef>
+            <a:effectRef idx="2">
+              <a:schemeClr val="accent1"/>
+            </a:effectRef>
+            <a:fontRef idx="minor">
+              <a:schemeClr val="lt1"/>
+            </a:fontRef>
+          </p:style>
+        </p:sp>
+        <p:sp>
+          <p:nvSpPr>
+            <p:cNvPr id="3085" name="Rectangle 27">
+              <a:extLst>
+                <a:ext uri="{FF2B5EF4-FFF2-40B4-BE49-F238E27FC236}">
+                  <a16:creationId xmlns:a16="http://schemas.microsoft.com/office/drawing/2014/main" id="{5C640498-2E73-4FA2-BEB6-C3596A458C8A}"/>
+                </a:ext>
+                <a:ext uri="{C183D7F6-B498-43B3-948B-1728B52AA6E4}">
+                  <adec:decorative xmlns:adec="http://schemas.microsoft.com/office/drawing/2017/decorative" val="1"/>
+                </a:ext>
+              </a:extLst>
+            </p:cNvPr>
+            <p:cNvSpPr/>
+            <p:nvPr>
+              <p:extLst>
+                <p:ext uri="{386F3935-93C4-4BCD-93E2-E3B085C9AB24}">
+                  <p16:designElem xmlns:p16="http://schemas.microsoft.com/office/powerpoint/2015/main" val="1"/>
+                </p:ext>
+              </p:extLst>
+            </p:nvPr>
+          </p:nvSpPr>
+          <p:spPr>
+            <a:xfrm>
+              <a:off x="9334500" y="-8467"/>
+              <a:ext cx="2854326" cy="6866467"/>
+            </a:xfrm>
+            <a:custGeom>
+              <a:avLst/>
+              <a:gdLst/>
+              <a:ahLst/>
+              <a:cxnLst/>
+              <a:rect l="l" t="t" r="r" b="b"/>
+              <a:pathLst>
+                <a:path w="2858013" h="6866467">
+                  <a:moveTo>
+                    <a:pt x="0" y="0"/>
+                  </a:moveTo>
+                  <a:lnTo>
+                    <a:pt x="2858013" y="0"/>
+                  </a:lnTo>
+                  <a:lnTo>
+                    <a:pt x="2858013" y="6866467"/>
+                  </a:lnTo>
+                  <a:lnTo>
+                    <a:pt x="2473942" y="6866467"/>
+                  </a:lnTo>
+                  <a:lnTo>
+                    <a:pt x="0" y="0"/>
+                  </a:lnTo>
+                  <a:close/>
+                </a:path>
+              </a:pathLst>
+            </a:custGeom>
+            <a:solidFill>
+              <a:schemeClr val="accent2">
+                <a:lumMod val="75000"/>
+                <a:alpha val="70000"/>
+              </a:schemeClr>
+            </a:solidFill>
+            <a:ln>
+              <a:noFill/>
+            </a:ln>
+            <a:effectLst/>
+          </p:spPr>
+          <p:style>
+            <a:lnRef idx="1">
+              <a:schemeClr val="accent1"/>
+            </a:lnRef>
+            <a:fillRef idx="3">
+              <a:schemeClr val="accent1"/>
+            </a:fillRef>
+            <a:effectRef idx="2">
+              <a:schemeClr val="accent1"/>
+            </a:effectRef>
+            <a:fontRef idx="minor">
+              <a:schemeClr val="lt1"/>
+            </a:fontRef>
+          </p:style>
+        </p:sp>
+        <p:sp>
+          <p:nvSpPr>
+            <p:cNvPr id="3086" name="Rectangle 28">
+              <a:extLst>
+                <a:ext uri="{FF2B5EF4-FFF2-40B4-BE49-F238E27FC236}">
+                  <a16:creationId xmlns:a16="http://schemas.microsoft.com/office/drawing/2014/main" id="{3240EEFC-4112-4C39-A816-C815774F6D69}"/>
+                </a:ext>
+                <a:ext uri="{C183D7F6-B498-43B3-948B-1728B52AA6E4}">
+                  <adec:decorative xmlns:adec="http://schemas.microsoft.com/office/drawing/2017/decorative" val="1"/>
+                </a:ext>
+              </a:extLst>
+            </p:cNvPr>
+            <p:cNvSpPr/>
+            <p:nvPr>
+              <p:extLst>
+                <p:ext uri="{386F3935-93C4-4BCD-93E2-E3B085C9AB24}">
+                  <p16:designElem xmlns:p16="http://schemas.microsoft.com/office/powerpoint/2015/main" val="1"/>
+                </p:ext>
+              </p:extLst>
+            </p:nvPr>
+          </p:nvSpPr>
+          <p:spPr>
+            <a:xfrm>
+              <a:off x="10898730" y="-8467"/>
+              <a:ext cx="1290094" cy="6866467"/>
+            </a:xfrm>
+            <a:custGeom>
+              <a:avLst/>
+              <a:gdLst/>
+              <a:ahLst/>
+              <a:cxnLst/>
+              <a:rect l="l" t="t" r="r" b="b"/>
+              <a:pathLst>
+                <a:path w="1290094" h="6858000">
+                  <a:moveTo>
+                    <a:pt x="1019735" y="0"/>
+                  </a:moveTo>
+                  <a:lnTo>
+                    <a:pt x="1290094" y="0"/>
+                  </a:lnTo>
+                  <a:lnTo>
+                    <a:pt x="1290094" y="6858000"/>
+                  </a:lnTo>
+                  <a:lnTo>
+                    <a:pt x="0" y="6858000"/>
+                  </a:lnTo>
+                  <a:lnTo>
+                    <a:pt x="1019735" y="0"/>
+                  </a:lnTo>
+                  <a:close/>
+                </a:path>
+              </a:pathLst>
+            </a:custGeom>
+            <a:solidFill>
+              <a:schemeClr val="accent1">
+                <a:lumMod val="60000"/>
+                <a:lumOff val="40000"/>
+                <a:alpha val="70000"/>
+              </a:schemeClr>
+            </a:solidFill>
+            <a:ln>
+              <a:noFill/>
+            </a:ln>
+            <a:effectLst/>
+          </p:spPr>
+          <p:style>
+            <a:lnRef idx="1">
+              <a:schemeClr val="accent1"/>
+            </a:lnRef>
+            <a:fillRef idx="3">
+              <a:schemeClr val="accent1"/>
+            </a:fillRef>
+            <a:effectRef idx="2">
+              <a:schemeClr val="accent1"/>
+            </a:effectRef>
+            <a:fontRef idx="minor">
+              <a:schemeClr val="lt1"/>
+            </a:fontRef>
+          </p:style>
+        </p:sp>
+        <p:sp>
+          <p:nvSpPr>
+            <p:cNvPr id="3087" name="Rectangle 29">
+              <a:extLst>
+                <a:ext uri="{FF2B5EF4-FFF2-40B4-BE49-F238E27FC236}">
+                  <a16:creationId xmlns:a16="http://schemas.microsoft.com/office/drawing/2014/main" id="{ADF362B0-03EA-4800-9FAA-9F128587E428}"/>
+                </a:ext>
+                <a:ext uri="{C183D7F6-B498-43B3-948B-1728B52AA6E4}">
+                  <adec:decorative xmlns:adec="http://schemas.microsoft.com/office/drawing/2017/decorative" val="1"/>
+                </a:ext>
+              </a:extLst>
+            </p:cNvPr>
+            <p:cNvSpPr/>
+            <p:nvPr>
+              <p:extLst>
+                <p:ext uri="{386F3935-93C4-4BCD-93E2-E3B085C9AB24}">
+                  <p16:designElem xmlns:p16="http://schemas.microsoft.com/office/powerpoint/2015/main" val="1"/>
+                </p:ext>
+              </p:extLst>
+            </p:nvPr>
+          </p:nvSpPr>
+          <p:spPr>
+            <a:xfrm>
+              <a:off x="10938999" y="-8467"/>
+              <a:ext cx="1249825" cy="6866467"/>
+            </a:xfrm>
+            <a:custGeom>
+              <a:avLst/>
+              <a:gdLst/>
+              <a:ahLst/>
+              <a:cxnLst/>
+              <a:rect l="l" t="t" r="r" b="b"/>
+              <a:pathLst>
+                <a:path w="1249825" h="6858000">
+                  <a:moveTo>
+                    <a:pt x="0" y="0"/>
+                  </a:moveTo>
+                  <a:lnTo>
+                    <a:pt x="1249825" y="0"/>
+                  </a:lnTo>
+                  <a:lnTo>
+                    <a:pt x="1249825" y="6858000"/>
+                  </a:lnTo>
+                  <a:lnTo>
+                    <a:pt x="1109382" y="6858000"/>
+                  </a:lnTo>
+                  <a:lnTo>
+                    <a:pt x="0" y="0"/>
+                  </a:lnTo>
+                  <a:close/>
+                </a:path>
+              </a:pathLst>
+            </a:custGeom>
+            <a:solidFill>
+              <a:schemeClr val="accent1">
+                <a:alpha val="65000"/>
+              </a:schemeClr>
+            </a:solidFill>
+            <a:ln>
+              <a:noFill/>
+            </a:ln>
+            <a:effectLst/>
+          </p:spPr>
+          <p:style>
+            <a:lnRef idx="1">
+              <a:schemeClr val="accent1"/>
+            </a:lnRef>
+            <a:fillRef idx="3">
+              <a:schemeClr val="accent1"/>
+            </a:fillRef>
+            <a:effectRef idx="2">
+              <a:schemeClr val="accent1"/>
+            </a:effectRef>
+            <a:fontRef idx="minor">
+              <a:schemeClr val="lt1"/>
+            </a:fontRef>
+          </p:style>
+        </p:sp>
+        <p:sp>
+          <p:nvSpPr>
+            <p:cNvPr id="3088" name="Isosceles Triangle 3087">
+              <a:extLst>
+                <a:ext uri="{FF2B5EF4-FFF2-40B4-BE49-F238E27FC236}">
+                  <a16:creationId xmlns:a16="http://schemas.microsoft.com/office/drawing/2014/main" id="{0BA84559-2F4C-4795-9246-4C563F942DB9}"/>
+                </a:ext>
+                <a:ext uri="{C183D7F6-B498-43B3-948B-1728B52AA6E4}">
+                  <adec:decorative xmlns:adec="http://schemas.microsoft.com/office/drawing/2017/decorative" val="1"/>
+                </a:ext>
+              </a:extLst>
+            </p:cNvPr>
+            <p:cNvSpPr/>
+            <p:nvPr>
+              <p:extLst>
+                <p:ext uri="{386F3935-93C4-4BCD-93E2-E3B085C9AB24}">
+                  <p16:designElem xmlns:p16="http://schemas.microsoft.com/office/powerpoint/2015/main" val="1"/>
+                </p:ext>
+              </p:extLst>
+            </p:nvPr>
+          </p:nvSpPr>
+          <p:spPr>
+            <a:xfrm>
+              <a:off x="10371666" y="3589867"/>
+              <a:ext cx="1817159" cy="3268133"/>
+            </a:xfrm>
+            <a:prstGeom prst="triangle">
+              <a:avLst>
+                <a:gd name="adj" fmla="val 100000"/>
+              </a:avLst>
+            </a:prstGeom>
+            <a:solidFill>
+              <a:schemeClr val="accent1">
+                <a:alpha val="80000"/>
+              </a:schemeClr>
+            </a:solidFill>
+            <a:ln>
+              <a:noFill/>
+            </a:ln>
+            <a:effectLst/>
+          </p:spPr>
+          <p:style>
+            <a:lnRef idx="1">
+              <a:schemeClr val="accent1"/>
+            </a:lnRef>
+            <a:fillRef idx="3">
+              <a:schemeClr val="accent1"/>
+            </a:fillRef>
+            <a:effectRef idx="2">
+              <a:schemeClr val="accent1"/>
+            </a:effectRef>
+            <a:fontRef idx="minor">
+              <a:schemeClr val="lt1"/>
+            </a:fontRef>
+          </p:style>
+        </p:sp>
+        <p:sp>
+          <p:nvSpPr>
+            <p:cNvPr id="3089" name="Isosceles Triangle 3088">
+              <a:extLst>
+                <a:ext uri="{FF2B5EF4-FFF2-40B4-BE49-F238E27FC236}">
+                  <a16:creationId xmlns:a16="http://schemas.microsoft.com/office/drawing/2014/main" id="{FA77A1AA-CA47-4A91-A0A1-0A8CE31A985E}"/>
+                </a:ext>
+                <a:ext uri="{C183D7F6-B498-43B3-948B-1728B52AA6E4}">
+                  <adec:decorative xmlns:adec="http://schemas.microsoft.com/office/drawing/2017/decorative" val="1"/>
+                </a:ext>
+              </a:extLst>
+            </p:cNvPr>
+            <p:cNvSpPr/>
+            <p:nvPr>
+              <p:extLst>
+                <p:ext uri="{386F3935-93C4-4BCD-93E2-E3B085C9AB24}">
+                  <p16:designElem xmlns:p16="http://schemas.microsoft.com/office/powerpoint/2015/main" val="1"/>
+                </p:ext>
+              </p:extLst>
+            </p:nvPr>
+          </p:nvSpPr>
+          <p:spPr>
+            <a:xfrm>
+              <a:off x="0" y="4013200"/>
+              <a:ext cx="448733" cy="2844800"/>
+            </a:xfrm>
+            <a:prstGeom prst="triangle">
+              <a:avLst>
+                <a:gd name="adj" fmla="val 0"/>
+              </a:avLst>
+            </a:prstGeom>
+            <a:solidFill>
+              <a:schemeClr val="accent1">
+                <a:alpha val="85000"/>
+              </a:schemeClr>
+            </a:solidFill>
+            <a:ln>
+              <a:noFill/>
+            </a:ln>
+            <a:effectLst/>
+          </p:spPr>
+          <p:style>
+            <a:lnRef idx="1">
+              <a:schemeClr val="accent1"/>
+            </a:lnRef>
+            <a:fillRef idx="3">
+              <a:schemeClr val="accent1"/>
+            </a:fillRef>
+            <a:effectRef idx="2">
+              <a:schemeClr val="accent1"/>
+            </a:effectRef>
+            <a:fontRef idx="minor">
+              <a:schemeClr val="lt1"/>
+            </a:fontRef>
+          </p:style>
+        </p:sp>
+      </p:grpSp>
+      <p:sp>
+        <p:nvSpPr>
+          <p:cNvPr id="3091" name="Rectangle 3090">
+            <a:extLst>
+              <a:ext uri="{FF2B5EF4-FFF2-40B4-BE49-F238E27FC236}">
+                <a16:creationId xmlns:a16="http://schemas.microsoft.com/office/drawing/2014/main" id="{03E8462A-FEBA-4848-81CC-3F8DA3E477BE}"/>
+              </a:ext>
+              <a:ext uri="{C183D7F6-B498-43B3-948B-1728B52AA6E4}">
+                <adec:decorative xmlns:adec="http://schemas.microsoft.com/office/drawing/2017/decorative" val="1"/>
+              </a:ext>
+            </a:extLst>
+          </p:cNvPr>
+          <p:cNvSpPr>
+            <a:spLocks noGrp="1" noRot="1" noChangeAspect="1" noMove="1" noResize="1" noEditPoints="1" noAdjustHandles="1" noChangeArrowheads="1" noChangeShapeType="1" noTextEdit="1"/>
+          </p:cNvSpPr>
+          <p:nvPr>
+            <p:extLst>
+              <p:ext uri="{386F3935-93C4-4BCD-93E2-E3B085C9AB24}">
+                <p16:designElem xmlns:p16="http://schemas.microsoft.com/office/powerpoint/2015/main" val="1"/>
+              </p:ext>
+            </p:extLst>
+          </p:nvPr>
+        </p:nvSpPr>
+        <p:spPr>
+          <a:xfrm>
+            <a:off x="0" y="0"/>
+            <a:ext cx="12188952" cy="6858000"/>
+          </a:xfrm>
+          <a:prstGeom prst="rect">
+            <a:avLst/>
+          </a:prstGeom>
+          <a:solidFill>
+            <a:schemeClr val="accent2"/>
+          </a:solidFill>
+          <a:ln>
+            <a:noFill/>
+          </a:ln>
+        </p:spPr>
+        <p:style>
+          <a:lnRef idx="2">
+            <a:schemeClr val="accent1">
+              <a:shade val="50000"/>
+            </a:schemeClr>
+          </a:lnRef>
+          <a:fillRef idx="1">
+            <a:schemeClr val="accent1"/>
+          </a:fillRef>
+          <a:effectRef idx="0">
+            <a:schemeClr val="accent1"/>
+          </a:effectRef>
+          <a:fontRef idx="minor">
+            <a:schemeClr val="lt1"/>
+          </a:fontRef>
+        </p:style>
+        <p:txBody>
+          <a:bodyPr rtlCol="0" anchor="ctr"/>
+          <a:lstStyle/>
+          <a:p>
+            <a:pPr algn="ctr"/>
+            <a:endParaRPr lang="en-US"/>
+          </a:p>
+        </p:txBody>
+      </p:sp>
+      <p:grpSp>
+        <p:nvGrpSpPr>
+          <p:cNvPr id="3093" name="Group 3092">
+            <a:extLst>
+              <a:ext uri="{FF2B5EF4-FFF2-40B4-BE49-F238E27FC236}">
+                <a16:creationId xmlns:a16="http://schemas.microsoft.com/office/drawing/2014/main" id="{2109F83F-40FE-4DB3-84CC-09FB3340D06D}"/>
+              </a:ext>
+              <a:ext uri="{C183D7F6-B498-43B3-948B-1728B52AA6E4}">
+                <adec:decorative xmlns:adec="http://schemas.microsoft.com/office/drawing/2017/decorative" val="1"/>
+              </a:ext>
+            </a:extLst>
+          </p:cNvPr>
+          <p:cNvGrpSpPr>
+            <a:grpSpLocks noGrp="1" noUngrp="1" noRot="1" noChangeAspect="1" noMove="1" noResize="1"/>
+          </p:cNvGrpSpPr>
+          <p:nvPr>
+            <p:extLst>
+              <p:ext uri="{386F3935-93C4-4BCD-93E2-E3B085C9AB24}">
+                <p16:designElem xmlns:p16="http://schemas.microsoft.com/office/powerpoint/2015/main" val="1"/>
+              </p:ext>
+            </p:extLst>
+          </p:nvPr>
+        </p:nvGrpSpPr>
+        <p:grpSpPr>
+          <a:xfrm>
+            <a:off x="0" y="-8467"/>
+            <a:ext cx="12192000" cy="6866467"/>
+            <a:chOff x="0" y="-8467"/>
+            <a:chExt cx="12192000" cy="6866467"/>
+          </a:xfrm>
+        </p:grpSpPr>
+        <p:cxnSp>
+          <p:nvCxnSpPr>
+            <p:cNvPr id="3094" name="Straight Connector 3093">
+              <a:extLst>
+                <a:ext uri="{FF2B5EF4-FFF2-40B4-BE49-F238E27FC236}">
+                  <a16:creationId xmlns:a16="http://schemas.microsoft.com/office/drawing/2014/main" id="{1DE492D7-C3C3-48FF-80C8-37021EA0262F}"/>
+                </a:ext>
+                <a:ext uri="{C183D7F6-B498-43B3-948B-1728B52AA6E4}">
+                  <adec:decorative xmlns:adec="http://schemas.microsoft.com/office/drawing/2017/decorative" val="1"/>
+                </a:ext>
+              </a:extLst>
+            </p:cNvPr>
+            <p:cNvCxnSpPr/>
+            <p:nvPr>
+              <p:extLst>
+                <p:ext uri="{386F3935-93C4-4BCD-93E2-E3B085C9AB24}">
+                  <p16:designElem xmlns:p16="http://schemas.microsoft.com/office/powerpoint/2015/main" val="1"/>
+                </p:ext>
+              </p:extLst>
+            </p:nvPr>
+          </p:nvCxnSpPr>
+          <p:spPr>
+            <a:xfrm flipH="1">
+              <a:off x="7425267" y="3681413"/>
+              <a:ext cx="4763558" cy="3176587"/>
+            </a:xfrm>
+            <a:prstGeom prst="line">
+              <a:avLst/>
+            </a:prstGeom>
+            <a:ln w="9525">
+              <a:solidFill>
+                <a:schemeClr val="bg1">
+                  <a:lumMod val="85000"/>
+                </a:schemeClr>
+              </a:solidFill>
+            </a:ln>
+          </p:spPr>
+          <p:style>
+            <a:lnRef idx="2">
+              <a:schemeClr val="accent1"/>
+            </a:lnRef>
+            <a:fillRef idx="0">
+              <a:schemeClr val="accent1"/>
+            </a:fillRef>
+            <a:effectRef idx="1">
+              <a:schemeClr val="accent1"/>
+            </a:effectRef>
+            <a:fontRef idx="minor">
+              <a:schemeClr val="tx1"/>
+            </a:fontRef>
+          </p:style>
+        </p:cxnSp>
+        <p:sp>
+          <p:nvSpPr>
+            <p:cNvPr id="3095" name="Rectangle 23">
+              <a:extLst>
+                <a:ext uri="{FF2B5EF4-FFF2-40B4-BE49-F238E27FC236}">
+                  <a16:creationId xmlns:a16="http://schemas.microsoft.com/office/drawing/2014/main" id="{0B30FF97-2E9A-490A-AED2-90BA2E0EC17F}"/>
+                </a:ext>
+                <a:ext uri="{C183D7F6-B498-43B3-948B-1728B52AA6E4}">
+                  <adec:decorative xmlns:adec="http://schemas.microsoft.com/office/drawing/2017/decorative" val="1"/>
+                </a:ext>
+              </a:extLst>
+            </p:cNvPr>
+            <p:cNvSpPr/>
+            <p:nvPr>
+              <p:extLst>
+                <p:ext uri="{386F3935-93C4-4BCD-93E2-E3B085C9AB24}">
+                  <p16:designElem xmlns:p16="http://schemas.microsoft.com/office/powerpoint/2015/main" val="1"/>
+                </p:ext>
+              </p:extLst>
+            </p:nvPr>
+          </p:nvSpPr>
+          <p:spPr>
+            <a:xfrm>
+              <a:off x="9181476" y="-8467"/>
+              <a:ext cx="3007349" cy="6866467"/>
+            </a:xfrm>
+            <a:custGeom>
+              <a:avLst/>
+              <a:gdLst/>
+              <a:ahLst/>
+              <a:cxnLst/>
+              <a:rect l="l" t="t" r="r" b="b"/>
+              <a:pathLst>
+                <a:path w="3007349" h="6866467">
+                  <a:moveTo>
+                    <a:pt x="2045532" y="0"/>
+                  </a:moveTo>
+                  <a:lnTo>
+                    <a:pt x="3007349" y="0"/>
+                  </a:lnTo>
+                  <a:lnTo>
+                    <a:pt x="3007349" y="6866467"/>
+                  </a:lnTo>
+                  <a:lnTo>
+                    <a:pt x="0" y="6866467"/>
+                  </a:lnTo>
+                  <a:lnTo>
+                    <a:pt x="2045532" y="0"/>
+                  </a:lnTo>
+                  <a:close/>
+                </a:path>
+              </a:pathLst>
+            </a:custGeom>
+            <a:solidFill>
+              <a:schemeClr val="accent1">
+                <a:alpha val="30000"/>
+              </a:schemeClr>
+            </a:solidFill>
+            <a:ln>
+              <a:noFill/>
+            </a:ln>
+            <a:effectLst/>
+          </p:spPr>
+          <p:style>
+            <a:lnRef idx="1">
+              <a:schemeClr val="accent1"/>
+            </a:lnRef>
+            <a:fillRef idx="3">
+              <a:schemeClr val="accent1"/>
+            </a:fillRef>
+            <a:effectRef idx="2">
+              <a:schemeClr val="accent1"/>
+            </a:effectRef>
+            <a:fontRef idx="minor">
+              <a:schemeClr val="lt1"/>
+            </a:fontRef>
+          </p:style>
+        </p:sp>
+        <p:sp>
+          <p:nvSpPr>
+            <p:cNvPr id="3096" name="Rectangle 25">
+              <a:extLst>
+                <a:ext uri="{FF2B5EF4-FFF2-40B4-BE49-F238E27FC236}">
+                  <a16:creationId xmlns:a16="http://schemas.microsoft.com/office/drawing/2014/main" id="{B6D53C7D-A312-47B6-A66A-230A19CFACA6}"/>
+                </a:ext>
+                <a:ext uri="{C183D7F6-B498-43B3-948B-1728B52AA6E4}">
+                  <adec:decorative xmlns:adec="http://schemas.microsoft.com/office/drawing/2017/decorative" val="1"/>
+                </a:ext>
+              </a:extLst>
+            </p:cNvPr>
+            <p:cNvSpPr/>
+            <p:nvPr>
+              <p:extLst>
+                <p:ext uri="{386F3935-93C4-4BCD-93E2-E3B085C9AB24}">
+                  <p16:designElem xmlns:p16="http://schemas.microsoft.com/office/powerpoint/2015/main" val="1"/>
+                </p:ext>
+              </p:extLst>
+            </p:nvPr>
+          </p:nvSpPr>
+          <p:spPr>
+            <a:xfrm>
+              <a:off x="9603442" y="-8467"/>
+              <a:ext cx="2588558" cy="6866467"/>
+            </a:xfrm>
+            <a:custGeom>
+              <a:avLst/>
+              <a:gdLst/>
+              <a:ahLst/>
+              <a:cxnLst/>
+              <a:rect l="l" t="t" r="r" b="b"/>
+              <a:pathLst>
+                <a:path w="2573311" h="6866467">
+                  <a:moveTo>
+                    <a:pt x="0" y="0"/>
+                  </a:moveTo>
+                  <a:lnTo>
+                    <a:pt x="2573311" y="0"/>
+                  </a:lnTo>
+                  <a:lnTo>
+                    <a:pt x="2573311" y="6866467"/>
+                  </a:lnTo>
+                  <a:lnTo>
+                    <a:pt x="1202336" y="6866467"/>
+                  </a:lnTo>
+                  <a:lnTo>
+                    <a:pt x="0" y="0"/>
+                  </a:lnTo>
+                  <a:close/>
+                </a:path>
+              </a:pathLst>
+            </a:custGeom>
+            <a:solidFill>
+              <a:schemeClr val="accent1">
+                <a:alpha val="20000"/>
+              </a:schemeClr>
+            </a:solidFill>
+            <a:ln>
+              <a:noFill/>
+            </a:ln>
+            <a:effectLst/>
+          </p:spPr>
+          <p:style>
+            <a:lnRef idx="1">
+              <a:schemeClr val="accent1"/>
+            </a:lnRef>
+            <a:fillRef idx="3">
+              <a:schemeClr val="accent1"/>
+            </a:fillRef>
+            <a:effectRef idx="2">
+              <a:schemeClr val="accent1"/>
+            </a:effectRef>
+            <a:fontRef idx="minor">
+              <a:schemeClr val="lt1"/>
+            </a:fontRef>
+          </p:style>
+        </p:sp>
+        <p:sp>
+          <p:nvSpPr>
+            <p:cNvPr id="3097" name="Isosceles Triangle 3096">
+              <a:extLst>
+                <a:ext uri="{FF2B5EF4-FFF2-40B4-BE49-F238E27FC236}">
+                  <a16:creationId xmlns:a16="http://schemas.microsoft.com/office/drawing/2014/main" id="{9329D58C-0D2E-4A2B-AD6A-9CEE506784A8}"/>
+                </a:ext>
+                <a:ext uri="{C183D7F6-B498-43B3-948B-1728B52AA6E4}">
+                  <adec:decorative xmlns:adec="http://schemas.microsoft.com/office/drawing/2017/decorative" val="1"/>
+                </a:ext>
+              </a:extLst>
+            </p:cNvPr>
+            <p:cNvSpPr/>
+            <p:nvPr>
+              <p:extLst>
+                <p:ext uri="{386F3935-93C4-4BCD-93E2-E3B085C9AB24}">
+                  <p16:designElem xmlns:p16="http://schemas.microsoft.com/office/powerpoint/2015/main" val="1"/>
+                </p:ext>
+              </p:extLst>
+            </p:nvPr>
+          </p:nvSpPr>
+          <p:spPr>
+            <a:xfrm>
+              <a:off x="8932333" y="3048000"/>
+              <a:ext cx="3259667" cy="3810000"/>
+            </a:xfrm>
+            <a:prstGeom prst="triangle">
+              <a:avLst>
+                <a:gd name="adj" fmla="val 100000"/>
+              </a:avLst>
+            </a:prstGeom>
+            <a:solidFill>
+              <a:schemeClr val="accent2">
+                <a:alpha val="72000"/>
+              </a:schemeClr>
+            </a:solidFill>
+            <a:ln>
+              <a:noFill/>
+            </a:ln>
+            <a:effectLst/>
+          </p:spPr>
+          <p:style>
+            <a:lnRef idx="1">
+              <a:schemeClr val="accent1"/>
+            </a:lnRef>
+            <a:fillRef idx="3">
+              <a:schemeClr val="accent1"/>
+            </a:fillRef>
+            <a:effectRef idx="2">
+              <a:schemeClr val="accent1"/>
+            </a:effectRef>
+            <a:fontRef idx="minor">
+              <a:schemeClr val="lt1"/>
+            </a:fontRef>
+          </p:style>
+        </p:sp>
+        <p:sp>
+          <p:nvSpPr>
+            <p:cNvPr id="3098" name="Rectangle 27">
+              <a:extLst>
+                <a:ext uri="{FF2B5EF4-FFF2-40B4-BE49-F238E27FC236}">
+                  <a16:creationId xmlns:a16="http://schemas.microsoft.com/office/drawing/2014/main" id="{9D446EDE-C690-4461-8BF2-7634808FC8B4}"/>
+                </a:ext>
+                <a:ext uri="{C183D7F6-B498-43B3-948B-1728B52AA6E4}">
+                  <adec:decorative xmlns:adec="http://schemas.microsoft.com/office/drawing/2017/decorative" val="1"/>
+                </a:ext>
+              </a:extLst>
+            </p:cNvPr>
+            <p:cNvSpPr/>
+            <p:nvPr>
+              <p:extLst>
+                <p:ext uri="{386F3935-93C4-4BCD-93E2-E3B085C9AB24}">
+                  <p16:designElem xmlns:p16="http://schemas.microsoft.com/office/powerpoint/2015/main" val="1"/>
+                </p:ext>
+              </p:extLst>
+            </p:nvPr>
+          </p:nvSpPr>
+          <p:spPr>
+            <a:xfrm>
+              <a:off x="9334500" y="-8467"/>
+              <a:ext cx="2854326" cy="6866467"/>
+            </a:xfrm>
+            <a:custGeom>
+              <a:avLst/>
+              <a:gdLst/>
+              <a:ahLst/>
+              <a:cxnLst/>
+              <a:rect l="l" t="t" r="r" b="b"/>
+              <a:pathLst>
+                <a:path w="2858013" h="6866467">
+                  <a:moveTo>
+                    <a:pt x="0" y="0"/>
+                  </a:moveTo>
+                  <a:lnTo>
+                    <a:pt x="2858013" y="0"/>
+                  </a:lnTo>
+                  <a:lnTo>
+                    <a:pt x="2858013" y="6866467"/>
+                  </a:lnTo>
+                  <a:lnTo>
+                    <a:pt x="2473942" y="6866467"/>
+                  </a:lnTo>
+                  <a:lnTo>
+                    <a:pt x="0" y="0"/>
+                  </a:lnTo>
+                  <a:close/>
+                </a:path>
+              </a:pathLst>
+            </a:custGeom>
+            <a:solidFill>
+              <a:schemeClr val="accent2">
+                <a:lumMod val="75000"/>
+                <a:alpha val="70000"/>
+              </a:schemeClr>
+            </a:solidFill>
+            <a:ln>
+              <a:noFill/>
+            </a:ln>
+            <a:effectLst/>
+          </p:spPr>
+          <p:style>
+            <a:lnRef idx="1">
+              <a:schemeClr val="accent1"/>
+            </a:lnRef>
+            <a:fillRef idx="3">
+              <a:schemeClr val="accent1"/>
+            </a:fillRef>
+            <a:effectRef idx="2">
+              <a:schemeClr val="accent1"/>
+            </a:effectRef>
+            <a:fontRef idx="minor">
+              <a:schemeClr val="lt1"/>
+            </a:fontRef>
+          </p:style>
+        </p:sp>
+        <p:sp>
+          <p:nvSpPr>
+            <p:cNvPr id="3099" name="Rectangle 28">
+              <a:extLst>
+                <a:ext uri="{FF2B5EF4-FFF2-40B4-BE49-F238E27FC236}">
+                  <a16:creationId xmlns:a16="http://schemas.microsoft.com/office/drawing/2014/main" id="{323F3D34-6531-4AD7-A8C6-195A090281A1}"/>
+                </a:ext>
+                <a:ext uri="{C183D7F6-B498-43B3-948B-1728B52AA6E4}">
+                  <adec:decorative xmlns:adec="http://schemas.microsoft.com/office/drawing/2017/decorative" val="1"/>
+                </a:ext>
+              </a:extLst>
+            </p:cNvPr>
+            <p:cNvSpPr/>
+            <p:nvPr>
+              <p:extLst>
+                <p:ext uri="{386F3935-93C4-4BCD-93E2-E3B085C9AB24}">
+                  <p16:designElem xmlns:p16="http://schemas.microsoft.com/office/powerpoint/2015/main" val="1"/>
+                </p:ext>
+              </p:extLst>
+            </p:nvPr>
+          </p:nvSpPr>
+          <p:spPr>
+            <a:xfrm>
+              <a:off x="10898730" y="-8467"/>
+              <a:ext cx="1290094" cy="6866467"/>
+            </a:xfrm>
+            <a:custGeom>
+              <a:avLst/>
+              <a:gdLst/>
+              <a:ahLst/>
+              <a:cxnLst/>
+              <a:rect l="l" t="t" r="r" b="b"/>
+              <a:pathLst>
+                <a:path w="1290094" h="6858000">
+                  <a:moveTo>
+                    <a:pt x="1019735" y="0"/>
+                  </a:moveTo>
+                  <a:lnTo>
+                    <a:pt x="1290094" y="0"/>
+                  </a:lnTo>
+                  <a:lnTo>
+                    <a:pt x="1290094" y="6858000"/>
+                  </a:lnTo>
+                  <a:lnTo>
+                    <a:pt x="0" y="6858000"/>
+                  </a:lnTo>
+                  <a:lnTo>
+                    <a:pt x="1019735" y="0"/>
+                  </a:lnTo>
+                  <a:close/>
+                </a:path>
+              </a:pathLst>
+            </a:custGeom>
+            <a:solidFill>
+              <a:schemeClr val="accent1">
+                <a:lumMod val="60000"/>
+                <a:lumOff val="40000"/>
+                <a:alpha val="70000"/>
+              </a:schemeClr>
+            </a:solidFill>
+            <a:ln>
+              <a:noFill/>
+            </a:ln>
+            <a:effectLst/>
+          </p:spPr>
+          <p:style>
+            <a:lnRef idx="1">
+              <a:schemeClr val="accent1"/>
+            </a:lnRef>
+            <a:fillRef idx="3">
+              <a:schemeClr val="accent1"/>
+            </a:fillRef>
+            <a:effectRef idx="2">
+              <a:schemeClr val="accent1"/>
+            </a:effectRef>
+            <a:fontRef idx="minor">
+              <a:schemeClr val="lt1"/>
+            </a:fontRef>
+          </p:style>
+        </p:sp>
+        <p:sp>
+          <p:nvSpPr>
+            <p:cNvPr id="3100" name="Rectangle 29">
+              <a:extLst>
+                <a:ext uri="{FF2B5EF4-FFF2-40B4-BE49-F238E27FC236}">
+                  <a16:creationId xmlns:a16="http://schemas.microsoft.com/office/drawing/2014/main" id="{B9B0AE3F-2350-435F-A9B0-C310BF876385}"/>
+                </a:ext>
+                <a:ext uri="{C183D7F6-B498-43B3-948B-1728B52AA6E4}">
+                  <adec:decorative xmlns:adec="http://schemas.microsoft.com/office/drawing/2017/decorative" val="1"/>
+                </a:ext>
+              </a:extLst>
+            </p:cNvPr>
+            <p:cNvSpPr/>
+            <p:nvPr>
+              <p:extLst>
+                <p:ext uri="{386F3935-93C4-4BCD-93E2-E3B085C9AB24}">
+                  <p16:designElem xmlns:p16="http://schemas.microsoft.com/office/powerpoint/2015/main" val="1"/>
+                </p:ext>
+              </p:extLst>
+            </p:nvPr>
+          </p:nvSpPr>
+          <p:spPr>
+            <a:xfrm>
+              <a:off x="10938999" y="-8467"/>
+              <a:ext cx="1249825" cy="6866467"/>
+            </a:xfrm>
+            <a:custGeom>
+              <a:avLst/>
+              <a:gdLst/>
+              <a:ahLst/>
+              <a:cxnLst/>
+              <a:rect l="l" t="t" r="r" b="b"/>
+              <a:pathLst>
+                <a:path w="1249825" h="6858000">
+                  <a:moveTo>
+                    <a:pt x="0" y="0"/>
+                  </a:moveTo>
+                  <a:lnTo>
+                    <a:pt x="1249825" y="0"/>
+                  </a:lnTo>
+                  <a:lnTo>
+                    <a:pt x="1249825" y="6858000"/>
+                  </a:lnTo>
+                  <a:lnTo>
+                    <a:pt x="1109382" y="6858000"/>
+                  </a:lnTo>
+                  <a:lnTo>
+                    <a:pt x="0" y="0"/>
+                  </a:lnTo>
+                  <a:close/>
+                </a:path>
+              </a:pathLst>
+            </a:custGeom>
+            <a:solidFill>
+              <a:schemeClr val="accent1">
+                <a:alpha val="65000"/>
+              </a:schemeClr>
+            </a:solidFill>
+            <a:ln>
+              <a:noFill/>
+            </a:ln>
+            <a:effectLst/>
+          </p:spPr>
+          <p:style>
+            <a:lnRef idx="1">
+              <a:schemeClr val="accent1"/>
+            </a:lnRef>
+            <a:fillRef idx="3">
+              <a:schemeClr val="accent1"/>
+            </a:fillRef>
+            <a:effectRef idx="2">
+              <a:schemeClr val="accent1"/>
+            </a:effectRef>
+            <a:fontRef idx="minor">
+              <a:schemeClr val="lt1"/>
+            </a:fontRef>
+          </p:style>
+        </p:sp>
+        <p:sp>
+          <p:nvSpPr>
+            <p:cNvPr id="3101" name="Isosceles Triangle 3100">
+              <a:extLst>
+                <a:ext uri="{FF2B5EF4-FFF2-40B4-BE49-F238E27FC236}">
+                  <a16:creationId xmlns:a16="http://schemas.microsoft.com/office/drawing/2014/main" id="{4EFA655C-9E50-4C14-A89E-AD7B648E4E2B}"/>
+                </a:ext>
+                <a:ext uri="{C183D7F6-B498-43B3-948B-1728B52AA6E4}">
+                  <adec:decorative xmlns:adec="http://schemas.microsoft.com/office/drawing/2017/decorative" val="1"/>
+                </a:ext>
+              </a:extLst>
+            </p:cNvPr>
+            <p:cNvSpPr/>
+            <p:nvPr>
+              <p:extLst>
+                <p:ext uri="{386F3935-93C4-4BCD-93E2-E3B085C9AB24}">
+                  <p16:designElem xmlns:p16="http://schemas.microsoft.com/office/powerpoint/2015/main" val="1"/>
+                </p:ext>
+              </p:extLst>
+            </p:nvPr>
+          </p:nvSpPr>
+          <p:spPr>
+            <a:xfrm>
+              <a:off x="10371666" y="3589867"/>
+              <a:ext cx="1817159" cy="3268133"/>
+            </a:xfrm>
+            <a:prstGeom prst="triangle">
+              <a:avLst>
+                <a:gd name="adj" fmla="val 100000"/>
+              </a:avLst>
+            </a:prstGeom>
+            <a:solidFill>
+              <a:schemeClr val="accent1">
+                <a:alpha val="80000"/>
+              </a:schemeClr>
+            </a:solidFill>
+            <a:ln>
+              <a:noFill/>
+            </a:ln>
+            <a:effectLst/>
+          </p:spPr>
+          <p:style>
+            <a:lnRef idx="1">
+              <a:schemeClr val="accent1"/>
+            </a:lnRef>
+            <a:fillRef idx="3">
+              <a:schemeClr val="accent1"/>
+            </a:fillRef>
+            <a:effectRef idx="2">
+              <a:schemeClr val="accent1"/>
+            </a:effectRef>
+            <a:fontRef idx="minor">
+              <a:schemeClr val="lt1"/>
+            </a:fontRef>
+          </p:style>
+        </p:sp>
+        <p:sp>
+          <p:nvSpPr>
+            <p:cNvPr id="3102" name="Isosceles Triangle 3101">
+              <a:extLst>
+                <a:ext uri="{FF2B5EF4-FFF2-40B4-BE49-F238E27FC236}">
+                  <a16:creationId xmlns:a16="http://schemas.microsoft.com/office/drawing/2014/main" id="{3E843863-7D25-4C01-9A17-E817CB6D998A}"/>
+                </a:ext>
+                <a:ext uri="{C183D7F6-B498-43B3-948B-1728B52AA6E4}">
+                  <adec:decorative xmlns:adec="http://schemas.microsoft.com/office/drawing/2017/decorative" val="1"/>
+                </a:ext>
+              </a:extLst>
+            </p:cNvPr>
+            <p:cNvSpPr/>
+            <p:nvPr>
+              <p:extLst>
+                <p:ext uri="{386F3935-93C4-4BCD-93E2-E3B085C9AB24}">
+                  <p16:designElem xmlns:p16="http://schemas.microsoft.com/office/powerpoint/2015/main" val="1"/>
+                </p:ext>
+              </p:extLst>
+            </p:nvPr>
+          </p:nvSpPr>
+          <p:spPr>
+            <a:xfrm>
+              <a:off x="0" y="4013200"/>
+              <a:ext cx="448733" cy="2844800"/>
+            </a:xfrm>
+            <a:prstGeom prst="triangle">
+              <a:avLst>
+                <a:gd name="adj" fmla="val 0"/>
+              </a:avLst>
+            </a:prstGeom>
+            <a:solidFill>
+              <a:schemeClr val="accent1">
+                <a:alpha val="85000"/>
+              </a:schemeClr>
+            </a:solidFill>
+            <a:ln>
+              <a:noFill/>
+            </a:ln>
+            <a:effectLst/>
+          </p:spPr>
+          <p:style>
+            <a:lnRef idx="1">
+              <a:schemeClr val="accent1"/>
+            </a:lnRef>
+            <a:fillRef idx="3">
+              <a:schemeClr val="accent1"/>
+            </a:fillRef>
+            <a:effectRef idx="2">
+              <a:schemeClr val="accent1"/>
+            </a:effectRef>
+            <a:fontRef idx="minor">
+              <a:schemeClr val="lt1"/>
+            </a:fontRef>
+          </p:style>
+        </p:sp>
+      </p:grpSp>
+      <p:sp>
+        <p:nvSpPr>
+          <p:cNvPr id="3104" name="Rectangle 3103">
+            <a:extLst>
+              <a:ext uri="{FF2B5EF4-FFF2-40B4-BE49-F238E27FC236}">
+                <a16:creationId xmlns:a16="http://schemas.microsoft.com/office/drawing/2014/main" id="{7941F9B1-B01B-4A84-89D9-B169AEB4E456}"/>
+              </a:ext>
+              <a:ext uri="{C183D7F6-B498-43B3-948B-1728B52AA6E4}">
+                <adec:decorative xmlns:adec="http://schemas.microsoft.com/office/drawing/2017/decorative" val="1"/>
+              </a:ext>
+            </a:extLst>
+          </p:cNvPr>
+          <p:cNvSpPr>
+            <a:spLocks noGrp="1" noRot="1" noChangeAspect="1" noMove="1" noResize="1" noEditPoints="1" noAdjustHandles="1" noChangeArrowheads="1" noChangeShapeType="1" noTextEdit="1"/>
+          </p:cNvSpPr>
+          <p:nvPr>
+            <p:extLst>
+              <p:ext uri="{386F3935-93C4-4BCD-93E2-E3B085C9AB24}">
+                <p16:designElem xmlns:p16="http://schemas.microsoft.com/office/powerpoint/2015/main" val="1"/>
+              </p:ext>
+            </p:extLst>
+          </p:nvPr>
+        </p:nvSpPr>
+        <p:spPr>
+          <a:xfrm>
+            <a:off x="477012" y="480060"/>
+            <a:ext cx="11237976" cy="5897880"/>
+          </a:xfrm>
+          <a:prstGeom prst="rect">
+            <a:avLst/>
+          </a:prstGeom>
+          <a:solidFill>
+            <a:srgbClr val="FFFFFF"/>
+          </a:solidFill>
+          <a:ln w="9525">
+            <a:noFill/>
+          </a:ln>
+          <a:effectLst>
+            <a:outerShdw blurRad="63500" dist="17780" dir="5400000" algn="t" rotWithShape="0">
+              <a:prstClr val="black">
+                <a:alpha val="43000"/>
+              </a:prstClr>
+            </a:outerShdw>
+          </a:effectLst>
+        </p:spPr>
+        <p:style>
+          <a:lnRef idx="2">
+            <a:schemeClr val="accent1">
+              <a:shade val="50000"/>
+            </a:schemeClr>
+          </a:lnRef>
+          <a:fillRef idx="1">
+            <a:schemeClr val="accent1"/>
+          </a:fillRef>
+          <a:effectRef idx="0">
+            <a:schemeClr val="accent1"/>
+          </a:effectRef>
+          <a:fontRef idx="minor">
+            <a:schemeClr val="lt1"/>
+          </a:fontRef>
+        </p:style>
+        <p:txBody>
+          <a:bodyPr rtlCol="0" anchor="ctr"/>
+          <a:lstStyle/>
+          <a:p>
+            <a:pPr algn="ctr"/>
+            <a:endParaRPr lang="en-US"/>
+          </a:p>
+        </p:txBody>
+      </p:sp>
+      <p:pic>
+        <p:nvPicPr>
+          <p:cNvPr id="3074" name="Picture 2" descr="Spring Boot Security 가이드 1편 | SK(주) C&amp;C's TECH BLOG">
+            <a:extLst>
+              <a:ext uri="{FF2B5EF4-FFF2-40B4-BE49-F238E27FC236}">
+                <a16:creationId xmlns:a16="http://schemas.microsoft.com/office/drawing/2014/main" id="{4EC0CB2D-12B0-6E76-AFAC-BF63FE056083}"/>
+              </a:ext>
+            </a:extLst>
+          </p:cNvPr>
+          <p:cNvPicPr>
+            <a:picLocks noGrp="1" noChangeAspect="1" noChangeArrowheads="1"/>
+          </p:cNvPicPr>
+          <p:nvPr>
+            <p:ph idx="1"/>
+          </p:nvPr>
+        </p:nvPicPr>
+        <p:blipFill>
+          <a:blip r:embed="rId2">
+            <a:extLst>
+              <a:ext uri="{28A0092B-C50C-407E-A947-70E740481C1C}">
+                <a14:useLocalDpi xmlns:a14="http://schemas.microsoft.com/office/drawing/2010/main" val="0"/>
+              </a:ext>
+            </a:extLst>
+          </a:blip>
+          <a:stretch>
+            <a:fillRect/>
+          </a:stretch>
+        </p:blipFill>
+        <p:spPr bwMode="auto">
+          <a:xfrm>
+            <a:off x="2524653" y="1131994"/>
+            <a:ext cx="7144570" cy="4590386"/>
+          </a:xfrm>
+          <a:prstGeom prst="rect">
+            <a:avLst/>
+          </a:prstGeom>
+          <a:noFill/>
+          <a:extLst>
+            <a:ext uri="{909E8E84-426E-40DD-AFC4-6F175D3DCCD1}">
+              <a14:hiddenFill xmlns:a14="http://schemas.microsoft.com/office/drawing/2010/main">
+                <a:solidFill>
+                  <a:srgbClr val="FFFFFF"/>
+                </a:solidFill>
+              </a14:hiddenFill>
+            </a:ext>
+          </a:extLst>
+        </p:spPr>
+      </p:pic>
+    </p:spTree>
+    <p:extLst>
+      <p:ext uri="{BB962C8B-B14F-4D97-AF65-F5344CB8AC3E}">
+        <p14:creationId xmlns:p14="http://schemas.microsoft.com/office/powerpoint/2010/main" val="4068249798"/>
+      </p:ext>
+    </p:extLst>
+  </p:cSld>
+  <p:clrMapOvr>
+    <a:masterClrMapping/>
+  </p:clrMapOvr>
 </p:sld>
 </file>
 

--- a/Day 8/slide/Spring Boot Security.pptx
+++ b/Day 8/slide/Spring Boot Security.pptx
@@ -12,15 +12,17 @@
     <p:sldId id="260" r:id="rId6"/>
     <p:sldId id="261" r:id="rId7"/>
     <p:sldId id="265" r:id="rId8"/>
-    <p:sldId id="263" r:id="rId9"/>
-    <p:sldId id="264" r:id="rId10"/>
-    <p:sldId id="266" r:id="rId11"/>
-    <p:sldId id="267" r:id="rId12"/>
-    <p:sldId id="268" r:id="rId13"/>
-    <p:sldId id="270" r:id="rId14"/>
-    <p:sldId id="271" r:id="rId15"/>
-    <p:sldId id="269" r:id="rId16"/>
-    <p:sldId id="262" r:id="rId17"/>
+    <p:sldId id="273" r:id="rId9"/>
+    <p:sldId id="263" r:id="rId10"/>
+    <p:sldId id="264" r:id="rId11"/>
+    <p:sldId id="272" r:id="rId12"/>
+    <p:sldId id="266" r:id="rId13"/>
+    <p:sldId id="267" r:id="rId14"/>
+    <p:sldId id="268" r:id="rId15"/>
+    <p:sldId id="270" r:id="rId16"/>
+    <p:sldId id="271" r:id="rId17"/>
+    <p:sldId id="269" r:id="rId18"/>
+    <p:sldId id="262" r:id="rId19"/>
   </p:sldIdLst>
   <p:sldSz cx="12192000" cy="6858000"/>
   <p:notesSz cx="6858000" cy="9144000"/>
@@ -850,7 +852,7 @@
             <a:fld id="{B61BEF0D-F0BB-DE4B-95CE-6DB70DBA9567}" type="datetimeFigureOut">
               <a:rPr lang="en-US" dirty="0"/>
               <a:pPr/>
-              <a:t>7/10/23</a:t>
+              <a:t>7/19/23</a:t>
             </a:fld>
             <a:endParaRPr lang="en-US" dirty="0"/>
           </a:p>
@@ -1098,7 +1100,7 @@
             <a:fld id="{B61BEF0D-F0BB-DE4B-95CE-6DB70DBA9567}" type="datetimeFigureOut">
               <a:rPr lang="en-US" dirty="0"/>
               <a:pPr/>
-              <a:t>7/10/23</a:t>
+              <a:t>7/19/23</a:t>
             </a:fld>
             <a:endParaRPr lang="en-US" dirty="0"/>
           </a:p>
@@ -1409,7 +1411,7 @@
             <a:fld id="{B61BEF0D-F0BB-DE4B-95CE-6DB70DBA9567}" type="datetimeFigureOut">
               <a:rPr lang="en-US" dirty="0"/>
               <a:pPr/>
-              <a:t>7/10/23</a:t>
+              <a:t>7/19/23</a:t>
             </a:fld>
             <a:endParaRPr lang="en-US" dirty="0"/>
           </a:p>
@@ -1747,7 +1749,7 @@
             <a:fld id="{B61BEF0D-F0BB-DE4B-95CE-6DB70DBA9567}" type="datetimeFigureOut">
               <a:rPr lang="en-US" dirty="0"/>
               <a:pPr/>
-              <a:t>7/10/23</a:t>
+              <a:t>7/19/23</a:t>
             </a:fld>
             <a:endParaRPr lang="en-US" dirty="0"/>
           </a:p>
@@ -2058,7 +2060,7 @@
             <a:fld id="{B61BEF0D-F0BB-DE4B-95CE-6DB70DBA9567}" type="datetimeFigureOut">
               <a:rPr lang="en-US" dirty="0"/>
               <a:pPr/>
-              <a:t>7/10/23</a:t>
+              <a:t>7/19/23</a:t>
             </a:fld>
             <a:endParaRPr lang="en-US" dirty="0"/>
           </a:p>
@@ -2448,7 +2450,7 @@
             <a:fld id="{B61BEF0D-F0BB-DE4B-95CE-6DB70DBA9567}" type="datetimeFigureOut">
               <a:rPr lang="en-US" dirty="0"/>
               <a:pPr/>
-              <a:t>7/10/23</a:t>
+              <a:t>7/19/23</a:t>
             </a:fld>
             <a:endParaRPr lang="en-US" dirty="0"/>
           </a:p>
@@ -2614,7 +2616,7 @@
           <a:p>
             <a:fld id="{55C6B4A9-1611-4792-9094-5F34BCA07E0B}" type="datetimeFigureOut">
               <a:rPr lang="en-US" dirty="0"/>
-              <a:t>7/10/23</a:t>
+              <a:t>7/19/23</a:t>
             </a:fld>
             <a:endParaRPr lang="en-US" dirty="0"/>
           </a:p>
@@ -2790,7 +2792,7 @@
             <a:fld id="{B61BEF0D-F0BB-DE4B-95CE-6DB70DBA9567}" type="datetimeFigureOut">
               <a:rPr lang="en-US" dirty="0"/>
               <a:pPr/>
-              <a:t>7/10/23</a:t>
+              <a:t>7/19/23</a:t>
             </a:fld>
             <a:endParaRPr lang="en-US" dirty="0"/>
           </a:p>
@@ -2963,7 +2965,7 @@
             <a:fld id="{B61BEF0D-F0BB-DE4B-95CE-6DB70DBA9567}" type="datetimeFigureOut">
               <a:rPr lang="en-US" dirty="0"/>
               <a:pPr/>
-              <a:t>7/10/23</a:t>
+              <a:t>7/19/23</a:t>
             </a:fld>
             <a:endParaRPr lang="en-US" dirty="0"/>
           </a:p>
@@ -3207,7 +3209,7 @@
             <a:fld id="{B61BEF0D-F0BB-DE4B-95CE-6DB70DBA9567}" type="datetimeFigureOut">
               <a:rPr lang="en-US" dirty="0"/>
               <a:pPr/>
-              <a:t>7/10/23</a:t>
+              <a:t>7/19/23</a:t>
             </a:fld>
             <a:endParaRPr lang="en-US" dirty="0"/>
           </a:p>
@@ -3435,7 +3437,7 @@
           <a:p>
             <a:fld id="{EB712588-04B1-427B-82EE-E8DB90309F08}" type="datetimeFigureOut">
               <a:rPr lang="en-US" dirty="0"/>
-              <a:t>7/10/23</a:t>
+              <a:t>7/19/23</a:t>
             </a:fld>
             <a:endParaRPr lang="en-US" dirty="0"/>
           </a:p>
@@ -3805,7 +3807,7 @@
             <a:fld id="{B61BEF0D-F0BB-DE4B-95CE-6DB70DBA9567}" type="datetimeFigureOut">
               <a:rPr lang="en-US" dirty="0"/>
               <a:pPr/>
-              <a:t>7/10/23</a:t>
+              <a:t>7/19/23</a:t>
             </a:fld>
             <a:endParaRPr lang="en-US" dirty="0"/>
           </a:p>
@@ -3925,7 +3927,7 @@
             <a:fld id="{B61BEF0D-F0BB-DE4B-95CE-6DB70DBA9567}" type="datetimeFigureOut">
               <a:rPr lang="en-US" dirty="0"/>
               <a:pPr/>
-              <a:t>7/10/23</a:t>
+              <a:t>7/19/23</a:t>
             </a:fld>
             <a:endParaRPr lang="en-US" dirty="0"/>
           </a:p>
@@ -4017,7 +4019,7 @@
             <a:fld id="{B61BEF0D-F0BB-DE4B-95CE-6DB70DBA9567}" type="datetimeFigureOut">
               <a:rPr lang="en-US" dirty="0"/>
               <a:pPr/>
-              <a:t>7/10/23</a:t>
+              <a:t>7/19/23</a:t>
             </a:fld>
             <a:endParaRPr lang="en-US" dirty="0"/>
           </a:p>
@@ -4268,7 +4270,7 @@
           <a:p>
             <a:fld id="{42A54C80-263E-416B-A8E0-580EDEADCBDC}" type="datetimeFigureOut">
               <a:rPr lang="en-US" dirty="0"/>
-              <a:t>7/10/23</a:t>
+              <a:t>7/19/23</a:t>
             </a:fld>
             <a:endParaRPr lang="en-US" dirty="0"/>
           </a:p>
@@ -4527,7 +4529,7 @@
             <a:fld id="{B61BEF0D-F0BB-DE4B-95CE-6DB70DBA9567}" type="datetimeFigureOut">
               <a:rPr lang="en-US" dirty="0"/>
               <a:pPr/>
-              <a:t>7/10/23</a:t>
+              <a:t>7/19/23</a:t>
             </a:fld>
             <a:endParaRPr lang="en-US" dirty="0"/>
           </a:p>
@@ -5267,7 +5269,7 @@
             <a:fld id="{B61BEF0D-F0BB-DE4B-95CE-6DB70DBA9567}" type="datetimeFigureOut">
               <a:rPr lang="en-US" dirty="0"/>
               <a:pPr/>
-              <a:t>7/10/23</a:t>
+              <a:t>7/19/23</a:t>
             </a:fld>
             <a:endParaRPr lang="en-US" dirty="0"/>
           </a:p>
@@ -5910,6 +5912,1219 @@
           <a:lstStyle/>
           <a:p>
             <a:r>
+              <a:rPr lang="it-IT"/>
+              <a:t>Componente essenziali</a:t>
+            </a:r>
+            <a:endParaRPr lang="it-IT" dirty="0"/>
+          </a:p>
+        </p:txBody>
+      </p:sp>
+      <p:sp>
+        <p:nvSpPr>
+          <p:cNvPr id="9" name="Content Placeholder 8">
+            <a:extLst>
+              <a:ext uri="{FF2B5EF4-FFF2-40B4-BE49-F238E27FC236}">
+                <a16:creationId xmlns:a16="http://schemas.microsoft.com/office/drawing/2014/main" id="{AA574F33-4E42-BA3C-B9F2-576C7D41321C}"/>
+              </a:ext>
+            </a:extLst>
+          </p:cNvPr>
+          <p:cNvSpPr>
+            <a:spLocks noGrp="1"/>
+          </p:cNvSpPr>
+          <p:nvPr>
+            <p:ph idx="1"/>
+          </p:nvPr>
+        </p:nvSpPr>
+        <p:spPr>
+          <a:xfrm>
+            <a:off x="685167" y="2160589"/>
+            <a:ext cx="3720916" cy="3560733"/>
+          </a:xfrm>
+        </p:spPr>
+        <p:txBody>
+          <a:bodyPr>
+            <a:normAutofit/>
+          </a:bodyPr>
+          <a:lstStyle/>
+          <a:p>
+            <a:r>
+              <a:rPr lang="en-US"/>
+              <a:t>Configurazione essenziale</a:t>
+            </a:r>
+            <a:endParaRPr lang="en-US" dirty="0"/>
+          </a:p>
+        </p:txBody>
+      </p:sp>
+      <p:pic>
+        <p:nvPicPr>
+          <p:cNvPr id="5" name="Segnaposto contenuto 4" descr="Immagine che contiene testo, schermata, software&#10;&#10;Descrizione generata automaticamente">
+            <a:extLst>
+              <a:ext uri="{FF2B5EF4-FFF2-40B4-BE49-F238E27FC236}">
+                <a16:creationId xmlns:a16="http://schemas.microsoft.com/office/drawing/2014/main" id="{EB4CAE0F-ED79-72A2-3A7E-C46C78EDDDF2}"/>
+              </a:ext>
+            </a:extLst>
+          </p:cNvPr>
+          <p:cNvPicPr>
+            <a:picLocks noChangeAspect="1"/>
+          </p:cNvPicPr>
+          <p:nvPr/>
+        </p:nvPicPr>
+        <p:blipFill>
+          <a:blip r:embed="rId2"/>
+          <a:stretch>
+            <a:fillRect/>
+          </a:stretch>
+        </p:blipFill>
+        <p:spPr>
+          <a:xfrm>
+            <a:off x="4786147" y="632145"/>
+            <a:ext cx="4338522" cy="5089178"/>
+          </a:xfrm>
+          <a:prstGeom prst="rect">
+            <a:avLst/>
+          </a:prstGeom>
+        </p:spPr>
+      </p:pic>
+    </p:spTree>
+    <p:extLst>
+      <p:ext uri="{BB962C8B-B14F-4D97-AF65-F5344CB8AC3E}">
+        <p14:creationId xmlns:p14="http://schemas.microsoft.com/office/powerpoint/2010/main" val="1920804738"/>
+      </p:ext>
+    </p:extLst>
+  </p:cSld>
+  <p:clrMapOvr>
+    <a:masterClrMapping/>
+  </p:clrMapOvr>
+</p:sld>
+</file>
+
+<file path=ppt/slides/slide11.xml><?xml version="1.0" encoding="utf-8"?>
+<p:sld xmlns:a="http://schemas.openxmlformats.org/drawingml/2006/main" xmlns:r="http://schemas.openxmlformats.org/officeDocument/2006/relationships" xmlns:p="http://schemas.openxmlformats.org/presentationml/2006/main">
+  <p:cSld>
+    <p:bg>
+      <p:bgPr>
+        <a:solidFill>
+          <a:schemeClr val="bg2"/>
+        </a:solidFill>
+        <a:effectLst/>
+      </p:bgPr>
+    </p:bg>
+    <p:spTree>
+      <p:nvGrpSpPr>
+        <p:cNvPr id="1" name=""/>
+        <p:cNvGrpSpPr/>
+        <p:nvPr/>
+      </p:nvGrpSpPr>
+      <p:grpSpPr>
+        <a:xfrm>
+          <a:off x="0" y="0"/>
+          <a:ext cx="0" cy="0"/>
+          <a:chOff x="0" y="0"/>
+          <a:chExt cx="0" cy="0"/>
+        </a:xfrm>
+      </p:grpSpPr>
+      <p:grpSp>
+        <p:nvGrpSpPr>
+          <p:cNvPr id="3079" name="Group 3078">
+            <a:extLst>
+              <a:ext uri="{FF2B5EF4-FFF2-40B4-BE49-F238E27FC236}">
+                <a16:creationId xmlns:a16="http://schemas.microsoft.com/office/drawing/2014/main" id="{5EA39187-0197-4C1D-BE4A-06B353C7B215}"/>
+              </a:ext>
+              <a:ext uri="{C183D7F6-B498-43B3-948B-1728B52AA6E4}">
+                <adec:decorative xmlns:adec="http://schemas.microsoft.com/office/drawing/2017/decorative" val="1"/>
+              </a:ext>
+            </a:extLst>
+          </p:cNvPr>
+          <p:cNvGrpSpPr>
+            <a:grpSpLocks noGrp="1" noUngrp="1" noRot="1" noChangeAspect="1" noMove="1" noResize="1"/>
+          </p:cNvGrpSpPr>
+          <p:nvPr>
+            <p:extLst>
+              <p:ext uri="{386F3935-93C4-4BCD-93E2-E3B085C9AB24}">
+                <p16:designElem xmlns:p16="http://schemas.microsoft.com/office/powerpoint/2015/main" val="1"/>
+              </p:ext>
+            </p:extLst>
+          </p:nvPr>
+        </p:nvGrpSpPr>
+        <p:grpSpPr>
+          <a:xfrm>
+            <a:off x="0" y="-8467"/>
+            <a:ext cx="12192000" cy="6866467"/>
+            <a:chOff x="0" y="-8467"/>
+            <a:chExt cx="12192000" cy="6866467"/>
+          </a:xfrm>
+        </p:grpSpPr>
+        <p:cxnSp>
+          <p:nvCxnSpPr>
+            <p:cNvPr id="3080" name="Straight Connector 3079">
+              <a:extLst>
+                <a:ext uri="{FF2B5EF4-FFF2-40B4-BE49-F238E27FC236}">
+                  <a16:creationId xmlns:a16="http://schemas.microsoft.com/office/drawing/2014/main" id="{9E0FD730-D6BC-440A-89CF-7AA0C22C2F28}"/>
+                </a:ext>
+                <a:ext uri="{C183D7F6-B498-43B3-948B-1728B52AA6E4}">
+                  <adec:decorative xmlns:adec="http://schemas.microsoft.com/office/drawing/2017/decorative" val="1"/>
+                </a:ext>
+              </a:extLst>
+            </p:cNvPr>
+            <p:cNvCxnSpPr/>
+            <p:nvPr>
+              <p:extLst>
+                <p:ext uri="{386F3935-93C4-4BCD-93E2-E3B085C9AB24}">
+                  <p16:designElem xmlns:p16="http://schemas.microsoft.com/office/powerpoint/2015/main" val="1"/>
+                </p:ext>
+              </p:extLst>
+            </p:nvPr>
+          </p:nvCxnSpPr>
+          <p:spPr>
+            <a:xfrm>
+              <a:off x="9371012" y="0"/>
+              <a:ext cx="1219200" cy="6858000"/>
+            </a:xfrm>
+            <a:prstGeom prst="line">
+              <a:avLst/>
+            </a:prstGeom>
+            <a:ln w="9525">
+              <a:solidFill>
+                <a:schemeClr val="bg1">
+                  <a:lumMod val="75000"/>
+                </a:schemeClr>
+              </a:solidFill>
+            </a:ln>
+          </p:spPr>
+          <p:style>
+            <a:lnRef idx="2">
+              <a:schemeClr val="accent1"/>
+            </a:lnRef>
+            <a:fillRef idx="0">
+              <a:schemeClr val="accent1"/>
+            </a:fillRef>
+            <a:effectRef idx="1">
+              <a:schemeClr val="accent1"/>
+            </a:effectRef>
+            <a:fontRef idx="minor">
+              <a:schemeClr val="tx1"/>
+            </a:fontRef>
+          </p:style>
+        </p:cxnSp>
+        <p:cxnSp>
+          <p:nvCxnSpPr>
+            <p:cNvPr id="3081" name="Straight Connector 3080">
+              <a:extLst>
+                <a:ext uri="{FF2B5EF4-FFF2-40B4-BE49-F238E27FC236}">
+                  <a16:creationId xmlns:a16="http://schemas.microsoft.com/office/drawing/2014/main" id="{31382DE6-64CB-4577-89E8-47941290A9DB}"/>
+                </a:ext>
+                <a:ext uri="{C183D7F6-B498-43B3-948B-1728B52AA6E4}">
+                  <adec:decorative xmlns:adec="http://schemas.microsoft.com/office/drawing/2017/decorative" val="1"/>
+                </a:ext>
+              </a:extLst>
+            </p:cNvPr>
+            <p:cNvCxnSpPr/>
+            <p:nvPr>
+              <p:extLst>
+                <p:ext uri="{386F3935-93C4-4BCD-93E2-E3B085C9AB24}">
+                  <p16:designElem xmlns:p16="http://schemas.microsoft.com/office/powerpoint/2015/main" val="1"/>
+                </p:ext>
+              </p:extLst>
+            </p:nvPr>
+          </p:nvCxnSpPr>
+          <p:spPr>
+            <a:xfrm flipH="1">
+              <a:off x="7425267" y="3681413"/>
+              <a:ext cx="4763558" cy="3176587"/>
+            </a:xfrm>
+            <a:prstGeom prst="line">
+              <a:avLst/>
+            </a:prstGeom>
+            <a:ln w="9525">
+              <a:solidFill>
+                <a:schemeClr val="bg1">
+                  <a:lumMod val="85000"/>
+                </a:schemeClr>
+              </a:solidFill>
+            </a:ln>
+          </p:spPr>
+          <p:style>
+            <a:lnRef idx="2">
+              <a:schemeClr val="accent1"/>
+            </a:lnRef>
+            <a:fillRef idx="0">
+              <a:schemeClr val="accent1"/>
+            </a:fillRef>
+            <a:effectRef idx="1">
+              <a:schemeClr val="accent1"/>
+            </a:effectRef>
+            <a:fontRef idx="minor">
+              <a:schemeClr val="tx1"/>
+            </a:fontRef>
+          </p:style>
+        </p:cxnSp>
+        <p:sp>
+          <p:nvSpPr>
+            <p:cNvPr id="3082" name="Rectangle 23">
+              <a:extLst>
+                <a:ext uri="{FF2B5EF4-FFF2-40B4-BE49-F238E27FC236}">
+                  <a16:creationId xmlns:a16="http://schemas.microsoft.com/office/drawing/2014/main" id="{3ABD17EF-A676-4770-A8C8-E83BA0230007}"/>
+                </a:ext>
+                <a:ext uri="{C183D7F6-B498-43B3-948B-1728B52AA6E4}">
+                  <adec:decorative xmlns:adec="http://schemas.microsoft.com/office/drawing/2017/decorative" val="1"/>
+                </a:ext>
+              </a:extLst>
+            </p:cNvPr>
+            <p:cNvSpPr/>
+            <p:nvPr>
+              <p:extLst>
+                <p:ext uri="{386F3935-93C4-4BCD-93E2-E3B085C9AB24}">
+                  <p16:designElem xmlns:p16="http://schemas.microsoft.com/office/powerpoint/2015/main" val="1"/>
+                </p:ext>
+              </p:extLst>
+            </p:nvPr>
+          </p:nvSpPr>
+          <p:spPr>
+            <a:xfrm>
+              <a:off x="9181476" y="-8467"/>
+              <a:ext cx="3007349" cy="6866467"/>
+            </a:xfrm>
+            <a:custGeom>
+              <a:avLst/>
+              <a:gdLst/>
+              <a:ahLst/>
+              <a:cxnLst/>
+              <a:rect l="l" t="t" r="r" b="b"/>
+              <a:pathLst>
+                <a:path w="3007349" h="6866467">
+                  <a:moveTo>
+                    <a:pt x="2045532" y="0"/>
+                  </a:moveTo>
+                  <a:lnTo>
+                    <a:pt x="3007349" y="0"/>
+                  </a:lnTo>
+                  <a:lnTo>
+                    <a:pt x="3007349" y="6866467"/>
+                  </a:lnTo>
+                  <a:lnTo>
+                    <a:pt x="0" y="6866467"/>
+                  </a:lnTo>
+                  <a:lnTo>
+                    <a:pt x="2045532" y="0"/>
+                  </a:lnTo>
+                  <a:close/>
+                </a:path>
+              </a:pathLst>
+            </a:custGeom>
+            <a:solidFill>
+              <a:schemeClr val="accent1">
+                <a:alpha val="30000"/>
+              </a:schemeClr>
+            </a:solidFill>
+            <a:ln>
+              <a:noFill/>
+            </a:ln>
+            <a:effectLst/>
+          </p:spPr>
+          <p:style>
+            <a:lnRef idx="1">
+              <a:schemeClr val="accent1"/>
+            </a:lnRef>
+            <a:fillRef idx="3">
+              <a:schemeClr val="accent1"/>
+            </a:fillRef>
+            <a:effectRef idx="2">
+              <a:schemeClr val="accent1"/>
+            </a:effectRef>
+            <a:fontRef idx="minor">
+              <a:schemeClr val="lt1"/>
+            </a:fontRef>
+          </p:style>
+        </p:sp>
+        <p:sp>
+          <p:nvSpPr>
+            <p:cNvPr id="3083" name="Rectangle 25">
+              <a:extLst>
+                <a:ext uri="{FF2B5EF4-FFF2-40B4-BE49-F238E27FC236}">
+                  <a16:creationId xmlns:a16="http://schemas.microsoft.com/office/drawing/2014/main" id="{380D4582-A9DE-4A6E-8537-EFC4F860C3B7}"/>
+                </a:ext>
+                <a:ext uri="{C183D7F6-B498-43B3-948B-1728B52AA6E4}">
+                  <adec:decorative xmlns:adec="http://schemas.microsoft.com/office/drawing/2017/decorative" val="1"/>
+                </a:ext>
+              </a:extLst>
+            </p:cNvPr>
+            <p:cNvSpPr/>
+            <p:nvPr>
+              <p:extLst>
+                <p:ext uri="{386F3935-93C4-4BCD-93E2-E3B085C9AB24}">
+                  <p16:designElem xmlns:p16="http://schemas.microsoft.com/office/powerpoint/2015/main" val="1"/>
+                </p:ext>
+              </p:extLst>
+            </p:nvPr>
+          </p:nvSpPr>
+          <p:spPr>
+            <a:xfrm>
+              <a:off x="9603442" y="-8467"/>
+              <a:ext cx="2588558" cy="6866467"/>
+            </a:xfrm>
+            <a:custGeom>
+              <a:avLst/>
+              <a:gdLst/>
+              <a:ahLst/>
+              <a:cxnLst/>
+              <a:rect l="l" t="t" r="r" b="b"/>
+              <a:pathLst>
+                <a:path w="2573311" h="6866467">
+                  <a:moveTo>
+                    <a:pt x="0" y="0"/>
+                  </a:moveTo>
+                  <a:lnTo>
+                    <a:pt x="2573311" y="0"/>
+                  </a:lnTo>
+                  <a:lnTo>
+                    <a:pt x="2573311" y="6866467"/>
+                  </a:lnTo>
+                  <a:lnTo>
+                    <a:pt x="1202336" y="6866467"/>
+                  </a:lnTo>
+                  <a:lnTo>
+                    <a:pt x="0" y="0"/>
+                  </a:lnTo>
+                  <a:close/>
+                </a:path>
+              </a:pathLst>
+            </a:custGeom>
+            <a:solidFill>
+              <a:schemeClr val="accent1">
+                <a:alpha val="20000"/>
+              </a:schemeClr>
+            </a:solidFill>
+            <a:ln>
+              <a:noFill/>
+            </a:ln>
+            <a:effectLst/>
+          </p:spPr>
+          <p:style>
+            <a:lnRef idx="1">
+              <a:schemeClr val="accent1"/>
+            </a:lnRef>
+            <a:fillRef idx="3">
+              <a:schemeClr val="accent1"/>
+            </a:fillRef>
+            <a:effectRef idx="2">
+              <a:schemeClr val="accent1"/>
+            </a:effectRef>
+            <a:fontRef idx="minor">
+              <a:schemeClr val="lt1"/>
+            </a:fontRef>
+          </p:style>
+        </p:sp>
+        <p:sp>
+          <p:nvSpPr>
+            <p:cNvPr id="3084" name="Isosceles Triangle 3083">
+              <a:extLst>
+                <a:ext uri="{FF2B5EF4-FFF2-40B4-BE49-F238E27FC236}">
+                  <a16:creationId xmlns:a16="http://schemas.microsoft.com/office/drawing/2014/main" id="{D66B8CF3-0959-4E8D-8F3A-AF62F21D9996}"/>
+                </a:ext>
+                <a:ext uri="{C183D7F6-B498-43B3-948B-1728B52AA6E4}">
+                  <adec:decorative xmlns:adec="http://schemas.microsoft.com/office/drawing/2017/decorative" val="1"/>
+                </a:ext>
+              </a:extLst>
+            </p:cNvPr>
+            <p:cNvSpPr/>
+            <p:nvPr>
+              <p:extLst>
+                <p:ext uri="{386F3935-93C4-4BCD-93E2-E3B085C9AB24}">
+                  <p16:designElem xmlns:p16="http://schemas.microsoft.com/office/powerpoint/2015/main" val="1"/>
+                </p:ext>
+              </p:extLst>
+            </p:nvPr>
+          </p:nvSpPr>
+          <p:spPr>
+            <a:xfrm>
+              <a:off x="8932333" y="3048000"/>
+              <a:ext cx="3259667" cy="3810000"/>
+            </a:xfrm>
+            <a:prstGeom prst="triangle">
+              <a:avLst>
+                <a:gd name="adj" fmla="val 100000"/>
+              </a:avLst>
+            </a:prstGeom>
+            <a:solidFill>
+              <a:schemeClr val="accent2">
+                <a:alpha val="72000"/>
+              </a:schemeClr>
+            </a:solidFill>
+            <a:ln>
+              <a:noFill/>
+            </a:ln>
+            <a:effectLst/>
+          </p:spPr>
+          <p:style>
+            <a:lnRef idx="1">
+              <a:schemeClr val="accent1"/>
+            </a:lnRef>
+            <a:fillRef idx="3">
+              <a:schemeClr val="accent1"/>
+            </a:fillRef>
+            <a:effectRef idx="2">
+              <a:schemeClr val="accent1"/>
+            </a:effectRef>
+            <a:fontRef idx="minor">
+              <a:schemeClr val="lt1"/>
+            </a:fontRef>
+          </p:style>
+        </p:sp>
+        <p:sp>
+          <p:nvSpPr>
+            <p:cNvPr id="3085" name="Rectangle 27">
+              <a:extLst>
+                <a:ext uri="{FF2B5EF4-FFF2-40B4-BE49-F238E27FC236}">
+                  <a16:creationId xmlns:a16="http://schemas.microsoft.com/office/drawing/2014/main" id="{97D4D559-2783-4E84-BB73-7F51D023575C}"/>
+                </a:ext>
+                <a:ext uri="{C183D7F6-B498-43B3-948B-1728B52AA6E4}">
+                  <adec:decorative xmlns:adec="http://schemas.microsoft.com/office/drawing/2017/decorative" val="1"/>
+                </a:ext>
+              </a:extLst>
+            </p:cNvPr>
+            <p:cNvSpPr/>
+            <p:nvPr>
+              <p:extLst>
+                <p:ext uri="{386F3935-93C4-4BCD-93E2-E3B085C9AB24}">
+                  <p16:designElem xmlns:p16="http://schemas.microsoft.com/office/powerpoint/2015/main" val="1"/>
+                </p:ext>
+              </p:extLst>
+            </p:nvPr>
+          </p:nvSpPr>
+          <p:spPr>
+            <a:xfrm>
+              <a:off x="9334500" y="-8467"/>
+              <a:ext cx="2854326" cy="6866467"/>
+            </a:xfrm>
+            <a:custGeom>
+              <a:avLst/>
+              <a:gdLst/>
+              <a:ahLst/>
+              <a:cxnLst/>
+              <a:rect l="l" t="t" r="r" b="b"/>
+              <a:pathLst>
+                <a:path w="2858013" h="6866467">
+                  <a:moveTo>
+                    <a:pt x="0" y="0"/>
+                  </a:moveTo>
+                  <a:lnTo>
+                    <a:pt x="2858013" y="0"/>
+                  </a:lnTo>
+                  <a:lnTo>
+                    <a:pt x="2858013" y="6866467"/>
+                  </a:lnTo>
+                  <a:lnTo>
+                    <a:pt x="2473942" y="6866467"/>
+                  </a:lnTo>
+                  <a:lnTo>
+                    <a:pt x="0" y="0"/>
+                  </a:lnTo>
+                  <a:close/>
+                </a:path>
+              </a:pathLst>
+            </a:custGeom>
+            <a:solidFill>
+              <a:schemeClr val="accent2">
+                <a:lumMod val="75000"/>
+                <a:alpha val="70000"/>
+              </a:schemeClr>
+            </a:solidFill>
+            <a:ln>
+              <a:noFill/>
+            </a:ln>
+            <a:effectLst/>
+          </p:spPr>
+          <p:style>
+            <a:lnRef idx="1">
+              <a:schemeClr val="accent1"/>
+            </a:lnRef>
+            <a:fillRef idx="3">
+              <a:schemeClr val="accent1"/>
+            </a:fillRef>
+            <a:effectRef idx="2">
+              <a:schemeClr val="accent1"/>
+            </a:effectRef>
+            <a:fontRef idx="minor">
+              <a:schemeClr val="lt1"/>
+            </a:fontRef>
+          </p:style>
+        </p:sp>
+        <p:sp>
+          <p:nvSpPr>
+            <p:cNvPr id="3086" name="Rectangle 28">
+              <a:extLst>
+                <a:ext uri="{FF2B5EF4-FFF2-40B4-BE49-F238E27FC236}">
+                  <a16:creationId xmlns:a16="http://schemas.microsoft.com/office/drawing/2014/main" id="{8834FE36-E841-40B5-9465-1CFC99ED5565}"/>
+                </a:ext>
+                <a:ext uri="{C183D7F6-B498-43B3-948B-1728B52AA6E4}">
+                  <adec:decorative xmlns:adec="http://schemas.microsoft.com/office/drawing/2017/decorative" val="1"/>
+                </a:ext>
+              </a:extLst>
+            </p:cNvPr>
+            <p:cNvSpPr/>
+            <p:nvPr>
+              <p:extLst>
+                <p:ext uri="{386F3935-93C4-4BCD-93E2-E3B085C9AB24}">
+                  <p16:designElem xmlns:p16="http://schemas.microsoft.com/office/powerpoint/2015/main" val="1"/>
+                </p:ext>
+              </p:extLst>
+            </p:nvPr>
+          </p:nvSpPr>
+          <p:spPr>
+            <a:xfrm>
+              <a:off x="10898730" y="-8467"/>
+              <a:ext cx="1290094" cy="6866467"/>
+            </a:xfrm>
+            <a:custGeom>
+              <a:avLst/>
+              <a:gdLst/>
+              <a:ahLst/>
+              <a:cxnLst/>
+              <a:rect l="l" t="t" r="r" b="b"/>
+              <a:pathLst>
+                <a:path w="1290094" h="6858000">
+                  <a:moveTo>
+                    <a:pt x="1019735" y="0"/>
+                  </a:moveTo>
+                  <a:lnTo>
+                    <a:pt x="1290094" y="0"/>
+                  </a:lnTo>
+                  <a:lnTo>
+                    <a:pt x="1290094" y="6858000"/>
+                  </a:lnTo>
+                  <a:lnTo>
+                    <a:pt x="0" y="6858000"/>
+                  </a:lnTo>
+                  <a:lnTo>
+                    <a:pt x="1019735" y="0"/>
+                  </a:lnTo>
+                  <a:close/>
+                </a:path>
+              </a:pathLst>
+            </a:custGeom>
+            <a:solidFill>
+              <a:schemeClr val="accent1">
+                <a:lumMod val="60000"/>
+                <a:lumOff val="40000"/>
+                <a:alpha val="70000"/>
+              </a:schemeClr>
+            </a:solidFill>
+            <a:ln>
+              <a:noFill/>
+            </a:ln>
+            <a:effectLst/>
+          </p:spPr>
+          <p:style>
+            <a:lnRef idx="1">
+              <a:schemeClr val="accent1"/>
+            </a:lnRef>
+            <a:fillRef idx="3">
+              <a:schemeClr val="accent1"/>
+            </a:fillRef>
+            <a:effectRef idx="2">
+              <a:schemeClr val="accent1"/>
+            </a:effectRef>
+            <a:fontRef idx="minor">
+              <a:schemeClr val="lt1"/>
+            </a:fontRef>
+          </p:style>
+        </p:sp>
+        <p:sp>
+          <p:nvSpPr>
+            <p:cNvPr id="3087" name="Rectangle 29">
+              <a:extLst>
+                <a:ext uri="{FF2B5EF4-FFF2-40B4-BE49-F238E27FC236}">
+                  <a16:creationId xmlns:a16="http://schemas.microsoft.com/office/drawing/2014/main" id="{1A4197A1-AE79-4DC1-9E3A-845B40BA80B5}"/>
+                </a:ext>
+                <a:ext uri="{C183D7F6-B498-43B3-948B-1728B52AA6E4}">
+                  <adec:decorative xmlns:adec="http://schemas.microsoft.com/office/drawing/2017/decorative" val="1"/>
+                </a:ext>
+              </a:extLst>
+            </p:cNvPr>
+            <p:cNvSpPr/>
+            <p:nvPr>
+              <p:extLst>
+                <p:ext uri="{386F3935-93C4-4BCD-93E2-E3B085C9AB24}">
+                  <p16:designElem xmlns:p16="http://schemas.microsoft.com/office/powerpoint/2015/main" val="1"/>
+                </p:ext>
+              </p:extLst>
+            </p:nvPr>
+          </p:nvSpPr>
+          <p:spPr>
+            <a:xfrm>
+              <a:off x="10938999" y="-8467"/>
+              <a:ext cx="1249825" cy="6866467"/>
+            </a:xfrm>
+            <a:custGeom>
+              <a:avLst/>
+              <a:gdLst/>
+              <a:ahLst/>
+              <a:cxnLst/>
+              <a:rect l="l" t="t" r="r" b="b"/>
+              <a:pathLst>
+                <a:path w="1249825" h="6858000">
+                  <a:moveTo>
+                    <a:pt x="0" y="0"/>
+                  </a:moveTo>
+                  <a:lnTo>
+                    <a:pt x="1249825" y="0"/>
+                  </a:lnTo>
+                  <a:lnTo>
+                    <a:pt x="1249825" y="6858000"/>
+                  </a:lnTo>
+                  <a:lnTo>
+                    <a:pt x="1109382" y="6858000"/>
+                  </a:lnTo>
+                  <a:lnTo>
+                    <a:pt x="0" y="0"/>
+                  </a:lnTo>
+                  <a:close/>
+                </a:path>
+              </a:pathLst>
+            </a:custGeom>
+            <a:solidFill>
+              <a:schemeClr val="accent1">
+                <a:alpha val="65000"/>
+              </a:schemeClr>
+            </a:solidFill>
+            <a:ln>
+              <a:noFill/>
+            </a:ln>
+            <a:effectLst/>
+          </p:spPr>
+          <p:style>
+            <a:lnRef idx="1">
+              <a:schemeClr val="accent1"/>
+            </a:lnRef>
+            <a:fillRef idx="3">
+              <a:schemeClr val="accent1"/>
+            </a:fillRef>
+            <a:effectRef idx="2">
+              <a:schemeClr val="accent1"/>
+            </a:effectRef>
+            <a:fontRef idx="minor">
+              <a:schemeClr val="lt1"/>
+            </a:fontRef>
+          </p:style>
+        </p:sp>
+        <p:sp>
+          <p:nvSpPr>
+            <p:cNvPr id="3088" name="Isosceles Triangle 3087">
+              <a:extLst>
+                <a:ext uri="{FF2B5EF4-FFF2-40B4-BE49-F238E27FC236}">
+                  <a16:creationId xmlns:a16="http://schemas.microsoft.com/office/drawing/2014/main" id="{326F6688-CBD0-42EE-9B90-25100FE893C5}"/>
+                </a:ext>
+                <a:ext uri="{C183D7F6-B498-43B3-948B-1728B52AA6E4}">
+                  <adec:decorative xmlns:adec="http://schemas.microsoft.com/office/drawing/2017/decorative" val="1"/>
+                </a:ext>
+              </a:extLst>
+            </p:cNvPr>
+            <p:cNvSpPr/>
+            <p:nvPr>
+              <p:extLst>
+                <p:ext uri="{386F3935-93C4-4BCD-93E2-E3B085C9AB24}">
+                  <p16:designElem xmlns:p16="http://schemas.microsoft.com/office/powerpoint/2015/main" val="1"/>
+                </p:ext>
+              </p:extLst>
+            </p:nvPr>
+          </p:nvSpPr>
+          <p:spPr>
+            <a:xfrm>
+              <a:off x="10371666" y="3589867"/>
+              <a:ext cx="1817159" cy="3268133"/>
+            </a:xfrm>
+            <a:prstGeom prst="triangle">
+              <a:avLst>
+                <a:gd name="adj" fmla="val 100000"/>
+              </a:avLst>
+            </a:prstGeom>
+            <a:solidFill>
+              <a:schemeClr val="accent1">
+                <a:alpha val="80000"/>
+              </a:schemeClr>
+            </a:solidFill>
+            <a:ln>
+              <a:noFill/>
+            </a:ln>
+            <a:effectLst/>
+          </p:spPr>
+          <p:style>
+            <a:lnRef idx="1">
+              <a:schemeClr val="accent1"/>
+            </a:lnRef>
+            <a:fillRef idx="3">
+              <a:schemeClr val="accent1"/>
+            </a:fillRef>
+            <a:effectRef idx="2">
+              <a:schemeClr val="accent1"/>
+            </a:effectRef>
+            <a:fontRef idx="minor">
+              <a:schemeClr val="lt1"/>
+            </a:fontRef>
+          </p:style>
+        </p:sp>
+        <p:sp>
+          <p:nvSpPr>
+            <p:cNvPr id="3089" name="Isosceles Triangle 3088">
+              <a:extLst>
+                <a:ext uri="{FF2B5EF4-FFF2-40B4-BE49-F238E27FC236}">
+                  <a16:creationId xmlns:a16="http://schemas.microsoft.com/office/drawing/2014/main" id="{EF23F9BB-FC2E-48BA-8E63-A4436C28DA8A}"/>
+                </a:ext>
+                <a:ext uri="{C183D7F6-B498-43B3-948B-1728B52AA6E4}">
+                  <adec:decorative xmlns:adec="http://schemas.microsoft.com/office/drawing/2017/decorative" val="1"/>
+                </a:ext>
+              </a:extLst>
+            </p:cNvPr>
+            <p:cNvSpPr/>
+            <p:nvPr>
+              <p:extLst>
+                <p:ext uri="{386F3935-93C4-4BCD-93E2-E3B085C9AB24}">
+                  <p16:designElem xmlns:p16="http://schemas.microsoft.com/office/powerpoint/2015/main" val="1"/>
+                </p:ext>
+              </p:extLst>
+            </p:nvPr>
+          </p:nvSpPr>
+          <p:spPr>
+            <a:xfrm rot="10800000">
+              <a:off x="0" y="0"/>
+              <a:ext cx="842596" cy="5666154"/>
+            </a:xfrm>
+            <a:prstGeom prst="triangle">
+              <a:avLst>
+                <a:gd name="adj" fmla="val 100000"/>
+              </a:avLst>
+            </a:prstGeom>
+            <a:solidFill>
+              <a:schemeClr val="accent1">
+                <a:alpha val="85000"/>
+              </a:schemeClr>
+            </a:solidFill>
+            <a:ln>
+              <a:noFill/>
+            </a:ln>
+            <a:effectLst/>
+          </p:spPr>
+          <p:style>
+            <a:lnRef idx="1">
+              <a:schemeClr val="accent1"/>
+            </a:lnRef>
+            <a:fillRef idx="3">
+              <a:schemeClr val="accent1"/>
+            </a:fillRef>
+            <a:effectRef idx="2">
+              <a:schemeClr val="accent1"/>
+            </a:effectRef>
+            <a:fontRef idx="minor">
+              <a:schemeClr val="lt1"/>
+            </a:fontRef>
+          </p:style>
+        </p:sp>
+      </p:grpSp>
+      <p:sp>
+        <p:nvSpPr>
+          <p:cNvPr id="2" name="Titolo 1">
+            <a:extLst>
+              <a:ext uri="{FF2B5EF4-FFF2-40B4-BE49-F238E27FC236}">
+                <a16:creationId xmlns:a16="http://schemas.microsoft.com/office/drawing/2014/main" id="{77E7E7EF-3C45-93E7-62AA-7360E4EF7DC9}"/>
+              </a:ext>
+            </a:extLst>
+          </p:cNvPr>
+          <p:cNvSpPr>
+            <a:spLocks noGrp="1"/>
+          </p:cNvSpPr>
+          <p:nvPr>
+            <p:ph type="title"/>
+          </p:nvPr>
+        </p:nvSpPr>
+        <p:spPr>
+          <a:xfrm>
+            <a:off x="609601" y="4385066"/>
+            <a:ext cx="10923638" cy="1317643"/>
+          </a:xfrm>
+        </p:spPr>
+        <p:txBody>
+          <a:bodyPr vert="horz" lIns="91440" tIns="45720" rIns="91440" bIns="45720" rtlCol="0" anchor="b">
+            <a:normAutofit/>
+          </a:bodyPr>
+          <a:lstStyle/>
+          <a:p>
+            <a:r>
+              <a:rPr lang="it-IT" sz="5400" b="1" dirty="0"/>
+              <a:t>Web Security</a:t>
+            </a:r>
+          </a:p>
+        </p:txBody>
+      </p:sp>
+      <p:sp>
+        <p:nvSpPr>
+          <p:cNvPr id="9" name="Content Placeholder 8">
+            <a:extLst>
+              <a:ext uri="{FF2B5EF4-FFF2-40B4-BE49-F238E27FC236}">
+                <a16:creationId xmlns:a16="http://schemas.microsoft.com/office/drawing/2014/main" id="{AA574F33-4E42-BA3C-B9F2-576C7D41321C}"/>
+              </a:ext>
+            </a:extLst>
+          </p:cNvPr>
+          <p:cNvSpPr>
+            <a:spLocks noGrp="1"/>
+          </p:cNvSpPr>
+          <p:nvPr>
+            <p:ph idx="1"/>
+          </p:nvPr>
+        </p:nvSpPr>
+        <p:spPr>
+          <a:xfrm>
+            <a:off x="609600" y="5702709"/>
+            <a:ext cx="10923638" cy="521109"/>
+          </a:xfrm>
+        </p:spPr>
+        <p:txBody>
+          <a:bodyPr vert="horz" lIns="91440" tIns="45720" rIns="91440" bIns="45720" rtlCol="0" anchor="t">
+            <a:normAutofit/>
+          </a:bodyPr>
+          <a:lstStyle/>
+          <a:p>
+            <a:pPr marL="0" indent="0">
+              <a:buNone/>
+            </a:pPr>
+            <a:r>
+              <a:rPr lang="en-US">
+                <a:solidFill>
+                  <a:schemeClr val="tx1">
+                    <a:lumMod val="50000"/>
+                    <a:lumOff val="50000"/>
+                  </a:schemeClr>
+                </a:solidFill>
+              </a:rPr>
+              <a:t>Configurazione essenziale</a:t>
+            </a:r>
+          </a:p>
+        </p:txBody>
+      </p:sp>
+      <p:sp>
+        <p:nvSpPr>
+          <p:cNvPr id="3091" name="Rectangle 3090">
+            <a:extLst>
+              <a:ext uri="{FF2B5EF4-FFF2-40B4-BE49-F238E27FC236}">
+                <a16:creationId xmlns:a16="http://schemas.microsoft.com/office/drawing/2014/main" id="{4F71A406-3CB7-4E4D-B434-24E6AA4F3997}"/>
+              </a:ext>
+              <a:ext uri="{C183D7F6-B498-43B3-948B-1728B52AA6E4}">
+                <adec:decorative xmlns:adec="http://schemas.microsoft.com/office/drawing/2017/decorative" val="1"/>
+              </a:ext>
+            </a:extLst>
+          </p:cNvPr>
+          <p:cNvSpPr>
+            <a:spLocks noGrp="1" noRot="1" noChangeAspect="1" noMove="1" noResize="1" noEditPoints="1" noAdjustHandles="1" noChangeArrowheads="1" noChangeShapeType="1" noTextEdit="1"/>
+          </p:cNvSpPr>
+          <p:nvPr>
+            <p:extLst>
+              <p:ext uri="{386F3935-93C4-4BCD-93E2-E3B085C9AB24}">
+                <p16:designElem xmlns:p16="http://schemas.microsoft.com/office/powerpoint/2015/main" val="1"/>
+              </p:ext>
+            </p:extLst>
+          </p:nvPr>
+        </p:nvSpPr>
+        <p:spPr>
+          <a:xfrm>
+            <a:off x="0" y="0"/>
+            <a:ext cx="12192000" cy="4177238"/>
+          </a:xfrm>
+          <a:prstGeom prst="rect">
+            <a:avLst/>
+          </a:prstGeom>
+          <a:solidFill>
+            <a:srgbClr val="FFFFFF"/>
+          </a:solidFill>
+          <a:ln>
+            <a:noFill/>
+          </a:ln>
+        </p:spPr>
+        <p:style>
+          <a:lnRef idx="2">
+            <a:schemeClr val="accent1">
+              <a:shade val="50000"/>
+            </a:schemeClr>
+          </a:lnRef>
+          <a:fillRef idx="1">
+            <a:schemeClr val="accent1"/>
+          </a:fillRef>
+          <a:effectRef idx="0">
+            <a:schemeClr val="accent1"/>
+          </a:effectRef>
+          <a:fontRef idx="minor">
+            <a:schemeClr val="lt1"/>
+          </a:fontRef>
+        </p:style>
+        <p:txBody>
+          <a:bodyPr rtlCol="0" anchor="ctr"/>
+          <a:lstStyle/>
+          <a:p>
+            <a:pPr marL="0" marR="0" lvl="0" indent="0" algn="ctr" defTabSz="914400" rtl="0" eaLnBrk="1" fontAlgn="auto" latinLnBrk="0" hangingPunct="1">
+              <a:lnSpc>
+                <a:spcPct val="100000"/>
+              </a:lnSpc>
+              <a:spcBef>
+                <a:spcPts val="0"/>
+              </a:spcBef>
+              <a:spcAft>
+                <a:spcPts val="0"/>
+              </a:spcAft>
+              <a:buClrTx/>
+              <a:buSzTx/>
+              <a:buFontTx/>
+              <a:buNone/>
+              <a:tabLst/>
+              <a:defRPr/>
+            </a:pPr>
+            <a:endParaRPr kumimoji="0" lang="en-US" sz="1800" b="0" i="0" u="none" strike="noStrike" kern="1200" cap="none" spc="0" normalizeH="0" baseline="0" noProof="0">
+              <a:ln>
+                <a:noFill/>
+              </a:ln>
+              <a:solidFill>
+                <a:prstClr val="white"/>
+              </a:solidFill>
+              <a:effectLst/>
+              <a:uLnTx/>
+              <a:uFillTx/>
+              <a:latin typeface="Trebuchet MS" panose="020B0603020202020204"/>
+              <a:ea typeface="+mn-ea"/>
+              <a:cs typeface="+mn-cs"/>
+            </a:endParaRPr>
+          </a:p>
+        </p:txBody>
+      </p:sp>
+      <p:pic>
+        <p:nvPicPr>
+          <p:cNvPr id="5" name="Segnaposto contenuto 4" descr="Immagine che contiene testo, schermata, software&#10;&#10;Descrizione generata automaticamente">
+            <a:extLst>
+              <a:ext uri="{FF2B5EF4-FFF2-40B4-BE49-F238E27FC236}">
+                <a16:creationId xmlns:a16="http://schemas.microsoft.com/office/drawing/2014/main" id="{EB4CAE0F-ED79-72A2-3A7E-C46C78EDDDF2}"/>
+              </a:ext>
+            </a:extLst>
+          </p:cNvPr>
+          <p:cNvPicPr>
+            <a:picLocks noChangeAspect="1"/>
+          </p:cNvPicPr>
+          <p:nvPr/>
+        </p:nvPicPr>
+        <p:blipFill rotWithShape="1">
+          <a:blip r:embed="rId2"/>
+          <a:srcRect t="21339" r="2" b="21010"/>
+          <a:stretch/>
+        </p:blipFill>
+        <p:spPr>
+          <a:xfrm>
+            <a:off x="20" y="3"/>
+            <a:ext cx="6050260" cy="4091667"/>
+          </a:xfrm>
+          <a:prstGeom prst="rect">
+            <a:avLst/>
+          </a:prstGeom>
+        </p:spPr>
+      </p:pic>
+      <p:pic>
+        <p:nvPicPr>
+          <p:cNvPr id="3074" name="Picture 2" descr="Spring Security Filter">
+            <a:extLst>
+              <a:ext uri="{FF2B5EF4-FFF2-40B4-BE49-F238E27FC236}">
+                <a16:creationId xmlns:a16="http://schemas.microsoft.com/office/drawing/2014/main" id="{F36AA96E-CF98-0B63-F636-948D3D073FE0}"/>
+              </a:ext>
+            </a:extLst>
+          </p:cNvPr>
+          <p:cNvPicPr>
+            <a:picLocks noChangeAspect="1" noChangeArrowheads="1"/>
+          </p:cNvPicPr>
+          <p:nvPr/>
+        </p:nvPicPr>
+        <p:blipFill rotWithShape="1">
+          <a:blip r:embed="rId3">
+            <a:extLst>
+              <a:ext uri="{28A0092B-C50C-407E-A947-70E740481C1C}">
+                <a14:useLocalDpi xmlns:a14="http://schemas.microsoft.com/office/drawing/2010/main" val="0"/>
+              </a:ext>
+            </a:extLst>
+          </a:blip>
+          <a:srcRect t="1117" r="2" b="2943"/>
+          <a:stretch/>
+        </p:blipFill>
+        <p:spPr bwMode="auto">
+          <a:xfrm>
+            <a:off x="6141719" y="-683"/>
+            <a:ext cx="6050280" cy="4092348"/>
+          </a:xfrm>
+          <a:prstGeom prst="rect">
+            <a:avLst/>
+          </a:prstGeom>
+          <a:noFill/>
+          <a:extLst>
+            <a:ext uri="{909E8E84-426E-40DD-AFC4-6F175D3DCCD1}">
+              <a14:hiddenFill xmlns:a14="http://schemas.microsoft.com/office/drawing/2010/main">
+                <a:solidFill>
+                  <a:srgbClr val="FFFFFF"/>
+                </a:solidFill>
+              </a14:hiddenFill>
+            </a:ext>
+          </a:extLst>
+        </p:spPr>
+      </p:pic>
+    </p:spTree>
+    <p:extLst>
+      <p:ext uri="{BB962C8B-B14F-4D97-AF65-F5344CB8AC3E}">
+        <p14:creationId xmlns:p14="http://schemas.microsoft.com/office/powerpoint/2010/main" val="4140944139"/>
+      </p:ext>
+    </p:extLst>
+  </p:cSld>
+  <p:clrMapOvr>
+    <a:overrideClrMapping bg1="dk1" tx1="lt1" bg2="dk2" tx2="lt2" accent1="accent1" accent2="accent2" accent3="accent3" accent4="accent4" accent5="accent5" accent6="accent6" hlink="hlink" folHlink="folHlink"/>
+  </p:clrMapOvr>
+  <p:timing>
+    <p:tnLst>
+      <p:par>
+        <p:cTn id="1" dur="indefinite" restart="never" nodeType="tmRoot">
+          <p:childTnLst>
+            <p:seq concurrent="1" nextAc="seek">
+              <p:cTn id="2" dur="indefinite" nodeType="mainSeq">
+                <p:childTnLst>
+                  <p:par>
+                    <p:cTn id="3" fill="hold">
+                      <p:stCondLst>
+                        <p:cond delay="indefinite"/>
+                        <p:cond evt="onBegin" delay="0">
+                          <p:tn val="2"/>
+                        </p:cond>
+                      </p:stCondLst>
+                      <p:childTnLst>
+                        <p:par>
+                          <p:cTn id="4" fill="hold">
+                            <p:stCondLst>
+                              <p:cond delay="0"/>
+                            </p:stCondLst>
+                            <p:childTnLst>
+                              <p:par>
+                                <p:cTn id="5" presetID="10" presetClass="entr" presetSubtype="0" fill="hold" grpId="0" nodeType="withEffect">
+                                  <p:stCondLst>
+                                    <p:cond delay="1000"/>
+                                  </p:stCondLst>
+                                  <p:iterate>
+                                    <p:tmPct val="10000"/>
+                                  </p:iterate>
+                                  <p:childTnLst>
+                                    <p:set>
+                                      <p:cBhvr>
+                                        <p:cTn id="6" dur="1" fill="hold">
+                                          <p:stCondLst>
+                                            <p:cond delay="0"/>
+                                          </p:stCondLst>
+                                        </p:cTn>
+                                        <p:tgtEl>
+                                          <p:spTgt spid="2"/>
+                                        </p:tgtEl>
+                                        <p:attrNameLst>
+                                          <p:attrName>style.visibility</p:attrName>
+                                        </p:attrNameLst>
+                                      </p:cBhvr>
+                                      <p:to>
+                                        <p:strVal val="visible"/>
+                                      </p:to>
+                                    </p:set>
+                                    <p:animEffect transition="in" filter="fade">
+                                      <p:cBhvr>
+                                        <p:cTn id="7" dur="700"/>
+                                        <p:tgtEl>
+                                          <p:spTgt spid="2"/>
+                                        </p:tgtEl>
+                                      </p:cBhvr>
+                                    </p:animEffect>
+                                  </p:childTnLst>
+                                </p:cTn>
+                              </p:par>
+                            </p:childTnLst>
+                          </p:cTn>
+                        </p:par>
+                      </p:childTnLst>
+                    </p:cTn>
+                  </p:par>
+                </p:childTnLst>
+              </p:cTn>
+              <p:prevCondLst>
+                <p:cond evt="onPrev" delay="0">
+                  <p:tgtEl>
+                    <p:sldTgt/>
+                  </p:tgtEl>
+                </p:cond>
+              </p:prevCondLst>
+              <p:nextCondLst>
+                <p:cond evt="onNext" delay="0">
+                  <p:tgtEl>
+                    <p:sldTgt/>
+                  </p:tgtEl>
+                </p:cond>
+              </p:nextCondLst>
+            </p:seq>
+          </p:childTnLst>
+        </p:cTn>
+      </p:par>
+    </p:tnLst>
+    <p:bldLst>
+      <p:bldP spid="2" grpId="0"/>
+    </p:bldLst>
+  </p:timing>
+</p:sld>
+</file>
+
+<file path=ppt/slides/slide12.xml><?xml version="1.0" encoding="utf-8"?>
+<p:sld xmlns:a="http://schemas.openxmlformats.org/drawingml/2006/main" xmlns:r="http://schemas.openxmlformats.org/officeDocument/2006/relationships" xmlns:p="http://schemas.openxmlformats.org/presentationml/2006/main">
+  <p:cSld>
+    <p:bg>
+      <p:bgPr>
+        <a:solidFill>
+          <a:schemeClr val="bg1"/>
+        </a:solidFill>
+        <a:effectLst/>
+      </p:bgPr>
+    </p:bg>
+    <p:spTree>
+      <p:nvGrpSpPr>
+        <p:cNvPr id="1" name=""/>
+        <p:cNvGrpSpPr/>
+        <p:nvPr/>
+      </p:nvGrpSpPr>
+      <p:grpSpPr>
+        <a:xfrm>
+          <a:off x="0" y="0"/>
+          <a:ext cx="0" cy="0"/>
+          <a:chOff x="0" y="0"/>
+          <a:chExt cx="0" cy="0"/>
+        </a:xfrm>
+      </p:grpSpPr>
+      <p:sp>
+        <p:nvSpPr>
+          <p:cNvPr id="2" name="Titolo 1">
+            <a:extLst>
+              <a:ext uri="{FF2B5EF4-FFF2-40B4-BE49-F238E27FC236}">
+                <a16:creationId xmlns:a16="http://schemas.microsoft.com/office/drawing/2014/main" id="{77E7E7EF-3C45-93E7-62AA-7360E4EF7DC9}"/>
+              </a:ext>
+            </a:extLst>
+          </p:cNvPr>
+          <p:cNvSpPr>
+            <a:spLocks noGrp="1"/>
+          </p:cNvSpPr>
+          <p:nvPr>
+            <p:ph type="title"/>
+          </p:nvPr>
+        </p:nvSpPr>
+        <p:spPr>
+          <a:xfrm>
+            <a:off x="676746" y="609600"/>
+            <a:ext cx="3729076" cy="1320800"/>
+          </a:xfrm>
+        </p:spPr>
+        <p:txBody>
+          <a:bodyPr anchor="ctr">
+            <a:normAutofit/>
+          </a:bodyPr>
+          <a:lstStyle/>
+          <a:p>
+            <a:r>
               <a:rPr lang="it-IT" dirty="0"/>
               <a:t>Componente essenziali</a:t>
             </a:r>
@@ -6259,7 +7474,7 @@
 </p:sld>
 </file>
 
-<file path=ppt/slides/slide11.xml><?xml version="1.0" encoding="utf-8"?>
+<file path=ppt/slides/slide13.xml><?xml version="1.0" encoding="utf-8"?>
 <p:sld xmlns:a="http://schemas.openxmlformats.org/drawingml/2006/main" xmlns:r="http://schemas.openxmlformats.org/officeDocument/2006/relationships" xmlns:p="http://schemas.openxmlformats.org/presentationml/2006/main">
   <p:cSld>
     <p:bg>
@@ -8115,7 +9330,7 @@
 </p:sld>
 </file>
 
-<file path=ppt/slides/slide12.xml><?xml version="1.0" encoding="utf-8"?>
+<file path=ppt/slides/slide14.xml><?xml version="1.0" encoding="utf-8"?>
 <p:sld xmlns:a="http://schemas.openxmlformats.org/drawingml/2006/main" xmlns:r="http://schemas.openxmlformats.org/officeDocument/2006/relationships" xmlns:p="http://schemas.openxmlformats.org/presentationml/2006/main">
   <p:cSld>
     <p:bg>
@@ -8783,7 +9998,7 @@
 </p:sld>
 </file>
 
-<file path=ppt/slides/slide13.xml><?xml version="1.0" encoding="utf-8"?>
+<file path=ppt/slides/slide15.xml><?xml version="1.0" encoding="utf-8"?>
 <p:sld xmlns:a="http://schemas.openxmlformats.org/drawingml/2006/main" xmlns:r="http://schemas.openxmlformats.org/officeDocument/2006/relationships" xmlns:p="http://schemas.openxmlformats.org/presentationml/2006/main">
   <p:cSld>
     <p:bg>
@@ -9070,7 +10285,7 @@
 </p:sld>
 </file>
 
-<file path=ppt/slides/slide14.xml><?xml version="1.0" encoding="utf-8"?>
+<file path=ppt/slides/slide16.xml><?xml version="1.0" encoding="utf-8"?>
 <p:sld xmlns:a="http://schemas.openxmlformats.org/drawingml/2006/main" xmlns:r="http://schemas.openxmlformats.org/officeDocument/2006/relationships" xmlns:p="http://schemas.openxmlformats.org/presentationml/2006/main">
   <p:cSld>
     <p:spTree>
@@ -9156,7 +10371,7 @@
 </p:sld>
 </file>
 
-<file path=ppt/slides/slide15.xml><?xml version="1.0" encoding="utf-8"?>
+<file path=ppt/slides/slide17.xml><?xml version="1.0" encoding="utf-8"?>
 <p:sld xmlns:a="http://schemas.openxmlformats.org/drawingml/2006/main" xmlns:r="http://schemas.openxmlformats.org/officeDocument/2006/relationships" xmlns:p="http://schemas.openxmlformats.org/presentationml/2006/main">
   <p:cSld>
     <p:spTree>
@@ -9195,11 +10410,11 @@
           <a:lstStyle/>
           <a:p>
             <a:r>
-              <a:rPr lang="it-IT" dirty="0"/>
+              <a:rPr lang="it-IT"/>
               <a:t>Spring Security REST</a:t>
             </a:r>
             <a:br>
-              <a:rPr lang="it-IT" dirty="0"/>
+              <a:rPr lang="it-IT"/>
             </a:br>
             <a:endParaRPr lang="it-IT" dirty="0"/>
           </a:p>
@@ -9315,7 +10530,7 @@
 </p:sld>
 </file>
 
-<file path=ppt/slides/slide16.xml><?xml version="1.0" encoding="utf-8"?>
+<file path=ppt/slides/slide18.xml><?xml version="1.0" encoding="utf-8"?>
 <p:sld xmlns:a="http://schemas.openxmlformats.org/drawingml/2006/main" xmlns:r="http://schemas.openxmlformats.org/officeDocument/2006/relationships" xmlns:p="http://schemas.openxmlformats.org/presentationml/2006/main">
   <p:cSld>
     <p:bg>
@@ -12516,6 +13731,378 @@
           <a:chExt cx="0" cy="0"/>
         </a:xfrm>
       </p:grpSpPr>
+      <p:sp useBgFill="1">
+        <p:nvSpPr>
+          <p:cNvPr id="4105" name="Rectangle 4104">
+            <a:extLst>
+              <a:ext uri="{FF2B5EF4-FFF2-40B4-BE49-F238E27FC236}">
+                <a16:creationId xmlns:a16="http://schemas.microsoft.com/office/drawing/2014/main" id="{9F4444CE-BC8D-4D61-B303-4C05614E62AB}"/>
+              </a:ext>
+              <a:ext uri="{C183D7F6-B498-43B3-948B-1728B52AA6E4}">
+                <adec:decorative xmlns:adec="http://schemas.microsoft.com/office/drawing/2017/decorative" val="1"/>
+              </a:ext>
+            </a:extLst>
+          </p:cNvPr>
+          <p:cNvSpPr>
+            <a:spLocks noGrp="1" noRot="1" noChangeAspect="1" noMove="1" noResize="1" noEditPoints="1" noAdjustHandles="1" noChangeArrowheads="1" noChangeShapeType="1" noTextEdit="1"/>
+          </p:cNvSpPr>
+          <p:nvPr>
+            <p:extLst>
+              <p:ext uri="{386F3935-93C4-4BCD-93E2-E3B085C9AB24}">
+                <p16:designElem xmlns:p16="http://schemas.microsoft.com/office/powerpoint/2015/main" val="1"/>
+              </p:ext>
+            </p:extLst>
+          </p:nvPr>
+        </p:nvSpPr>
+        <p:spPr>
+          <a:xfrm>
+            <a:off x="0" y="0"/>
+            <a:ext cx="12192000" cy="6858000"/>
+          </a:xfrm>
+          <a:prstGeom prst="rect">
+            <a:avLst/>
+          </a:prstGeom>
+          <a:ln>
+            <a:noFill/>
+          </a:ln>
+        </p:spPr>
+        <p:style>
+          <a:lnRef idx="2">
+            <a:schemeClr val="accent1">
+              <a:shade val="50000"/>
+            </a:schemeClr>
+          </a:lnRef>
+          <a:fillRef idx="1">
+            <a:schemeClr val="accent1"/>
+          </a:fillRef>
+          <a:effectRef idx="0">
+            <a:schemeClr val="accent1"/>
+          </a:effectRef>
+          <a:fontRef idx="minor">
+            <a:schemeClr val="lt1"/>
+          </a:fontRef>
+        </p:style>
+        <p:txBody>
+          <a:bodyPr rtlCol="0" anchor="ctr"/>
+          <a:lstStyle/>
+          <a:p>
+            <a:pPr algn="ctr"/>
+            <a:endParaRPr lang="en-US"/>
+          </a:p>
+        </p:txBody>
+      </p:sp>
+      <p:sp>
+        <p:nvSpPr>
+          <p:cNvPr id="4107" name="Rectangle 4106">
+            <a:extLst>
+              <a:ext uri="{FF2B5EF4-FFF2-40B4-BE49-F238E27FC236}">
+                <a16:creationId xmlns:a16="http://schemas.microsoft.com/office/drawing/2014/main" id="{62423CA5-E2E1-4789-B759-9906C1C94063}"/>
+              </a:ext>
+              <a:ext uri="{C183D7F6-B498-43B3-948B-1728B52AA6E4}">
+                <adec:decorative xmlns:adec="http://schemas.microsoft.com/office/drawing/2017/decorative" val="1"/>
+              </a:ext>
+            </a:extLst>
+          </p:cNvPr>
+          <p:cNvSpPr>
+            <a:spLocks noGrp="1" noRot="1" noChangeAspect="1" noMove="1" noResize="1" noEditPoints="1" noAdjustHandles="1" noChangeArrowheads="1" noChangeShapeType="1" noTextEdit="1"/>
+          </p:cNvSpPr>
+          <p:nvPr>
+            <p:extLst>
+              <p:ext uri="{386F3935-93C4-4BCD-93E2-E3B085C9AB24}">
+                <p16:designElem xmlns:p16="http://schemas.microsoft.com/office/powerpoint/2015/main" val="1"/>
+              </p:ext>
+            </p:extLst>
+          </p:nvPr>
+        </p:nvSpPr>
+        <p:spPr>
+          <a:xfrm>
+            <a:off x="0" y="-3"/>
+            <a:ext cx="4660126" cy="6858000"/>
+          </a:xfrm>
+          <a:prstGeom prst="rect">
+            <a:avLst/>
+          </a:prstGeom>
+          <a:solidFill>
+            <a:schemeClr val="tx2"/>
+          </a:solidFill>
+          <a:ln>
+            <a:noFill/>
+          </a:ln>
+          <a:effectLst/>
+        </p:spPr>
+        <p:style>
+          <a:lnRef idx="1">
+            <a:schemeClr val="accent1"/>
+          </a:lnRef>
+          <a:fillRef idx="3">
+            <a:schemeClr val="accent1"/>
+          </a:fillRef>
+          <a:effectRef idx="2">
+            <a:schemeClr val="accent1"/>
+          </a:effectRef>
+          <a:fontRef idx="minor">
+            <a:schemeClr val="lt1"/>
+          </a:fontRef>
+        </p:style>
+        <p:txBody>
+          <a:bodyPr/>
+          <a:lstStyle/>
+          <a:p>
+            <a:endParaRPr lang="en-US"/>
+          </a:p>
+        </p:txBody>
+      </p:sp>
+      <p:sp>
+        <p:nvSpPr>
+          <p:cNvPr id="4109" name="Isosceles Triangle 4108">
+            <a:extLst>
+              <a:ext uri="{FF2B5EF4-FFF2-40B4-BE49-F238E27FC236}">
+                <a16:creationId xmlns:a16="http://schemas.microsoft.com/office/drawing/2014/main" id="{73772B81-181F-48B7-8826-4D9686D15DF5}"/>
+              </a:ext>
+              <a:ext uri="{C183D7F6-B498-43B3-948B-1728B52AA6E4}">
+                <adec:decorative xmlns:adec="http://schemas.microsoft.com/office/drawing/2017/decorative" val="1"/>
+              </a:ext>
+            </a:extLst>
+          </p:cNvPr>
+          <p:cNvSpPr>
+            <a:spLocks noGrp="1" noRot="1" noChangeAspect="1" noMove="1" noResize="1" noEditPoints="1" noAdjustHandles="1" noChangeArrowheads="1" noChangeShapeType="1" noTextEdit="1"/>
+          </p:cNvSpPr>
+          <p:nvPr>
+            <p:extLst>
+              <p:ext uri="{386F3935-93C4-4BCD-93E2-E3B085C9AB24}">
+                <p16:designElem xmlns:p16="http://schemas.microsoft.com/office/powerpoint/2015/main" val="1"/>
+              </p:ext>
+            </p:extLst>
+          </p:nvPr>
+        </p:nvSpPr>
+        <p:spPr>
+          <a:xfrm rot="10800000">
+            <a:off x="4660127" y="-3"/>
+            <a:ext cx="1056745" cy="6858001"/>
+          </a:xfrm>
+          <a:prstGeom prst="triangle">
+            <a:avLst>
+              <a:gd name="adj" fmla="val 100000"/>
+            </a:avLst>
+          </a:prstGeom>
+          <a:solidFill>
+            <a:schemeClr val="tx2"/>
+          </a:solidFill>
+          <a:ln>
+            <a:noFill/>
+          </a:ln>
+          <a:effectLst/>
+        </p:spPr>
+        <p:style>
+          <a:lnRef idx="1">
+            <a:schemeClr val="accent1"/>
+          </a:lnRef>
+          <a:fillRef idx="3">
+            <a:schemeClr val="accent1"/>
+          </a:fillRef>
+          <a:effectRef idx="2">
+            <a:schemeClr val="accent1"/>
+          </a:effectRef>
+          <a:fontRef idx="minor">
+            <a:schemeClr val="lt1"/>
+          </a:fontRef>
+        </p:style>
+        <p:txBody>
+          <a:bodyPr/>
+          <a:lstStyle/>
+          <a:p>
+            <a:endParaRPr lang="en-US" dirty="0"/>
+          </a:p>
+        </p:txBody>
+      </p:sp>
+      <p:sp>
+        <p:nvSpPr>
+          <p:cNvPr id="2" name="Segnaposto contenuto 1">
+            <a:extLst>
+              <a:ext uri="{FF2B5EF4-FFF2-40B4-BE49-F238E27FC236}">
+                <a16:creationId xmlns:a16="http://schemas.microsoft.com/office/drawing/2014/main" id="{D5B1FF89-530A-8667-10EE-FEC6481F7BBA}"/>
+              </a:ext>
+            </a:extLst>
+          </p:cNvPr>
+          <p:cNvSpPr>
+            <a:spLocks noGrp="1"/>
+          </p:cNvSpPr>
+          <p:nvPr>
+            <p:ph idx="1"/>
+          </p:nvPr>
+        </p:nvSpPr>
+        <p:spPr>
+          <a:xfrm>
+            <a:off x="673754" y="2160590"/>
+            <a:ext cx="3973943" cy="3440110"/>
+          </a:xfrm>
+        </p:spPr>
+        <p:txBody>
+          <a:bodyPr>
+            <a:normAutofit/>
+          </a:bodyPr>
+          <a:lstStyle/>
+          <a:p>
+            <a:r>
+              <a:rPr lang="it-IT">
+                <a:solidFill>
+                  <a:schemeClr val="bg1"/>
+                </a:solidFill>
+              </a:rPr>
+              <a:t>Gerarchia dell’ Autentication Manager</a:t>
+            </a:r>
+          </a:p>
+        </p:txBody>
+      </p:sp>
+      <p:pic>
+        <p:nvPicPr>
+          <p:cNvPr id="4100" name="Picture 4" descr="ProviderManagers with a common parent">
+            <a:extLst>
+              <a:ext uri="{FF2B5EF4-FFF2-40B4-BE49-F238E27FC236}">
+                <a16:creationId xmlns:a16="http://schemas.microsoft.com/office/drawing/2014/main" id="{189DE939-781E-187F-98CF-EA24F18A3FF0}"/>
+              </a:ext>
+            </a:extLst>
+          </p:cNvPr>
+          <p:cNvPicPr>
+            <a:picLocks noChangeAspect="1" noChangeArrowheads="1"/>
+          </p:cNvPicPr>
+          <p:nvPr/>
+        </p:nvPicPr>
+        <p:blipFill>
+          <a:blip r:embed="rId2">
+            <a:extLst>
+              <a:ext uri="{28A0092B-C50C-407E-A947-70E740481C1C}">
+                <a14:useLocalDpi xmlns:a14="http://schemas.microsoft.com/office/drawing/2010/main" val="0"/>
+              </a:ext>
+            </a:extLst>
+          </a:blip>
+          <a:stretch>
+            <a:fillRect/>
+          </a:stretch>
+        </p:blipFill>
+        <p:spPr bwMode="auto">
+          <a:xfrm>
+            <a:off x="6096001" y="1609659"/>
+            <a:ext cx="5143500" cy="3626166"/>
+          </a:xfrm>
+          <a:prstGeom prst="rect">
+            <a:avLst/>
+          </a:prstGeom>
+          <a:noFill/>
+          <a:extLst>
+            <a:ext uri="{909E8E84-426E-40DD-AFC4-6F175D3DCCD1}">
+              <a14:hiddenFill xmlns:a14="http://schemas.microsoft.com/office/drawing/2010/main">
+                <a:solidFill>
+                  <a:srgbClr val="FFFFFF"/>
+                </a:solidFill>
+              </a14:hiddenFill>
+            </a:ext>
+          </a:extLst>
+        </p:spPr>
+      </p:pic>
+      <p:sp>
+        <p:nvSpPr>
+          <p:cNvPr id="4111" name="Isosceles Triangle 4110">
+            <a:extLst>
+              <a:ext uri="{FF2B5EF4-FFF2-40B4-BE49-F238E27FC236}">
+                <a16:creationId xmlns:a16="http://schemas.microsoft.com/office/drawing/2014/main" id="{B2205F6E-03C6-4E92-877C-E2482F6599AA}"/>
+              </a:ext>
+              <a:ext uri="{C183D7F6-B498-43B3-948B-1728B52AA6E4}">
+                <adec:decorative xmlns:adec="http://schemas.microsoft.com/office/drawing/2017/decorative" val="1"/>
+              </a:ext>
+            </a:extLst>
+          </p:cNvPr>
+          <p:cNvSpPr>
+            <a:spLocks noGrp="1" noRot="1" noChangeAspect="1" noMove="1" noResize="1" noEditPoints="1" noAdjustHandles="1" noChangeArrowheads="1" noChangeShapeType="1" noTextEdit="1"/>
+          </p:cNvSpPr>
+          <p:nvPr>
+            <p:extLst>
+              <p:ext uri="{386F3935-93C4-4BCD-93E2-E3B085C9AB24}">
+                <p16:designElem xmlns:p16="http://schemas.microsoft.com/office/powerpoint/2015/main" val="1"/>
+              </p:ext>
+            </p:extLst>
+          </p:nvPr>
+        </p:nvSpPr>
+        <p:spPr>
+          <a:xfrm flipH="1">
+            <a:off x="11755696" y="4013200"/>
+            <a:ext cx="448733" cy="2844800"/>
+          </a:xfrm>
+          <a:prstGeom prst="triangle">
+            <a:avLst>
+              <a:gd name="adj" fmla="val 0"/>
+            </a:avLst>
+          </a:prstGeom>
+          <a:solidFill>
+            <a:schemeClr val="accent1">
+              <a:alpha val="85000"/>
+            </a:schemeClr>
+          </a:solidFill>
+          <a:ln>
+            <a:noFill/>
+          </a:ln>
+          <a:effectLst/>
+        </p:spPr>
+        <p:style>
+          <a:lnRef idx="1">
+            <a:schemeClr val="accent1"/>
+          </a:lnRef>
+          <a:fillRef idx="3">
+            <a:schemeClr val="accent1"/>
+          </a:fillRef>
+          <a:effectRef idx="2">
+            <a:schemeClr val="accent1"/>
+          </a:effectRef>
+          <a:fontRef idx="minor">
+            <a:schemeClr val="lt1"/>
+          </a:fontRef>
+        </p:style>
+        <p:txBody>
+          <a:bodyPr/>
+          <a:lstStyle/>
+          <a:p>
+            <a:endParaRPr lang="en-US" dirty="0"/>
+          </a:p>
+        </p:txBody>
+      </p:sp>
+    </p:spTree>
+    <p:extLst>
+      <p:ext uri="{BB962C8B-B14F-4D97-AF65-F5344CB8AC3E}">
+        <p14:creationId xmlns:p14="http://schemas.microsoft.com/office/powerpoint/2010/main" val="3264527311"/>
+      </p:ext>
+    </p:extLst>
+  </p:cSld>
+  <p:clrMapOvr>
+    <a:masterClrMapping/>
+  </p:clrMapOvr>
+</p:sld>
+</file>
+
+<file path=ppt/slides/slide9.xml><?xml version="1.0" encoding="utf-8"?>
+<p:sld xmlns:a="http://schemas.openxmlformats.org/drawingml/2006/main" xmlns:r="http://schemas.openxmlformats.org/officeDocument/2006/relationships" xmlns:p="http://schemas.openxmlformats.org/presentationml/2006/main">
+  <p:cSld>
+    <p:bg>
+      <p:bgPr>
+        <a:solidFill>
+          <a:schemeClr val="bg1"/>
+        </a:solidFill>
+        <a:effectLst/>
+      </p:bgPr>
+    </p:bg>
+    <p:spTree>
+      <p:nvGrpSpPr>
+        <p:cNvPr id="1" name=""/>
+        <p:cNvGrpSpPr/>
+        <p:nvPr/>
+      </p:nvGrpSpPr>
+      <p:grpSpPr>
+        <a:xfrm>
+          <a:off x="0" y="0"/>
+          <a:ext cx="0" cy="0"/>
+          <a:chOff x="0" y="0"/>
+          <a:chExt cx="0" cy="0"/>
+        </a:xfrm>
+      </p:grpSpPr>
       <p:grpSp>
         <p:nvGrpSpPr>
           <p:cNvPr id="10" name="Group 9">
@@ -13578,153 +15165,6 @@
     <p:extLst>
       <p:ext uri="{BB962C8B-B14F-4D97-AF65-F5344CB8AC3E}">
         <p14:creationId xmlns:p14="http://schemas.microsoft.com/office/powerpoint/2010/main" val="4130390573"/>
-      </p:ext>
-    </p:extLst>
-  </p:cSld>
-  <p:clrMapOvr>
-    <a:masterClrMapping/>
-  </p:clrMapOvr>
-</p:sld>
-</file>
-
-<file path=ppt/slides/slide9.xml><?xml version="1.0" encoding="utf-8"?>
-<p:sld xmlns:a="http://schemas.openxmlformats.org/drawingml/2006/main" xmlns:r="http://schemas.openxmlformats.org/officeDocument/2006/relationships" xmlns:p="http://schemas.openxmlformats.org/presentationml/2006/main">
-  <p:cSld>
-    <p:bg>
-      <p:bgPr>
-        <a:solidFill>
-          <a:schemeClr val="bg1"/>
-        </a:solidFill>
-        <a:effectLst/>
-      </p:bgPr>
-    </p:bg>
-    <p:spTree>
-      <p:nvGrpSpPr>
-        <p:cNvPr id="1" name=""/>
-        <p:cNvGrpSpPr/>
-        <p:nvPr/>
-      </p:nvGrpSpPr>
-      <p:grpSpPr>
-        <a:xfrm>
-          <a:off x="0" y="0"/>
-          <a:ext cx="0" cy="0"/>
-          <a:chOff x="0" y="0"/>
-          <a:chExt cx="0" cy="0"/>
-        </a:xfrm>
-      </p:grpSpPr>
-      <p:sp>
-        <p:nvSpPr>
-          <p:cNvPr id="2" name="Titolo 1">
-            <a:extLst>
-              <a:ext uri="{FF2B5EF4-FFF2-40B4-BE49-F238E27FC236}">
-                <a16:creationId xmlns:a16="http://schemas.microsoft.com/office/drawing/2014/main" id="{77E7E7EF-3C45-93E7-62AA-7360E4EF7DC9}"/>
-              </a:ext>
-            </a:extLst>
-          </p:cNvPr>
-          <p:cNvSpPr>
-            <a:spLocks noGrp="1"/>
-          </p:cNvSpPr>
-          <p:nvPr>
-            <p:ph type="title"/>
-          </p:nvPr>
-        </p:nvSpPr>
-        <p:spPr>
-          <a:xfrm>
-            <a:off x="676746" y="609600"/>
-            <a:ext cx="3729076" cy="1320800"/>
-          </a:xfrm>
-        </p:spPr>
-        <p:txBody>
-          <a:bodyPr anchor="ctr">
-            <a:normAutofit/>
-          </a:bodyPr>
-          <a:lstStyle/>
-          <a:p>
-            <a:r>
-              <a:rPr lang="it-IT" dirty="0"/>
-              <a:t>Componente essenziali</a:t>
-            </a:r>
-          </a:p>
-        </p:txBody>
-      </p:sp>
-      <p:sp>
-        <p:nvSpPr>
-          <p:cNvPr id="9" name="Content Placeholder 8">
-            <a:extLst>
-              <a:ext uri="{FF2B5EF4-FFF2-40B4-BE49-F238E27FC236}">
-                <a16:creationId xmlns:a16="http://schemas.microsoft.com/office/drawing/2014/main" id="{AA574F33-4E42-BA3C-B9F2-576C7D41321C}"/>
-              </a:ext>
-            </a:extLst>
-          </p:cNvPr>
-          <p:cNvSpPr>
-            <a:spLocks noGrp="1"/>
-          </p:cNvSpPr>
-          <p:nvPr>
-            <p:ph idx="1"/>
-          </p:nvPr>
-        </p:nvSpPr>
-        <p:spPr>
-          <a:xfrm>
-            <a:off x="685167" y="2160589"/>
-            <a:ext cx="3720916" cy="3560733"/>
-          </a:xfrm>
-        </p:spPr>
-        <p:txBody>
-          <a:bodyPr>
-            <a:normAutofit/>
-          </a:bodyPr>
-          <a:lstStyle/>
-          <a:p>
-            <a:r>
-              <a:rPr lang="en-US" dirty="0" err="1"/>
-              <a:t>Configurazione</a:t>
-            </a:r>
-            <a:r>
-              <a:rPr lang="en-US" dirty="0"/>
-              <a:t> </a:t>
-            </a:r>
-            <a:r>
-              <a:rPr lang="en-US" dirty="0" err="1"/>
-              <a:t>essenziale</a:t>
-            </a:r>
-            <a:endParaRPr lang="en-US" dirty="0"/>
-          </a:p>
-        </p:txBody>
-      </p:sp>
-      <p:pic>
-        <p:nvPicPr>
-          <p:cNvPr id="5" name="Segnaposto contenuto 4" descr="Immagine che contiene testo, schermata, software&#10;&#10;Descrizione generata automaticamente">
-            <a:extLst>
-              <a:ext uri="{FF2B5EF4-FFF2-40B4-BE49-F238E27FC236}">
-                <a16:creationId xmlns:a16="http://schemas.microsoft.com/office/drawing/2014/main" id="{EB4CAE0F-ED79-72A2-3A7E-C46C78EDDDF2}"/>
-              </a:ext>
-            </a:extLst>
-          </p:cNvPr>
-          <p:cNvPicPr>
-            <a:picLocks noChangeAspect="1"/>
-          </p:cNvPicPr>
-          <p:nvPr/>
-        </p:nvPicPr>
-        <p:blipFill>
-          <a:blip r:embed="rId2"/>
-          <a:stretch>
-            <a:fillRect/>
-          </a:stretch>
-        </p:blipFill>
-        <p:spPr>
-          <a:xfrm>
-            <a:off x="4786147" y="632145"/>
-            <a:ext cx="4338522" cy="5089178"/>
-          </a:xfrm>
-          <a:prstGeom prst="rect">
-            <a:avLst/>
-          </a:prstGeom>
-        </p:spPr>
-      </p:pic>
-    </p:spTree>
-    <p:extLst>
-      <p:ext uri="{BB962C8B-B14F-4D97-AF65-F5344CB8AC3E}">
-        <p14:creationId xmlns:p14="http://schemas.microsoft.com/office/powerpoint/2010/main" val="1920804738"/>
       </p:ext>
     </p:extLst>
   </p:cSld>
